--- a/534_ANN/fundamentals of machine leaning 1.pptx
+++ b/534_ANN/fundamentals of machine leaning 1.pptx
@@ -5,7 +5,7 @@
     <p:sldMasterId id="2147483648" r:id="rId1"/>
   </p:sldMasterIdLst>
   <p:notesMasterIdLst>
-    <p:notesMasterId r:id="rId26"/>
+    <p:notesMasterId r:id="rId30"/>
   </p:notesMasterIdLst>
   <p:sldIdLst>
     <p:sldId id="257" r:id="rId2"/>
@@ -25,13 +25,17 @@
     <p:sldId id="268" r:id="rId16"/>
     <p:sldId id="269" r:id="rId17"/>
     <p:sldId id="289" r:id="rId18"/>
-    <p:sldId id="303" r:id="rId19"/>
-    <p:sldId id="291" r:id="rId20"/>
-    <p:sldId id="299" r:id="rId21"/>
-    <p:sldId id="273" r:id="rId22"/>
-    <p:sldId id="298" r:id="rId23"/>
-    <p:sldId id="297" r:id="rId24"/>
-    <p:sldId id="275" r:id="rId25"/>
+    <p:sldId id="291" r:id="rId19"/>
+    <p:sldId id="299" r:id="rId20"/>
+    <p:sldId id="273" r:id="rId21"/>
+    <p:sldId id="298" r:id="rId22"/>
+    <p:sldId id="297" r:id="rId23"/>
+    <p:sldId id="275" r:id="rId24"/>
+    <p:sldId id="292" r:id="rId25"/>
+    <p:sldId id="293" r:id="rId26"/>
+    <p:sldId id="296" r:id="rId27"/>
+    <p:sldId id="300" r:id="rId28"/>
+    <p:sldId id="303" r:id="rId29"/>
   </p:sldIdLst>
   <p:sldSz cx="9144000" cy="6858000" type="screen4x3"/>
   <p:notesSz cx="6858000" cy="9144000"/>
@@ -231,7 +235,7 @@
           <a:p>
             <a:fld id="{4BBCA505-8DEE-45FB-AB5B-C17FABD56128}" type="datetimeFigureOut">
               <a:rPr lang="en-US" smtClean="0"/>
-              <a:t>8/23/2016</a:t>
+              <a:t>8/25/2016</a:t>
             </a:fld>
             <a:endParaRPr lang="en-US"/>
           </a:p>
@@ -973,7 +977,7 @@
                   <a:spcPct val="0"/>
                 </a:spcBef>
               </a:pPr>
-              <a:t>24</a:t>
+              <a:t>23</a:t>
             </a:fld>
             <a:endParaRPr lang="en-US" altLang="en-US" smtClean="0"/>
           </a:p>
@@ -1049,6 +1053,329 @@
     <p:extLst>
       <p:ext uri="{BB962C8B-B14F-4D97-AF65-F5344CB8AC3E}">
         <p14:creationId xmlns:p14="http://schemas.microsoft.com/office/powerpoint/2010/main" val="1970973404"/>
+      </p:ext>
+    </p:extLst>
+  </p:cSld>
+  <p:clrMapOvr>
+    <a:masterClrMapping/>
+  </p:clrMapOvr>
+</p:notes>
+</file>
+
+<file path=ppt/notesSlides/notesSlide11.xml><?xml version="1.0" encoding="utf-8"?>
+<p:notes xmlns:a="http://schemas.openxmlformats.org/drawingml/2006/main" xmlns:r="http://schemas.openxmlformats.org/officeDocument/2006/relationships" xmlns:p="http://schemas.openxmlformats.org/presentationml/2006/main">
+  <p:cSld>
+    <p:spTree>
+      <p:nvGrpSpPr>
+        <p:cNvPr id="1" name=""/>
+        <p:cNvGrpSpPr/>
+        <p:nvPr/>
+      </p:nvGrpSpPr>
+      <p:grpSpPr>
+        <a:xfrm>
+          <a:off x="0" y="0"/>
+          <a:ext cx="0" cy="0"/>
+          <a:chOff x="0" y="0"/>
+          <a:chExt cx="0" cy="0"/>
+        </a:xfrm>
+      </p:grpSpPr>
+      <p:sp>
+        <p:nvSpPr>
+          <p:cNvPr id="36866" name="Rectangle 7"/>
+          <p:cNvSpPr>
+            <a:spLocks noGrp="1" noChangeArrowheads="1"/>
+          </p:cNvSpPr>
+          <p:nvPr>
+            <p:ph type="sldNum" sz="quarter" idx="5"/>
+          </p:nvPr>
+        </p:nvSpPr>
+        <p:spPr>
+          <a:noFill/>
+        </p:spPr>
+        <p:txBody>
+          <a:bodyPr/>
+          <a:lstStyle>
+            <a:lvl1pPr eaLnBrk="0" hangingPunct="0">
+              <a:spcBef>
+                <a:spcPct val="30000"/>
+              </a:spcBef>
+              <a:defRPr sz="1200">
+                <a:solidFill>
+                  <a:schemeClr val="tx1"/>
+                </a:solidFill>
+                <a:latin typeface="Arial" charset="0"/>
+              </a:defRPr>
+            </a:lvl1pPr>
+            <a:lvl2pPr marL="742950" indent="-285750" eaLnBrk="0" hangingPunct="0">
+              <a:spcBef>
+                <a:spcPct val="30000"/>
+              </a:spcBef>
+              <a:defRPr sz="1200">
+                <a:solidFill>
+                  <a:schemeClr val="tx1"/>
+                </a:solidFill>
+                <a:latin typeface="Arial" charset="0"/>
+              </a:defRPr>
+            </a:lvl2pPr>
+            <a:lvl3pPr marL="1143000" indent="-228600" eaLnBrk="0" hangingPunct="0">
+              <a:spcBef>
+                <a:spcPct val="30000"/>
+              </a:spcBef>
+              <a:defRPr sz="1200">
+                <a:solidFill>
+                  <a:schemeClr val="tx1"/>
+                </a:solidFill>
+                <a:latin typeface="Arial" charset="0"/>
+              </a:defRPr>
+            </a:lvl3pPr>
+            <a:lvl4pPr marL="1600200" indent="-228600" eaLnBrk="0" hangingPunct="0">
+              <a:spcBef>
+                <a:spcPct val="30000"/>
+              </a:spcBef>
+              <a:defRPr sz="1200">
+                <a:solidFill>
+                  <a:schemeClr val="tx1"/>
+                </a:solidFill>
+                <a:latin typeface="Arial" charset="0"/>
+              </a:defRPr>
+            </a:lvl4pPr>
+            <a:lvl5pPr marL="2057400" indent="-228600" eaLnBrk="0" hangingPunct="0">
+              <a:spcBef>
+                <a:spcPct val="30000"/>
+              </a:spcBef>
+              <a:defRPr sz="1200">
+                <a:solidFill>
+                  <a:schemeClr val="tx1"/>
+                </a:solidFill>
+                <a:latin typeface="Arial" charset="0"/>
+              </a:defRPr>
+            </a:lvl5pPr>
+            <a:lvl6pPr marL="2514600" indent="-228600" eaLnBrk="0" fontAlgn="base" hangingPunct="0">
+              <a:spcBef>
+                <a:spcPct val="30000"/>
+              </a:spcBef>
+              <a:spcAft>
+                <a:spcPct val="0"/>
+              </a:spcAft>
+              <a:defRPr sz="1200">
+                <a:solidFill>
+                  <a:schemeClr val="tx1"/>
+                </a:solidFill>
+                <a:latin typeface="Arial" charset="0"/>
+              </a:defRPr>
+            </a:lvl6pPr>
+            <a:lvl7pPr marL="2971800" indent="-228600" eaLnBrk="0" fontAlgn="base" hangingPunct="0">
+              <a:spcBef>
+                <a:spcPct val="30000"/>
+              </a:spcBef>
+              <a:spcAft>
+                <a:spcPct val="0"/>
+              </a:spcAft>
+              <a:defRPr sz="1200">
+                <a:solidFill>
+                  <a:schemeClr val="tx1"/>
+                </a:solidFill>
+                <a:latin typeface="Arial" charset="0"/>
+              </a:defRPr>
+            </a:lvl7pPr>
+            <a:lvl8pPr marL="3429000" indent="-228600" eaLnBrk="0" fontAlgn="base" hangingPunct="0">
+              <a:spcBef>
+                <a:spcPct val="30000"/>
+              </a:spcBef>
+              <a:spcAft>
+                <a:spcPct val="0"/>
+              </a:spcAft>
+              <a:defRPr sz="1200">
+                <a:solidFill>
+                  <a:schemeClr val="tx1"/>
+                </a:solidFill>
+                <a:latin typeface="Arial" charset="0"/>
+              </a:defRPr>
+            </a:lvl8pPr>
+            <a:lvl9pPr marL="3886200" indent="-228600" eaLnBrk="0" fontAlgn="base" hangingPunct="0">
+              <a:spcBef>
+                <a:spcPct val="30000"/>
+              </a:spcBef>
+              <a:spcAft>
+                <a:spcPct val="0"/>
+              </a:spcAft>
+              <a:defRPr sz="1200">
+                <a:solidFill>
+                  <a:schemeClr val="tx1"/>
+                </a:solidFill>
+                <a:latin typeface="Arial" charset="0"/>
+              </a:defRPr>
+            </a:lvl9pPr>
+          </a:lstStyle>
+          <a:p>
+            <a:pPr eaLnBrk="1" hangingPunct="1">
+              <a:spcBef>
+                <a:spcPct val="0"/>
+              </a:spcBef>
+            </a:pPr>
+            <a:fld id="{50EAE64F-B35B-449D-88A4-D328DEB8A30A}" type="slidenum">
+              <a:rPr lang="en-US" altLang="en-US" smtClean="0"/>
+              <a:pPr eaLnBrk="1" hangingPunct="1">
+                <a:spcBef>
+                  <a:spcPct val="0"/>
+                </a:spcBef>
+              </a:pPr>
+              <a:t>25</a:t>
+            </a:fld>
+            <a:endParaRPr lang="en-US" altLang="en-US" smtClean="0"/>
+          </a:p>
+        </p:txBody>
+      </p:sp>
+      <p:sp>
+        <p:nvSpPr>
+          <p:cNvPr id="36867" name="Rectangle 2"/>
+          <p:cNvSpPr>
+            <a:spLocks noGrp="1" noRot="1" noChangeAspect="1" noChangeArrowheads="1" noTextEdit="1"/>
+          </p:cNvSpPr>
+          <p:nvPr>
+            <p:ph type="sldImg"/>
+          </p:nvPr>
+        </p:nvSpPr>
+        <p:spPr>
+          <a:xfrm>
+            <a:off x="1144588" y="685800"/>
+            <a:ext cx="4570412" cy="3427413"/>
+          </a:xfrm>
+          <a:ln/>
+        </p:spPr>
+      </p:sp>
+      <p:sp>
+        <p:nvSpPr>
+          <p:cNvPr id="36868" name="Rectangle 3"/>
+          <p:cNvSpPr>
+            <a:spLocks noGrp="1" noChangeArrowheads="1"/>
+          </p:cNvSpPr>
+          <p:nvPr>
+            <p:ph type="body" idx="1"/>
+          </p:nvPr>
+        </p:nvSpPr>
+        <p:spPr>
+          <a:xfrm>
+            <a:off x="685800" y="4341813"/>
+            <a:ext cx="5486400" cy="4116387"/>
+          </a:xfrm>
+          <a:noFill/>
+        </p:spPr>
+        <p:txBody>
+          <a:bodyPr lIns="91075" tIns="45537" rIns="91075" bIns="45537"/>
+          <a:lstStyle/>
+          <a:p>
+            <a:pPr eaLnBrk="1" hangingPunct="1"/>
+            <a:r>
+              <a:rPr lang="en-US" altLang="en-US" smtClean="0"/>
+              <a:t>Define “margin” of h(x) as the distance between the boundary of h(x) and the instance closest to it</a:t>
+            </a:r>
+          </a:p>
+          <a:p>
+            <a:pPr eaLnBrk="1" hangingPunct="1"/>
+            <a:r>
+              <a:rPr lang="en-US" altLang="en-US" smtClean="0"/>
+              <a:t>Hypotheses S and G have zero margin</a:t>
+            </a:r>
+          </a:p>
+        </p:txBody>
+      </p:sp>
+    </p:spTree>
+    <p:extLst>
+      <p:ext uri="{BB962C8B-B14F-4D97-AF65-F5344CB8AC3E}">
+        <p14:creationId xmlns:p14="http://schemas.microsoft.com/office/powerpoint/2010/main" val="229187519"/>
+      </p:ext>
+    </p:extLst>
+  </p:cSld>
+  <p:clrMapOvr>
+    <a:masterClrMapping/>
+  </p:clrMapOvr>
+</p:notes>
+</file>
+
+<file path=ppt/notesSlides/notesSlide12.xml><?xml version="1.0" encoding="utf-8"?>
+<p:notes xmlns:a="http://schemas.openxmlformats.org/drawingml/2006/main" xmlns:r="http://schemas.openxmlformats.org/officeDocument/2006/relationships" xmlns:p="http://schemas.openxmlformats.org/presentationml/2006/main">
+  <p:cSld>
+    <p:spTree>
+      <p:nvGrpSpPr>
+        <p:cNvPr id="1" name=""/>
+        <p:cNvGrpSpPr/>
+        <p:nvPr/>
+      </p:nvGrpSpPr>
+      <p:grpSpPr>
+        <a:xfrm>
+          <a:off x="0" y="0"/>
+          <a:ext cx="0" cy="0"/>
+          <a:chOff x="0" y="0"/>
+          <a:chExt cx="0" cy="0"/>
+        </a:xfrm>
+      </p:grpSpPr>
+      <p:sp>
+        <p:nvSpPr>
+          <p:cNvPr id="2" name="Slide Image Placeholder 1"/>
+          <p:cNvSpPr>
+            <a:spLocks noGrp="1" noRot="1" noChangeAspect="1"/>
+          </p:cNvSpPr>
+          <p:nvPr>
+            <p:ph type="sldImg"/>
+          </p:nvPr>
+        </p:nvSpPr>
+        <p:spPr/>
+      </p:sp>
+      <p:sp>
+        <p:nvSpPr>
+          <p:cNvPr id="3" name="Notes Placeholder 2"/>
+          <p:cNvSpPr>
+            <a:spLocks noGrp="1"/>
+          </p:cNvSpPr>
+          <p:nvPr>
+            <p:ph type="body" idx="1"/>
+          </p:nvPr>
+        </p:nvSpPr>
+        <p:spPr/>
+        <p:txBody>
+          <a:bodyPr/>
+          <a:lstStyle/>
+          <a:p>
+            <a:r>
+              <a:rPr lang="en-US" dirty="0" smtClean="0"/>
+              <a:t>N because the union could include rectangles small enough to enclose</a:t>
+            </a:r>
+            <a:r>
+              <a:rPr lang="en-US" baseline="0" dirty="0" smtClean="0"/>
+              <a:t> individual data points</a:t>
+            </a:r>
+            <a:endParaRPr lang="en-US" dirty="0"/>
+          </a:p>
+        </p:txBody>
+      </p:sp>
+      <p:sp>
+        <p:nvSpPr>
+          <p:cNvPr id="4" name="Slide Number Placeholder 3"/>
+          <p:cNvSpPr>
+            <a:spLocks noGrp="1"/>
+          </p:cNvSpPr>
+          <p:nvPr>
+            <p:ph type="sldNum" sz="quarter" idx="10"/>
+          </p:nvPr>
+        </p:nvSpPr>
+        <p:spPr/>
+        <p:txBody>
+          <a:bodyPr/>
+          <a:lstStyle/>
+          <a:p>
+            <a:fld id="{971D4EB7-92B4-440C-8D06-59A273164B31}" type="slidenum">
+              <a:rPr lang="en-US" smtClean="0"/>
+              <a:t>27</a:t>
+            </a:fld>
+            <a:endParaRPr lang="en-US"/>
+          </a:p>
+        </p:txBody>
+      </p:sp>
+    </p:spTree>
+    <p:extLst>
+      <p:ext uri="{BB962C8B-B14F-4D97-AF65-F5344CB8AC3E}">
+        <p14:creationId xmlns:p14="http://schemas.microsoft.com/office/powerpoint/2010/main" val="1269267391"/>
       </p:ext>
     </p:extLst>
   </p:cSld>
@@ -2252,7 +2579,7 @@
                   <a:spcPct val="0"/>
                 </a:spcBef>
               </a:pPr>
-              <a:t>19</a:t>
+              <a:t>18</a:t>
             </a:fld>
             <a:endParaRPr lang="en-US" altLang="en-US" smtClean="0"/>
           </a:p>
@@ -2483,7 +2810,7 @@
                   <a:spcPct val="0"/>
                 </a:spcBef>
               </a:pPr>
-              <a:t>20</a:t>
+              <a:t>19</a:t>
             </a:fld>
             <a:endParaRPr lang="en-US" altLang="en-US" smtClean="0"/>
           </a:p>
@@ -2721,7 +3048,7 @@
                   <a:spcPct val="0"/>
                 </a:spcBef>
               </a:pPr>
-              <a:t>21</a:t>
+              <a:t>20</a:t>
             </a:fld>
             <a:endParaRPr lang="en-US" altLang="en-US" smtClean="0"/>
           </a:p>
@@ -2942,7 +3269,7 @@
                   <a:spcPct val="0"/>
                 </a:spcBef>
               </a:pPr>
-              <a:t>22</a:t>
+              <a:t>21</a:t>
             </a:fld>
             <a:endParaRPr lang="en-US" altLang="en-US" smtClean="0"/>
           </a:p>
@@ -3186,7 +3513,7 @@
           <a:p>
             <a:fld id="{4029977E-5529-402D-B2FF-6451277B3693}" type="datetimeFigureOut">
               <a:rPr lang="en-US" smtClean="0"/>
-              <a:t>8/23/2016</a:t>
+              <a:t>8/25/2016</a:t>
             </a:fld>
             <a:endParaRPr lang="en-US"/>
           </a:p>
@@ -3356,7 +3683,7 @@
           <a:p>
             <a:fld id="{4029977E-5529-402D-B2FF-6451277B3693}" type="datetimeFigureOut">
               <a:rPr lang="en-US" smtClean="0"/>
-              <a:t>8/23/2016</a:t>
+              <a:t>8/25/2016</a:t>
             </a:fld>
             <a:endParaRPr lang="en-US"/>
           </a:p>
@@ -3536,7 +3863,7 @@
           <a:p>
             <a:fld id="{4029977E-5529-402D-B2FF-6451277B3693}" type="datetimeFigureOut">
               <a:rPr lang="en-US" smtClean="0"/>
-              <a:t>8/23/2016</a:t>
+              <a:t>8/25/2016</a:t>
             </a:fld>
             <a:endParaRPr lang="en-US"/>
           </a:p>
@@ -3706,7 +4033,7 @@
           <a:p>
             <a:fld id="{4029977E-5529-402D-B2FF-6451277B3693}" type="datetimeFigureOut">
               <a:rPr lang="en-US" smtClean="0"/>
-              <a:t>8/23/2016</a:t>
+              <a:t>8/25/2016</a:t>
             </a:fld>
             <a:endParaRPr lang="en-US"/>
           </a:p>
@@ -3952,7 +4279,7 @@
           <a:p>
             <a:fld id="{4029977E-5529-402D-B2FF-6451277B3693}" type="datetimeFigureOut">
               <a:rPr lang="en-US" smtClean="0"/>
-              <a:t>8/23/2016</a:t>
+              <a:t>8/25/2016</a:t>
             </a:fld>
             <a:endParaRPr lang="en-US"/>
           </a:p>
@@ -4240,7 +4567,7 @@
           <a:p>
             <a:fld id="{4029977E-5529-402D-B2FF-6451277B3693}" type="datetimeFigureOut">
               <a:rPr lang="en-US" smtClean="0"/>
-              <a:t>8/23/2016</a:t>
+              <a:t>8/25/2016</a:t>
             </a:fld>
             <a:endParaRPr lang="en-US"/>
           </a:p>
@@ -4662,7 +4989,7 @@
           <a:p>
             <a:fld id="{4029977E-5529-402D-B2FF-6451277B3693}" type="datetimeFigureOut">
               <a:rPr lang="en-US" smtClean="0"/>
-              <a:t>8/23/2016</a:t>
+              <a:t>8/25/2016</a:t>
             </a:fld>
             <a:endParaRPr lang="en-US"/>
           </a:p>
@@ -4780,7 +5107,7 @@
           <a:p>
             <a:fld id="{4029977E-5529-402D-B2FF-6451277B3693}" type="datetimeFigureOut">
               <a:rPr lang="en-US" smtClean="0"/>
-              <a:t>8/23/2016</a:t>
+              <a:t>8/25/2016</a:t>
             </a:fld>
             <a:endParaRPr lang="en-US"/>
           </a:p>
@@ -4875,7 +5202,7 @@
           <a:p>
             <a:fld id="{4029977E-5529-402D-B2FF-6451277B3693}" type="datetimeFigureOut">
               <a:rPr lang="en-US" smtClean="0"/>
-              <a:t>8/23/2016</a:t>
+              <a:t>8/25/2016</a:t>
             </a:fld>
             <a:endParaRPr lang="en-US"/>
           </a:p>
@@ -5152,7 +5479,7 @@
           <a:p>
             <a:fld id="{4029977E-5529-402D-B2FF-6451277B3693}" type="datetimeFigureOut">
               <a:rPr lang="en-US" smtClean="0"/>
-              <a:t>8/23/2016</a:t>
+              <a:t>8/25/2016</a:t>
             </a:fld>
             <a:endParaRPr lang="en-US"/>
           </a:p>
@@ -5405,7 +5732,7 @@
           <a:p>
             <a:fld id="{4029977E-5529-402D-B2FF-6451277B3693}" type="datetimeFigureOut">
               <a:rPr lang="en-US" smtClean="0"/>
-              <a:t>8/23/2016</a:t>
+              <a:t>8/25/2016</a:t>
             </a:fld>
             <a:endParaRPr lang="en-US"/>
           </a:p>
@@ -5618,7 +5945,7 @@
           <a:p>
             <a:fld id="{4029977E-5529-402D-B2FF-6451277B3693}" type="datetimeFigureOut">
               <a:rPr lang="en-US" smtClean="0"/>
-              <a:t>8/23/2016</a:t>
+              <a:t>8/25/2016</a:t>
             </a:fld>
             <a:endParaRPr lang="en-US"/>
           </a:p>
@@ -6390,7 +6717,7 @@
           <a:graphicData uri="http://schemas.openxmlformats.org/presentationml/2006/ole">
             <mc:AlternateContent xmlns:mc="http://schemas.openxmlformats.org/markup-compatibility/2006">
               <mc:Choice xmlns:v="urn:schemas-microsoft-com:vml" Requires="v">
-                <p:oleObj spid="_x0000_s1178" name="Equation" r:id="rId5" imgW="0" imgH="0" progId="Equation.3">
+                <p:oleObj spid="_x0000_s1190" name="Equation" r:id="rId5" imgW="0" imgH="0" progId="Equation.3">
                   <p:embed/>
                 </p:oleObj>
               </mc:Choice>
@@ -6475,7 +6802,7 @@
           <a:graphicData uri="http://schemas.openxmlformats.org/presentationml/2006/ole">
             <mc:AlternateContent xmlns:mc="http://schemas.openxmlformats.org/markup-compatibility/2006">
               <mc:Choice xmlns:v="urn:schemas-microsoft-com:vml" Requires="v">
-                <p:oleObj spid="_x0000_s1179" name="Equation" r:id="rId6" imgW="863225" imgH="241195" progId="Equation.3">
+                <p:oleObj spid="_x0000_s1191" name="Equation" r:id="rId6" imgW="863225" imgH="241195" progId="Equation.3">
                   <p:embed/>
                 </p:oleObj>
               </mc:Choice>
@@ -6565,7 +6892,7 @@
           <a:graphicData uri="http://schemas.openxmlformats.org/presentationml/2006/ole">
             <mc:AlternateContent xmlns:mc="http://schemas.openxmlformats.org/markup-compatibility/2006">
               <mc:Choice xmlns:v="urn:schemas-microsoft-com:vml" Requires="v">
-                <p:oleObj spid="_x0000_s1180" name="Equation" r:id="rId8" imgW="2298600" imgH="457200" progId="Equation.3">
+                <p:oleObj spid="_x0000_s1192" name="Equation" r:id="rId8" imgW="2298600" imgH="457200" progId="Equation.3">
                   <p:embed/>
                 </p:oleObj>
               </mc:Choice>
@@ -6674,7 +7001,7 @@
           <a:graphicData uri="http://schemas.openxmlformats.org/presentationml/2006/ole">
             <mc:AlternateContent xmlns:mc="http://schemas.openxmlformats.org/markup-compatibility/2006">
               <mc:Choice xmlns:v="urn:schemas-microsoft-com:vml" Requires="v">
-                <p:oleObj spid="_x0000_s1181" name="Equation" r:id="rId10" imgW="533169" imgH="457002" progId="Equation.3">
+                <p:oleObj spid="_x0000_s1193" name="Equation" r:id="rId10" imgW="533169" imgH="457002" progId="Equation.3">
                   <p:embed/>
                 </p:oleObj>
               </mc:Choice>
@@ -7581,7 +7908,7 @@
           <a:graphicData uri="http://schemas.openxmlformats.org/presentationml/2006/ole">
             <mc:AlternateContent xmlns:mc="http://schemas.openxmlformats.org/markup-compatibility/2006">
               <mc:Choice xmlns:v="urn:schemas-microsoft-com:vml" Requires="v">
-                <p:oleObj spid="_x0000_s2088" name="Equation" r:id="rId5" imgW="3022600" imgH="203200" progId="Equation.3">
+                <p:oleObj spid="_x0000_s2091" name="Equation" r:id="rId5" imgW="3022600" imgH="203200" progId="Equation.3">
                   <p:embed/>
                 </p:oleObj>
               </mc:Choice>
@@ -7907,7 +8234,7 @@
           <a:graphicData uri="http://schemas.openxmlformats.org/presentationml/2006/ole">
             <mc:AlternateContent xmlns:mc="http://schemas.openxmlformats.org/markup-compatibility/2006">
               <mc:Choice xmlns:v="urn:schemas-microsoft-com:vml" Requires="v">
-                <p:oleObj spid="_x0000_s3112" name="Equation" r:id="rId5" imgW="1663560" imgH="431640" progId="Equation.3">
+                <p:oleObj spid="_x0000_s3115" name="Equation" r:id="rId5" imgW="1663560" imgH="431640" progId="Equation.3">
                   <p:embed/>
                 </p:oleObj>
               </mc:Choice>
@@ -8039,7 +8366,7 @@
                 <a:latin typeface="Arial" panose="020B0604020202020204" pitchFamily="34" charset="0"/>
                 <a:cs typeface="Arial" panose="020B0604020202020204" pitchFamily="34" charset="0"/>
               </a:rPr>
-              <a:t>In-sample error on h defined by</a:t>
+              <a:t>In-sample error on h is defined by</a:t>
             </a:r>
             <a:endParaRPr lang="en-GB" sz="2400" dirty="0">
               <a:latin typeface="Arial" panose="020B0604020202020204" pitchFamily="34" charset="0"/>
@@ -8449,7 +8776,7 @@
           <a:graphicData uri="http://schemas.openxmlformats.org/presentationml/2006/ole">
             <mc:AlternateContent xmlns:mc="http://schemas.openxmlformats.org/markup-compatibility/2006">
               <mc:Choice xmlns:v="urn:schemas-microsoft-com:vml" Requires="v">
-                <p:oleObj spid="_x0000_s4122" name="Equation" r:id="rId5" imgW="1663560" imgH="431640" progId="Equation.3">
+                <p:oleObj spid="_x0000_s4125" name="Equation" r:id="rId5" imgW="1663560" imgH="431640" progId="Equation.3">
                   <p:embed/>
                 </p:oleObj>
               </mc:Choice>
@@ -9803,13 +10130,13 @@
               <a:t>, with no </a:t>
             </a:r>
             <a:r>
-              <a:rPr lang="en-US" altLang="en-US" sz="2800" i="1" dirty="0" err="1" smtClean="0">
+              <a:rPr lang="en-US" altLang="en-US" sz="2800" i="1" dirty="0" smtClean="0">
                 <a:latin typeface="Calibri" pitchFamily="34" charset="0"/>
               </a:rPr>
               <a:t>E</a:t>
             </a:r>
             <a:r>
-              <a:rPr lang="en-US" altLang="en-US" sz="2800" i="1" baseline="-25000" dirty="0" err="1" smtClean="0">
+              <a:rPr lang="en-US" altLang="en-US" sz="2800" i="1" baseline="-25000" dirty="0" smtClean="0">
                 <a:latin typeface="Calibri" pitchFamily="34" charset="0"/>
               </a:rPr>
               <a:t>in</a:t>
@@ -10333,190 +10660,6 @@
             <a:endParaRPr lang="tr-TR" altLang="en-US" sz="2800" dirty="0">
               <a:latin typeface="Calibri" pitchFamily="34" charset="0"/>
             </a:endParaRPr>
-          </a:p>
-        </p:txBody>
-      </p:sp>
-      <p:sp>
-        <p:nvSpPr>
-          <p:cNvPr id="14346" name="Footer Placeholder 10"/>
-          <p:cNvSpPr txBox="1">
-            <a:spLocks noGrp="1"/>
-          </p:cNvSpPr>
-          <p:nvPr/>
-        </p:nvSpPr>
-        <p:spPr bwMode="auto">
-          <a:xfrm>
-            <a:off x="1285875" y="6356350"/>
-            <a:ext cx="6572250" cy="365125"/>
-          </a:xfrm>
-          <a:prstGeom prst="rect">
-            <a:avLst/>
-          </a:prstGeom>
-          <a:noFill/>
-          <a:ln>
-            <a:noFill/>
-          </a:ln>
-          <a:extLst>
-            <a:ext uri="{909E8E84-426E-40DD-AFC4-6F175D3DCCD1}">
-              <a14:hiddenFill xmlns:a14="http://schemas.microsoft.com/office/drawing/2010/main">
-                <a:solidFill>
-                  <a:srgbClr val="FFFFFF"/>
-                </a:solidFill>
-              </a14:hiddenFill>
-            </a:ext>
-            <a:ext uri="{91240B29-F687-4F45-9708-019B960494DF}">
-              <a14:hiddenLine xmlns:a14="http://schemas.microsoft.com/office/drawing/2010/main" w="9525">
-                <a:solidFill>
-                  <a:srgbClr val="000000"/>
-                </a:solidFill>
-                <a:miter lim="800000"/>
-                <a:headEnd/>
-                <a:tailEnd/>
-              </a14:hiddenLine>
-            </a:ext>
-          </a:extLst>
-        </p:spPr>
-        <p:txBody>
-          <a:bodyPr lIns="0" tIns="0" rIns="0" bIns="0" anchor="b"/>
-          <a:lstStyle>
-            <a:lvl1pPr eaLnBrk="0" hangingPunct="0">
-              <a:spcBef>
-                <a:spcPct val="20000"/>
-              </a:spcBef>
-              <a:buChar char="•"/>
-              <a:defRPr sz="3200">
-                <a:solidFill>
-                  <a:schemeClr val="tx1"/>
-                </a:solidFill>
-                <a:latin typeface="Arial" charset="0"/>
-              </a:defRPr>
-            </a:lvl1pPr>
-            <a:lvl2pPr marL="742950" indent="-285750" eaLnBrk="0" hangingPunct="0">
-              <a:spcBef>
-                <a:spcPct val="20000"/>
-              </a:spcBef>
-              <a:buChar char="–"/>
-              <a:defRPr sz="2800">
-                <a:solidFill>
-                  <a:schemeClr val="tx1"/>
-                </a:solidFill>
-                <a:latin typeface="Arial" charset="0"/>
-              </a:defRPr>
-            </a:lvl2pPr>
-            <a:lvl3pPr marL="1143000" indent="-228600" eaLnBrk="0" hangingPunct="0">
-              <a:spcBef>
-                <a:spcPct val="20000"/>
-              </a:spcBef>
-              <a:buChar char="•"/>
-              <a:defRPr sz="2400">
-                <a:solidFill>
-                  <a:schemeClr val="tx1"/>
-                </a:solidFill>
-                <a:latin typeface="Arial" charset="0"/>
-              </a:defRPr>
-            </a:lvl3pPr>
-            <a:lvl4pPr marL="1600200" indent="-228600" eaLnBrk="0" hangingPunct="0">
-              <a:spcBef>
-                <a:spcPct val="20000"/>
-              </a:spcBef>
-              <a:buChar char="–"/>
-              <a:defRPr sz="2000">
-                <a:solidFill>
-                  <a:schemeClr val="tx1"/>
-                </a:solidFill>
-                <a:latin typeface="Arial" charset="0"/>
-              </a:defRPr>
-            </a:lvl4pPr>
-            <a:lvl5pPr marL="2057400" indent="-228600" eaLnBrk="0" hangingPunct="0">
-              <a:spcBef>
-                <a:spcPct val="20000"/>
-              </a:spcBef>
-              <a:buChar char="»"/>
-              <a:defRPr sz="2000">
-                <a:solidFill>
-                  <a:schemeClr val="tx1"/>
-                </a:solidFill>
-                <a:latin typeface="Arial" charset="0"/>
-              </a:defRPr>
-            </a:lvl5pPr>
-            <a:lvl6pPr marL="2514600" indent="-228600" eaLnBrk="0" fontAlgn="base" hangingPunct="0">
-              <a:spcBef>
-                <a:spcPct val="20000"/>
-              </a:spcBef>
-              <a:spcAft>
-                <a:spcPct val="0"/>
-              </a:spcAft>
-              <a:buChar char="»"/>
-              <a:defRPr sz="2000">
-                <a:solidFill>
-                  <a:schemeClr val="tx1"/>
-                </a:solidFill>
-                <a:latin typeface="Arial" charset="0"/>
-              </a:defRPr>
-            </a:lvl6pPr>
-            <a:lvl7pPr marL="2971800" indent="-228600" eaLnBrk="0" fontAlgn="base" hangingPunct="0">
-              <a:spcBef>
-                <a:spcPct val="20000"/>
-              </a:spcBef>
-              <a:spcAft>
-                <a:spcPct val="0"/>
-              </a:spcAft>
-              <a:buChar char="»"/>
-              <a:defRPr sz="2000">
-                <a:solidFill>
-                  <a:schemeClr val="tx1"/>
-                </a:solidFill>
-                <a:latin typeface="Arial" charset="0"/>
-              </a:defRPr>
-            </a:lvl7pPr>
-            <a:lvl8pPr marL="3429000" indent="-228600" eaLnBrk="0" fontAlgn="base" hangingPunct="0">
-              <a:spcBef>
-                <a:spcPct val="20000"/>
-              </a:spcBef>
-              <a:spcAft>
-                <a:spcPct val="0"/>
-              </a:spcAft>
-              <a:buChar char="»"/>
-              <a:defRPr sz="2000">
-                <a:solidFill>
-                  <a:schemeClr val="tx1"/>
-                </a:solidFill>
-                <a:latin typeface="Arial" charset="0"/>
-              </a:defRPr>
-            </a:lvl8pPr>
-            <a:lvl9pPr marL="3886200" indent="-228600" eaLnBrk="0" fontAlgn="base" hangingPunct="0">
-              <a:spcBef>
-                <a:spcPct val="20000"/>
-              </a:spcBef>
-              <a:spcAft>
-                <a:spcPct val="0"/>
-              </a:spcAft>
-              <a:buChar char="»"/>
-              <a:defRPr sz="2000">
-                <a:solidFill>
-                  <a:schemeClr val="tx1"/>
-                </a:solidFill>
-                <a:latin typeface="Arial" charset="0"/>
-              </a:defRPr>
-            </a:lvl9pPr>
-          </a:lstStyle>
-          <a:p>
-            <a:pPr eaLnBrk="1" hangingPunct="1">
-              <a:spcBef>
-                <a:spcPct val="0"/>
-              </a:spcBef>
-              <a:buFontTx/>
-              <a:buNone/>
-            </a:pPr>
-            <a:r>
-              <a:rPr lang="tr-TR" altLang="en-US" sz="1200" dirty="0">
-                <a:solidFill>
-                  <a:srgbClr val="7F7F7F"/>
-                </a:solidFill>
-                <a:latin typeface="Calibri" pitchFamily="34" charset="0"/>
-              </a:rPr>
-              <a:t>Lecture Notes for E Alpaydın 2010 Introduction to Machine Learning 2e © The MIT Press (V1.0)</a:t>
-            </a:r>
           </a:p>
         </p:txBody>
       </p:sp>
@@ -11195,8 +11338,8 @@
         </p:nvSpPr>
         <p:spPr bwMode="auto">
           <a:xfrm>
-            <a:off x="914400" y="204247"/>
-            <a:ext cx="7919357" cy="1631216"/>
+            <a:off x="1368878" y="574354"/>
+            <a:ext cx="7690757" cy="1938992"/>
           </a:xfrm>
           <a:prstGeom prst="rect">
             <a:avLst/>
@@ -11371,80 +11514,57 @@
             </a:pPr>
             <a:r>
               <a:rPr lang="en-US" altLang="en-US" sz="2000" dirty="0" smtClean="0"/>
-              <a:t>A </a:t>
+              <a:t>I have access to a database that associates product line with price, p, and engine power, e,  via VIN number.  How does the version space change with the following new data: (1) family car (</a:t>
             </a:r>
             <a:r>
               <a:rPr lang="en-US" altLang="en-US" sz="2000" dirty="0" err="1" smtClean="0"/>
-              <a:t>dichotomizer</a:t>
+              <a:t>p,e</a:t>
             </a:r>
             <a:r>
               <a:rPr lang="en-US" altLang="en-US" sz="2000" dirty="0" smtClean="0"/>
-              <a:t> has been trained by N examples.  </a:t>
-            </a:r>
-          </a:p>
-          <a:p>
-            <a:pPr eaLnBrk="1" hangingPunct="1">
-              <a:spcBef>
-                <a:spcPct val="0"/>
-              </a:spcBef>
-              <a:buFontTx/>
-              <a:buNone/>
-            </a:pPr>
+              <a:t>) inside S, (2) family car (</a:t>
+            </a:r>
+            <a:r>
+              <a:rPr lang="en-US" altLang="en-US" sz="2000" dirty="0" err="1" smtClean="0"/>
+              <a:t>p,e</a:t>
+            </a:r>
             <a:r>
               <a:rPr lang="en-US" altLang="en-US" sz="2000" dirty="0" smtClean="0"/>
-              <a:t>Results are poor due to limited data.</a:t>
-            </a:r>
-          </a:p>
-          <a:p>
-            <a:pPr eaLnBrk="1" hangingPunct="1">
-              <a:spcBef>
-                <a:spcPct val="0"/>
-              </a:spcBef>
-              <a:buFontTx/>
-              <a:buNone/>
-            </a:pPr>
+              <a:t>) in version space, (3) family car (</a:t>
+            </a:r>
+            <a:r>
+              <a:rPr lang="en-US" altLang="en-US" sz="2000" dirty="0" err="1" smtClean="0"/>
+              <a:t>p,e</a:t>
+            </a:r>
             <a:r>
               <a:rPr lang="en-US" altLang="en-US" sz="2000" dirty="0" smtClean="0"/>
-              <a:t>An </a:t>
-            </a:r>
-            <a:r>
-              <a:rPr lang="en-US" altLang="en-US" sz="2000" dirty="0"/>
-              <a:t>expert will label any additional </a:t>
+              <a:t>) outside G, (4) not family (</a:t>
+            </a:r>
+            <a:r>
+              <a:rPr lang="en-US" altLang="en-US" sz="2000" dirty="0" err="1" smtClean="0"/>
+              <a:t>p,e</a:t>
             </a:r>
             <a:r>
               <a:rPr lang="en-US" altLang="en-US" sz="2000" dirty="0" smtClean="0"/>
-              <a:t>attribute vector that </a:t>
-            </a:r>
-            <a:r>
-              <a:rPr lang="en-US" altLang="en-US" sz="2000" dirty="0"/>
-              <a:t>I specify</a:t>
+              <a:t>) inside S, (5) not family (</a:t>
+            </a:r>
+            <a:r>
+              <a:rPr lang="en-US" altLang="en-US" sz="2000" dirty="0" err="1" smtClean="0"/>
+              <a:t>p,e</a:t>
             </a:r>
             <a:r>
               <a:rPr lang="en-US" altLang="en-US" sz="2000" dirty="0" smtClean="0"/>
-              <a:t>.</a:t>
+              <a:t>) in version space, (6) not family (</a:t>
+            </a:r>
+            <a:r>
+              <a:rPr lang="en-US" altLang="en-US" sz="2000" dirty="0" err="1" smtClean="0"/>
+              <a:t>p,e</a:t>
+            </a:r>
+            <a:r>
+              <a:rPr lang="en-US" altLang="en-US" sz="2000" dirty="0" smtClean="0"/>
+              <a:t>) outside G</a:t>
             </a:r>
             <a:endParaRPr lang="en-US" altLang="en-US" sz="2000" dirty="0"/>
-          </a:p>
-          <a:p>
-            <a:pPr eaLnBrk="1" hangingPunct="1">
-              <a:spcBef>
-                <a:spcPct val="0"/>
-              </a:spcBef>
-              <a:buFontTx/>
-              <a:buNone/>
-            </a:pPr>
-            <a:r>
-              <a:rPr lang="en-US" altLang="en-US" sz="2000" dirty="0"/>
-              <a:t>Where should attribute vectors be chosen to make </a:t>
-            </a:r>
-            <a:r>
-              <a:rPr lang="en-US" altLang="en-US" sz="2000" dirty="0" smtClean="0"/>
-              <a:t>the </a:t>
-            </a:r>
-            <a:r>
-              <a:rPr lang="en-US" altLang="en-US" sz="2000" dirty="0"/>
-              <a:t>most effective use of the expert? </a:t>
-            </a:r>
           </a:p>
         </p:txBody>
       </p:sp>
@@ -11485,876 +11605,6 @@
           <a:chExt cx="0" cy="0"/>
         </a:xfrm>
       </p:grpSpPr>
-      <p:pic>
-        <p:nvPicPr>
-          <p:cNvPr id="13314" name="Picture 6"/>
-          <p:cNvPicPr>
-            <a:picLocks noChangeAspect="1" noChangeArrowheads="1"/>
-          </p:cNvPicPr>
-          <p:nvPr/>
-        </p:nvPicPr>
-        <p:blipFill>
-          <a:blip r:embed="rId2">
-            <a:extLst>
-              <a:ext uri="{28A0092B-C50C-407E-A947-70E740481C1C}">
-                <a14:useLocalDpi xmlns:a14="http://schemas.microsoft.com/office/drawing/2010/main" val="0"/>
-              </a:ext>
-            </a:extLst>
-          </a:blip>
-          <a:srcRect/>
-          <a:stretch>
-            <a:fillRect/>
-          </a:stretch>
-        </p:blipFill>
-        <p:spPr bwMode="auto">
-          <a:xfrm>
-            <a:off x="395288" y="1557338"/>
-            <a:ext cx="5581650" cy="5086350"/>
-          </a:xfrm>
-          <a:prstGeom prst="rect">
-            <a:avLst/>
-          </a:prstGeom>
-          <a:noFill/>
-          <a:ln>
-            <a:noFill/>
-          </a:ln>
-          <a:extLst>
-            <a:ext uri="{909E8E84-426E-40DD-AFC4-6F175D3DCCD1}">
-              <a14:hiddenFill xmlns:a14="http://schemas.microsoft.com/office/drawing/2010/main">
-                <a:solidFill>
-                  <a:srgbClr val="FFFFFF"/>
-                </a:solidFill>
-              </a14:hiddenFill>
-            </a:ext>
-            <a:ext uri="{91240B29-F687-4F45-9708-019B960494DF}">
-              <a14:hiddenLine xmlns:a14="http://schemas.microsoft.com/office/drawing/2010/main" w="9525">
-                <a:solidFill>
-                  <a:srgbClr val="000000"/>
-                </a:solidFill>
-                <a:miter lim="800000"/>
-                <a:headEnd/>
-                <a:tailEnd/>
-              </a14:hiddenLine>
-            </a:ext>
-          </a:extLst>
-        </p:spPr>
-      </p:pic>
-      <p:sp>
-        <p:nvSpPr>
-          <p:cNvPr id="13316" name="Text Box 4"/>
-          <p:cNvSpPr txBox="1">
-            <a:spLocks noChangeArrowheads="1"/>
-          </p:cNvSpPr>
-          <p:nvPr/>
-        </p:nvSpPr>
-        <p:spPr bwMode="auto">
-          <a:xfrm>
-            <a:off x="5172083" y="2629878"/>
-            <a:ext cx="423514" cy="461665"/>
-          </a:xfrm>
-          <a:prstGeom prst="rect">
-            <a:avLst/>
-          </a:prstGeom>
-          <a:noFill/>
-          <a:ln>
-            <a:noFill/>
-          </a:ln>
-          <a:effectLst/>
-          <a:extLst>
-            <a:ext uri="{909E8E84-426E-40DD-AFC4-6F175D3DCCD1}">
-              <a14:hiddenFill xmlns:a14="http://schemas.microsoft.com/office/drawing/2010/main">
-                <a:solidFill>
-                  <a:schemeClr val="accent1"/>
-                </a:solidFill>
-              </a14:hiddenFill>
-            </a:ext>
-            <a:ext uri="{91240B29-F687-4F45-9708-019B960494DF}">
-              <a14:hiddenLine xmlns:a14="http://schemas.microsoft.com/office/drawing/2010/main" w="9525">
-                <a:solidFill>
-                  <a:schemeClr val="tx1"/>
-                </a:solidFill>
-                <a:miter lim="800000"/>
-                <a:headEnd/>
-                <a:tailEnd/>
-              </a14:hiddenLine>
-            </a:ext>
-            <a:ext uri="{AF507438-7753-43E0-B8FC-AC1667EBCBE1}">
-              <a14:hiddenEffects xmlns:a14="http://schemas.microsoft.com/office/drawing/2010/main">
-                <a:effectLst>
-                  <a:outerShdw dist="35921" dir="2700000" algn="ctr" rotWithShape="0">
-                    <a:schemeClr val="bg2"/>
-                  </a:outerShdw>
-                </a:effectLst>
-              </a14:hiddenEffects>
-            </a:ext>
-          </a:extLst>
-        </p:spPr>
-        <p:txBody>
-          <a:bodyPr wrap="none">
-            <a:spAutoFit/>
-          </a:bodyPr>
-          <a:lstStyle>
-            <a:lvl1pPr eaLnBrk="0" hangingPunct="0">
-              <a:spcBef>
-                <a:spcPct val="20000"/>
-              </a:spcBef>
-              <a:buChar char="•"/>
-              <a:defRPr sz="3200">
-                <a:solidFill>
-                  <a:schemeClr val="tx1"/>
-                </a:solidFill>
-                <a:latin typeface="Arial" charset="0"/>
-              </a:defRPr>
-            </a:lvl1pPr>
-            <a:lvl2pPr marL="742950" indent="-285750" eaLnBrk="0" hangingPunct="0">
-              <a:spcBef>
-                <a:spcPct val="20000"/>
-              </a:spcBef>
-              <a:buChar char="–"/>
-              <a:defRPr sz="2800">
-                <a:solidFill>
-                  <a:schemeClr val="tx1"/>
-                </a:solidFill>
-                <a:latin typeface="Arial" charset="0"/>
-              </a:defRPr>
-            </a:lvl2pPr>
-            <a:lvl3pPr marL="1143000" indent="-228600" eaLnBrk="0" hangingPunct="0">
-              <a:spcBef>
-                <a:spcPct val="20000"/>
-              </a:spcBef>
-              <a:buChar char="•"/>
-              <a:defRPr sz="2400">
-                <a:solidFill>
-                  <a:schemeClr val="tx1"/>
-                </a:solidFill>
-                <a:latin typeface="Arial" charset="0"/>
-              </a:defRPr>
-            </a:lvl3pPr>
-            <a:lvl4pPr marL="1600200" indent="-228600" eaLnBrk="0" hangingPunct="0">
-              <a:spcBef>
-                <a:spcPct val="20000"/>
-              </a:spcBef>
-              <a:buChar char="–"/>
-              <a:defRPr sz="2000">
-                <a:solidFill>
-                  <a:schemeClr val="tx1"/>
-                </a:solidFill>
-                <a:latin typeface="Arial" charset="0"/>
-              </a:defRPr>
-            </a:lvl4pPr>
-            <a:lvl5pPr marL="2057400" indent="-228600" eaLnBrk="0" hangingPunct="0">
-              <a:spcBef>
-                <a:spcPct val="20000"/>
-              </a:spcBef>
-              <a:buChar char="»"/>
-              <a:defRPr sz="2000">
-                <a:solidFill>
-                  <a:schemeClr val="tx1"/>
-                </a:solidFill>
-                <a:latin typeface="Arial" charset="0"/>
-              </a:defRPr>
-            </a:lvl5pPr>
-            <a:lvl6pPr marL="2514600" indent="-228600" eaLnBrk="0" fontAlgn="base" hangingPunct="0">
-              <a:spcBef>
-                <a:spcPct val="20000"/>
-              </a:spcBef>
-              <a:spcAft>
-                <a:spcPct val="0"/>
-              </a:spcAft>
-              <a:buChar char="»"/>
-              <a:defRPr sz="2000">
-                <a:solidFill>
-                  <a:schemeClr val="tx1"/>
-                </a:solidFill>
-                <a:latin typeface="Arial" charset="0"/>
-              </a:defRPr>
-            </a:lvl6pPr>
-            <a:lvl7pPr marL="2971800" indent="-228600" eaLnBrk="0" fontAlgn="base" hangingPunct="0">
-              <a:spcBef>
-                <a:spcPct val="20000"/>
-              </a:spcBef>
-              <a:spcAft>
-                <a:spcPct val="0"/>
-              </a:spcAft>
-              <a:buChar char="»"/>
-              <a:defRPr sz="2000">
-                <a:solidFill>
-                  <a:schemeClr val="tx1"/>
-                </a:solidFill>
-                <a:latin typeface="Arial" charset="0"/>
-              </a:defRPr>
-            </a:lvl7pPr>
-            <a:lvl8pPr marL="3429000" indent="-228600" eaLnBrk="0" fontAlgn="base" hangingPunct="0">
-              <a:spcBef>
-                <a:spcPct val="20000"/>
-              </a:spcBef>
-              <a:spcAft>
-                <a:spcPct val="0"/>
-              </a:spcAft>
-              <a:buChar char="»"/>
-              <a:defRPr sz="2000">
-                <a:solidFill>
-                  <a:schemeClr val="tx1"/>
-                </a:solidFill>
-                <a:latin typeface="Arial" charset="0"/>
-              </a:defRPr>
-            </a:lvl8pPr>
-            <a:lvl9pPr marL="3886200" indent="-228600" eaLnBrk="0" fontAlgn="base" hangingPunct="0">
-              <a:spcBef>
-                <a:spcPct val="20000"/>
-              </a:spcBef>
-              <a:spcAft>
-                <a:spcPct val="0"/>
-              </a:spcAft>
-              <a:buChar char="»"/>
-              <a:defRPr sz="2000">
-                <a:solidFill>
-                  <a:schemeClr val="tx1"/>
-                </a:solidFill>
-                <a:latin typeface="Arial" charset="0"/>
-              </a:defRPr>
-            </a:lvl9pPr>
-          </a:lstStyle>
-          <a:p>
-            <a:pPr eaLnBrk="1" hangingPunct="1">
-              <a:spcBef>
-                <a:spcPct val="0"/>
-              </a:spcBef>
-              <a:buFontTx/>
-              <a:buNone/>
-            </a:pPr>
-            <a:r>
-              <a:rPr lang="en-US" altLang="en-US" sz="2400" dirty="0" smtClean="0"/>
-              <a:t>G</a:t>
-            </a:r>
-            <a:endParaRPr lang="en-US" altLang="en-US" sz="2400" dirty="0"/>
-          </a:p>
-        </p:txBody>
-      </p:sp>
-      <p:sp>
-        <p:nvSpPr>
-          <p:cNvPr id="13317" name="Line 5"/>
-          <p:cNvSpPr>
-            <a:spLocks noChangeShapeType="1"/>
-          </p:cNvSpPr>
-          <p:nvPr/>
-        </p:nvSpPr>
-        <p:spPr bwMode="auto">
-          <a:xfrm flipH="1">
-            <a:off x="4757057" y="2862943"/>
-            <a:ext cx="457200" cy="228600"/>
-          </a:xfrm>
-          <a:prstGeom prst="line">
-            <a:avLst/>
-          </a:prstGeom>
-          <a:noFill/>
-          <a:ln w="19050">
-            <a:solidFill>
-              <a:schemeClr val="tx1"/>
-            </a:solidFill>
-            <a:round/>
-            <a:headEnd/>
-            <a:tailEnd type="triangle" w="med" len="med"/>
-          </a:ln>
-          <a:effectLst/>
-          <a:extLst>
-            <a:ext uri="{909E8E84-426E-40DD-AFC4-6F175D3DCCD1}">
-              <a14:hiddenFill xmlns:a14="http://schemas.microsoft.com/office/drawing/2010/main">
-                <a:noFill/>
-              </a14:hiddenFill>
-            </a:ext>
-            <a:ext uri="{AF507438-7753-43E0-B8FC-AC1667EBCBE1}">
-              <a14:hiddenEffects xmlns:a14="http://schemas.microsoft.com/office/drawing/2010/main">
-                <a:effectLst>
-                  <a:outerShdw dist="35921" dir="2700000" algn="ctr" rotWithShape="0">
-                    <a:schemeClr val="bg2"/>
-                  </a:outerShdw>
-                </a:effectLst>
-              </a14:hiddenEffects>
-            </a:ext>
-          </a:extLst>
-        </p:spPr>
-        <p:txBody>
-          <a:bodyPr/>
-          <a:lstStyle/>
-          <a:p>
-            <a:endParaRPr lang="en-US"/>
-          </a:p>
-        </p:txBody>
-      </p:sp>
-      <p:sp>
-        <p:nvSpPr>
-          <p:cNvPr id="2" name="Rectangle 1"/>
-          <p:cNvSpPr/>
-          <p:nvPr/>
-        </p:nvSpPr>
-        <p:spPr>
-          <a:xfrm>
-            <a:off x="2438400" y="3468688"/>
-            <a:ext cx="1204913" cy="798512"/>
-          </a:xfrm>
-          <a:prstGeom prst="rect">
-            <a:avLst/>
-          </a:prstGeom>
-          <a:noFill/>
-          <a:ln>
-            <a:prstDash val="dash"/>
-          </a:ln>
-        </p:spPr>
-        <p:style>
-          <a:lnRef idx="2">
-            <a:schemeClr val="accent1">
-              <a:shade val="50000"/>
-            </a:schemeClr>
-          </a:lnRef>
-          <a:fillRef idx="1">
-            <a:schemeClr val="accent1"/>
-          </a:fillRef>
-          <a:effectRef idx="0">
-            <a:schemeClr val="accent1"/>
-          </a:effectRef>
-          <a:fontRef idx="minor">
-            <a:schemeClr val="lt1"/>
-          </a:fontRef>
-        </p:style>
-        <p:txBody>
-          <a:bodyPr rtlCol="0" anchor="ctr"/>
-          <a:lstStyle/>
-          <a:p>
-            <a:pPr algn="ctr"/>
-            <a:endParaRPr lang="en-US"/>
-          </a:p>
-        </p:txBody>
-      </p:sp>
-      <p:sp>
-        <p:nvSpPr>
-          <p:cNvPr id="3" name="Rectangle 2"/>
-          <p:cNvSpPr/>
-          <p:nvPr/>
-        </p:nvSpPr>
-        <p:spPr>
-          <a:xfrm>
-            <a:off x="1905000" y="3124200"/>
-            <a:ext cx="2819400" cy="1447800"/>
-          </a:xfrm>
-          <a:prstGeom prst="rect">
-            <a:avLst/>
-          </a:prstGeom>
-          <a:noFill/>
-          <a:ln>
-            <a:prstDash val="dash"/>
-          </a:ln>
-        </p:spPr>
-        <p:style>
-          <a:lnRef idx="2">
-            <a:schemeClr val="accent1">
-              <a:shade val="50000"/>
-            </a:schemeClr>
-          </a:lnRef>
-          <a:fillRef idx="1">
-            <a:schemeClr val="accent1"/>
-          </a:fillRef>
-          <a:effectRef idx="0">
-            <a:schemeClr val="accent1"/>
-          </a:effectRef>
-          <a:fontRef idx="minor">
-            <a:schemeClr val="lt1"/>
-          </a:fontRef>
-        </p:style>
-        <p:txBody>
-          <a:bodyPr rtlCol="0" anchor="ctr"/>
-          <a:lstStyle/>
-          <a:p>
-            <a:pPr algn="ctr"/>
-            <a:endParaRPr lang="en-US"/>
-          </a:p>
-        </p:txBody>
-      </p:sp>
-      <p:sp>
-        <p:nvSpPr>
-          <p:cNvPr id="8" name="Text Box 4"/>
-          <p:cNvSpPr txBox="1">
-            <a:spLocks noChangeArrowheads="1"/>
-          </p:cNvSpPr>
-          <p:nvPr/>
-        </p:nvSpPr>
-        <p:spPr bwMode="auto">
-          <a:xfrm>
-            <a:off x="4110679" y="3091543"/>
-            <a:ext cx="389850" cy="461665"/>
-          </a:xfrm>
-          <a:prstGeom prst="rect">
-            <a:avLst/>
-          </a:prstGeom>
-          <a:noFill/>
-          <a:ln>
-            <a:noFill/>
-          </a:ln>
-          <a:effectLst/>
-          <a:extLst>
-            <a:ext uri="{909E8E84-426E-40DD-AFC4-6F175D3DCCD1}">
-              <a14:hiddenFill xmlns:a14="http://schemas.microsoft.com/office/drawing/2010/main">
-                <a:solidFill>
-                  <a:schemeClr val="accent1"/>
-                </a:solidFill>
-              </a14:hiddenFill>
-            </a:ext>
-            <a:ext uri="{91240B29-F687-4F45-9708-019B960494DF}">
-              <a14:hiddenLine xmlns:a14="http://schemas.microsoft.com/office/drawing/2010/main" w="9525">
-                <a:solidFill>
-                  <a:schemeClr val="tx1"/>
-                </a:solidFill>
-                <a:miter lim="800000"/>
-                <a:headEnd/>
-                <a:tailEnd/>
-              </a14:hiddenLine>
-            </a:ext>
-            <a:ext uri="{AF507438-7753-43E0-B8FC-AC1667EBCBE1}">
-              <a14:hiddenEffects xmlns:a14="http://schemas.microsoft.com/office/drawing/2010/main">
-                <a:effectLst>
-                  <a:outerShdw dist="35921" dir="2700000" algn="ctr" rotWithShape="0">
-                    <a:schemeClr val="bg2"/>
-                  </a:outerShdw>
-                </a:effectLst>
-              </a14:hiddenEffects>
-            </a:ext>
-          </a:extLst>
-        </p:spPr>
-        <p:txBody>
-          <a:bodyPr wrap="none">
-            <a:spAutoFit/>
-          </a:bodyPr>
-          <a:lstStyle>
-            <a:lvl1pPr eaLnBrk="0" hangingPunct="0">
-              <a:spcBef>
-                <a:spcPct val="20000"/>
-              </a:spcBef>
-              <a:buChar char="•"/>
-              <a:defRPr sz="3200">
-                <a:solidFill>
-                  <a:schemeClr val="tx1"/>
-                </a:solidFill>
-                <a:latin typeface="Arial" charset="0"/>
-              </a:defRPr>
-            </a:lvl1pPr>
-            <a:lvl2pPr marL="742950" indent="-285750" eaLnBrk="0" hangingPunct="0">
-              <a:spcBef>
-                <a:spcPct val="20000"/>
-              </a:spcBef>
-              <a:buChar char="–"/>
-              <a:defRPr sz="2800">
-                <a:solidFill>
-                  <a:schemeClr val="tx1"/>
-                </a:solidFill>
-                <a:latin typeface="Arial" charset="0"/>
-              </a:defRPr>
-            </a:lvl2pPr>
-            <a:lvl3pPr marL="1143000" indent="-228600" eaLnBrk="0" hangingPunct="0">
-              <a:spcBef>
-                <a:spcPct val="20000"/>
-              </a:spcBef>
-              <a:buChar char="•"/>
-              <a:defRPr sz="2400">
-                <a:solidFill>
-                  <a:schemeClr val="tx1"/>
-                </a:solidFill>
-                <a:latin typeface="Arial" charset="0"/>
-              </a:defRPr>
-            </a:lvl3pPr>
-            <a:lvl4pPr marL="1600200" indent="-228600" eaLnBrk="0" hangingPunct="0">
-              <a:spcBef>
-                <a:spcPct val="20000"/>
-              </a:spcBef>
-              <a:buChar char="–"/>
-              <a:defRPr sz="2000">
-                <a:solidFill>
-                  <a:schemeClr val="tx1"/>
-                </a:solidFill>
-                <a:latin typeface="Arial" charset="0"/>
-              </a:defRPr>
-            </a:lvl4pPr>
-            <a:lvl5pPr marL="2057400" indent="-228600" eaLnBrk="0" hangingPunct="0">
-              <a:spcBef>
-                <a:spcPct val="20000"/>
-              </a:spcBef>
-              <a:buChar char="»"/>
-              <a:defRPr sz="2000">
-                <a:solidFill>
-                  <a:schemeClr val="tx1"/>
-                </a:solidFill>
-                <a:latin typeface="Arial" charset="0"/>
-              </a:defRPr>
-            </a:lvl5pPr>
-            <a:lvl6pPr marL="2514600" indent="-228600" eaLnBrk="0" fontAlgn="base" hangingPunct="0">
-              <a:spcBef>
-                <a:spcPct val="20000"/>
-              </a:spcBef>
-              <a:spcAft>
-                <a:spcPct val="0"/>
-              </a:spcAft>
-              <a:buChar char="»"/>
-              <a:defRPr sz="2000">
-                <a:solidFill>
-                  <a:schemeClr val="tx1"/>
-                </a:solidFill>
-                <a:latin typeface="Arial" charset="0"/>
-              </a:defRPr>
-            </a:lvl6pPr>
-            <a:lvl7pPr marL="2971800" indent="-228600" eaLnBrk="0" fontAlgn="base" hangingPunct="0">
-              <a:spcBef>
-                <a:spcPct val="20000"/>
-              </a:spcBef>
-              <a:spcAft>
-                <a:spcPct val="0"/>
-              </a:spcAft>
-              <a:buChar char="»"/>
-              <a:defRPr sz="2000">
-                <a:solidFill>
-                  <a:schemeClr val="tx1"/>
-                </a:solidFill>
-                <a:latin typeface="Arial" charset="0"/>
-              </a:defRPr>
-            </a:lvl7pPr>
-            <a:lvl8pPr marL="3429000" indent="-228600" eaLnBrk="0" fontAlgn="base" hangingPunct="0">
-              <a:spcBef>
-                <a:spcPct val="20000"/>
-              </a:spcBef>
-              <a:spcAft>
-                <a:spcPct val="0"/>
-              </a:spcAft>
-              <a:buChar char="»"/>
-              <a:defRPr sz="2000">
-                <a:solidFill>
-                  <a:schemeClr val="tx1"/>
-                </a:solidFill>
-                <a:latin typeface="Arial" charset="0"/>
-              </a:defRPr>
-            </a:lvl8pPr>
-            <a:lvl9pPr marL="3886200" indent="-228600" eaLnBrk="0" fontAlgn="base" hangingPunct="0">
-              <a:spcBef>
-                <a:spcPct val="20000"/>
-              </a:spcBef>
-              <a:spcAft>
-                <a:spcPct val="0"/>
-              </a:spcAft>
-              <a:buChar char="»"/>
-              <a:defRPr sz="2000">
-                <a:solidFill>
-                  <a:schemeClr val="tx1"/>
-                </a:solidFill>
-                <a:latin typeface="Arial" charset="0"/>
-              </a:defRPr>
-            </a:lvl9pPr>
-          </a:lstStyle>
-          <a:p>
-            <a:pPr eaLnBrk="1" hangingPunct="1">
-              <a:spcBef>
-                <a:spcPct val="0"/>
-              </a:spcBef>
-              <a:buFontTx/>
-              <a:buNone/>
-            </a:pPr>
-            <a:r>
-              <a:rPr lang="en-US" altLang="en-US" sz="2400" dirty="0" smtClean="0"/>
-              <a:t>S</a:t>
-            </a:r>
-            <a:endParaRPr lang="en-US" altLang="en-US" sz="2400" dirty="0"/>
-          </a:p>
-        </p:txBody>
-      </p:sp>
-      <p:sp>
-        <p:nvSpPr>
-          <p:cNvPr id="9" name="Line 5"/>
-          <p:cNvSpPr>
-            <a:spLocks noChangeShapeType="1"/>
-          </p:cNvSpPr>
-          <p:nvPr/>
-        </p:nvSpPr>
-        <p:spPr bwMode="auto">
-          <a:xfrm flipH="1">
-            <a:off x="3704678" y="3351684"/>
-            <a:ext cx="457200" cy="228600"/>
-          </a:xfrm>
-          <a:prstGeom prst="line">
-            <a:avLst/>
-          </a:prstGeom>
-          <a:noFill/>
-          <a:ln w="19050">
-            <a:solidFill>
-              <a:schemeClr val="tx1"/>
-            </a:solidFill>
-            <a:round/>
-            <a:headEnd/>
-            <a:tailEnd type="triangle" w="med" len="med"/>
-          </a:ln>
-          <a:effectLst/>
-          <a:extLst>
-            <a:ext uri="{909E8E84-426E-40DD-AFC4-6F175D3DCCD1}">
-              <a14:hiddenFill xmlns:a14="http://schemas.microsoft.com/office/drawing/2010/main">
-                <a:noFill/>
-              </a14:hiddenFill>
-            </a:ext>
-            <a:ext uri="{AF507438-7753-43E0-B8FC-AC1667EBCBE1}">
-              <a14:hiddenEffects xmlns:a14="http://schemas.microsoft.com/office/drawing/2010/main">
-                <a:effectLst>
-                  <a:outerShdw dist="35921" dir="2700000" algn="ctr" rotWithShape="0">
-                    <a:schemeClr val="bg2"/>
-                  </a:outerShdw>
-                </a:effectLst>
-              </a14:hiddenEffects>
-            </a:ext>
-          </a:extLst>
-        </p:spPr>
-        <p:txBody>
-          <a:bodyPr/>
-          <a:lstStyle/>
-          <a:p>
-            <a:endParaRPr lang="en-US"/>
-          </a:p>
-        </p:txBody>
-      </p:sp>
-      <p:sp>
-        <p:nvSpPr>
-          <p:cNvPr id="10" name="Text Box 2"/>
-          <p:cNvSpPr txBox="1">
-            <a:spLocks noChangeArrowheads="1"/>
-          </p:cNvSpPr>
-          <p:nvPr/>
-        </p:nvSpPr>
-        <p:spPr bwMode="auto">
-          <a:xfrm>
-            <a:off x="1025978" y="800605"/>
-            <a:ext cx="7919357" cy="707886"/>
-          </a:xfrm>
-          <a:prstGeom prst="rect">
-            <a:avLst/>
-          </a:prstGeom>
-          <a:noFill/>
-          <a:ln>
-            <a:noFill/>
-          </a:ln>
-          <a:effectLst/>
-          <a:extLst>
-            <a:ext uri="{909E8E84-426E-40DD-AFC4-6F175D3DCCD1}">
-              <a14:hiddenFill xmlns:a14="http://schemas.microsoft.com/office/drawing/2010/main">
-                <a:solidFill>
-                  <a:schemeClr val="accent1"/>
-                </a:solidFill>
-              </a14:hiddenFill>
-            </a:ext>
-            <a:ext uri="{91240B29-F687-4F45-9708-019B960494DF}">
-              <a14:hiddenLine xmlns:a14="http://schemas.microsoft.com/office/drawing/2010/main" w="9525">
-                <a:solidFill>
-                  <a:schemeClr val="tx1"/>
-                </a:solidFill>
-                <a:miter lim="800000"/>
-                <a:headEnd/>
-                <a:tailEnd/>
-              </a14:hiddenLine>
-            </a:ext>
-            <a:ext uri="{AF507438-7753-43E0-B8FC-AC1667EBCBE1}">
-              <a14:hiddenEffects xmlns:a14="http://schemas.microsoft.com/office/drawing/2010/main">
-                <a:effectLst>
-                  <a:outerShdw dist="35921" dir="2700000" algn="ctr" rotWithShape="0">
-                    <a:schemeClr val="bg2"/>
-                  </a:outerShdw>
-                </a:effectLst>
-              </a14:hiddenEffects>
-            </a:ext>
-          </a:extLst>
-        </p:spPr>
-        <p:txBody>
-          <a:bodyPr wrap="square">
-            <a:spAutoFit/>
-          </a:bodyPr>
-          <a:lstStyle>
-            <a:lvl1pPr eaLnBrk="0" hangingPunct="0">
-              <a:spcBef>
-                <a:spcPct val="20000"/>
-              </a:spcBef>
-              <a:buChar char="•"/>
-              <a:defRPr sz="3200">
-                <a:solidFill>
-                  <a:schemeClr val="tx1"/>
-                </a:solidFill>
-                <a:latin typeface="Arial" charset="0"/>
-              </a:defRPr>
-            </a:lvl1pPr>
-            <a:lvl2pPr marL="742950" indent="-285750" eaLnBrk="0" hangingPunct="0">
-              <a:spcBef>
-                <a:spcPct val="20000"/>
-              </a:spcBef>
-              <a:buChar char="–"/>
-              <a:defRPr sz="2800">
-                <a:solidFill>
-                  <a:schemeClr val="tx1"/>
-                </a:solidFill>
-                <a:latin typeface="Arial" charset="0"/>
-              </a:defRPr>
-            </a:lvl2pPr>
-            <a:lvl3pPr marL="1143000" indent="-228600" eaLnBrk="0" hangingPunct="0">
-              <a:spcBef>
-                <a:spcPct val="20000"/>
-              </a:spcBef>
-              <a:buChar char="•"/>
-              <a:defRPr sz="2400">
-                <a:solidFill>
-                  <a:schemeClr val="tx1"/>
-                </a:solidFill>
-                <a:latin typeface="Arial" charset="0"/>
-              </a:defRPr>
-            </a:lvl3pPr>
-            <a:lvl4pPr marL="1600200" indent="-228600" eaLnBrk="0" hangingPunct="0">
-              <a:spcBef>
-                <a:spcPct val="20000"/>
-              </a:spcBef>
-              <a:buChar char="–"/>
-              <a:defRPr sz="2000">
-                <a:solidFill>
-                  <a:schemeClr val="tx1"/>
-                </a:solidFill>
-                <a:latin typeface="Arial" charset="0"/>
-              </a:defRPr>
-            </a:lvl4pPr>
-            <a:lvl5pPr marL="2057400" indent="-228600" eaLnBrk="0" hangingPunct="0">
-              <a:spcBef>
-                <a:spcPct val="20000"/>
-              </a:spcBef>
-              <a:buChar char="»"/>
-              <a:defRPr sz="2000">
-                <a:solidFill>
-                  <a:schemeClr val="tx1"/>
-                </a:solidFill>
-                <a:latin typeface="Arial" charset="0"/>
-              </a:defRPr>
-            </a:lvl5pPr>
-            <a:lvl6pPr marL="2514600" indent="-228600" eaLnBrk="0" fontAlgn="base" hangingPunct="0">
-              <a:spcBef>
-                <a:spcPct val="20000"/>
-              </a:spcBef>
-              <a:spcAft>
-                <a:spcPct val="0"/>
-              </a:spcAft>
-              <a:buChar char="»"/>
-              <a:defRPr sz="2000">
-                <a:solidFill>
-                  <a:schemeClr val="tx1"/>
-                </a:solidFill>
-                <a:latin typeface="Arial" charset="0"/>
-              </a:defRPr>
-            </a:lvl6pPr>
-            <a:lvl7pPr marL="2971800" indent="-228600" eaLnBrk="0" fontAlgn="base" hangingPunct="0">
-              <a:spcBef>
-                <a:spcPct val="20000"/>
-              </a:spcBef>
-              <a:spcAft>
-                <a:spcPct val="0"/>
-              </a:spcAft>
-              <a:buChar char="»"/>
-              <a:defRPr sz="2000">
-                <a:solidFill>
-                  <a:schemeClr val="tx1"/>
-                </a:solidFill>
-                <a:latin typeface="Arial" charset="0"/>
-              </a:defRPr>
-            </a:lvl7pPr>
-            <a:lvl8pPr marL="3429000" indent="-228600" eaLnBrk="0" fontAlgn="base" hangingPunct="0">
-              <a:spcBef>
-                <a:spcPct val="20000"/>
-              </a:spcBef>
-              <a:spcAft>
-                <a:spcPct val="0"/>
-              </a:spcAft>
-              <a:buChar char="»"/>
-              <a:defRPr sz="2000">
-                <a:solidFill>
-                  <a:schemeClr val="tx1"/>
-                </a:solidFill>
-                <a:latin typeface="Arial" charset="0"/>
-              </a:defRPr>
-            </a:lvl8pPr>
-            <a:lvl9pPr marL="3886200" indent="-228600" eaLnBrk="0" fontAlgn="base" hangingPunct="0">
-              <a:spcBef>
-                <a:spcPct val="20000"/>
-              </a:spcBef>
-              <a:spcAft>
-                <a:spcPct val="0"/>
-              </a:spcAft>
-              <a:buChar char="»"/>
-              <a:defRPr sz="2000">
-                <a:solidFill>
-                  <a:schemeClr val="tx1"/>
-                </a:solidFill>
-                <a:latin typeface="Arial" charset="0"/>
-              </a:defRPr>
-            </a:lvl9pPr>
-          </a:lstStyle>
-          <a:p>
-            <a:pPr eaLnBrk="1" hangingPunct="1">
-              <a:spcBef>
-                <a:spcPct val="0"/>
-              </a:spcBef>
-              <a:buFontTx/>
-              <a:buNone/>
-            </a:pPr>
-            <a:r>
-              <a:rPr lang="en-US" altLang="en-US" sz="2000" dirty="0" smtClean="0"/>
-              <a:t>Any new data in the version space reduces its size</a:t>
-            </a:r>
-          </a:p>
-          <a:p>
-            <a:pPr eaLnBrk="1" hangingPunct="1">
-              <a:spcBef>
-                <a:spcPct val="0"/>
-              </a:spcBef>
-              <a:buFontTx/>
-              <a:buNone/>
-            </a:pPr>
-            <a:r>
-              <a:rPr lang="en-US" altLang="en-US" sz="2000" dirty="0" smtClean="0"/>
-              <a:t>Positive example increases S, negative example decreases G</a:t>
-            </a:r>
-            <a:endParaRPr lang="en-US" altLang="en-US" sz="2000" dirty="0"/>
-          </a:p>
-        </p:txBody>
-      </p:sp>
-    </p:spTree>
-    <p:extLst>
-      <p:ext uri="{BB962C8B-B14F-4D97-AF65-F5344CB8AC3E}">
-        <p14:creationId xmlns:p14="http://schemas.microsoft.com/office/powerpoint/2010/main" val="2126273223"/>
-      </p:ext>
-    </p:extLst>
-  </p:cSld>
-  <p:clrMapOvr>
-    <a:masterClrMapping/>
-  </p:clrMapOvr>
-  <p:timing>
-    <p:tnLst>
-      <p:par>
-        <p:cTn id="1" dur="indefinite" restart="never" nodeType="tmRoot"/>
-      </p:par>
-    </p:tnLst>
-  </p:timing>
-</p:sld>
-</file>
-
-<file path=ppt/slides/slide19.xml><?xml version="1.0" encoding="utf-8"?>
-<p:sld xmlns:a="http://schemas.openxmlformats.org/drawingml/2006/main" xmlns:r="http://schemas.openxmlformats.org/officeDocument/2006/relationships" xmlns:p="http://schemas.openxmlformats.org/presentationml/2006/main">
-  <p:cSld>
-    <p:spTree>
-      <p:nvGrpSpPr>
-        <p:cNvPr id="1" name=""/>
-        <p:cNvGrpSpPr/>
-        <p:nvPr/>
-      </p:nvGrpSpPr>
-      <p:grpSpPr>
-        <a:xfrm>
-          <a:off x="0" y="0"/>
-          <a:ext cx="0" cy="0"/>
-          <a:chOff x="0" y="0"/>
-          <a:chExt cx="0" cy="0"/>
-        </a:xfrm>
-      </p:grpSpPr>
       <p:sp>
         <p:nvSpPr>
           <p:cNvPr id="5" name="Slide Number Placeholder 4"/>
@@ -12392,7 +11642,7 @@
               <a:pPr algn="r">
                 <a:defRPr/>
               </a:pPr>
-              <a:t>19</a:t>
+              <a:t>18</a:t>
             </a:fld>
             <a:endParaRPr lang="tr-TR" sz="1200">
               <a:solidFill>
@@ -12416,7 +11666,7 @@
         <p:spPr bwMode="auto">
           <a:xfrm>
             <a:off x="619636" y="336981"/>
-            <a:ext cx="7904728" cy="954107"/>
+            <a:ext cx="8204490" cy="954107"/>
           </a:xfrm>
           <a:prstGeom prst="rect">
             <a:avLst/>
@@ -12592,10 +11842,9 @@
               <a:t>boundary </a:t>
             </a:r>
             <a:r>
-              <a:rPr lang="en-US" altLang="en-US" sz="2800" dirty="0"/>
-              <a:t>and closest </a:t>
-            </a:r>
-            <a:endParaRPr lang="en-US" altLang="en-US" sz="2800" dirty="0" smtClean="0"/>
+              <a:rPr lang="en-US" altLang="en-US" sz="2800" dirty="0" smtClean="0"/>
+              <a:t>of hypothesis </a:t>
+            </a:r>
           </a:p>
           <a:p>
             <a:pPr eaLnBrk="1" hangingPunct="1">
@@ -12607,7 +11856,19 @@
             </a:pPr>
             <a:r>
               <a:rPr lang="en-US" altLang="en-US" sz="2800" dirty="0" smtClean="0"/>
-              <a:t>instance in a specified class</a:t>
+              <a:t>and </a:t>
+            </a:r>
+            <a:r>
+              <a:rPr lang="en-US" altLang="en-US" sz="2800" dirty="0"/>
+              <a:t>closest </a:t>
+            </a:r>
+            <a:r>
+              <a:rPr lang="en-US" altLang="en-US" sz="2800" dirty="0" smtClean="0"/>
+              <a:t>instance </a:t>
+            </a:r>
+            <a:r>
+              <a:rPr lang="en-US" altLang="en-US" sz="2800" dirty="0" smtClean="0"/>
+              <a:t>in a specified class</a:t>
             </a:r>
             <a:endParaRPr lang="en-US" altLang="en-US" sz="2800" dirty="0"/>
           </a:p>
@@ -12855,14 +12116,10 @@
             </a:r>
             <a:r>
               <a:rPr lang="en-US" altLang="en-US" sz="2400" dirty="0"/>
-              <a:t>though </a:t>
-            </a:r>
-            <a:r>
-              <a:rPr lang="en-US" altLang="en-US" sz="2400" dirty="0" err="1"/>
-              <a:t>E</a:t>
-            </a:r>
-            <a:r>
-              <a:rPr lang="en-US" altLang="en-US" sz="2400" baseline="-25000" dirty="0" err="1"/>
+              <a:t>though E</a:t>
+            </a:r>
+            <a:r>
+              <a:rPr lang="en-US" altLang="en-US" sz="2400" baseline="-25000" dirty="0"/>
               <a:t>in</a:t>
             </a:r>
             <a:r>
@@ -13585,6 +12842,502 @@
 </p:sld>
 </file>
 
+<file path=ppt/slides/slide19.xml><?xml version="1.0" encoding="utf-8"?>
+<p:sld xmlns:a="http://schemas.openxmlformats.org/drawingml/2006/main" xmlns:r="http://schemas.openxmlformats.org/officeDocument/2006/relationships" xmlns:p="http://schemas.openxmlformats.org/presentationml/2006/main">
+  <p:cSld>
+    <p:spTree>
+      <p:nvGrpSpPr>
+        <p:cNvPr id="1" name=""/>
+        <p:cNvGrpSpPr/>
+        <p:nvPr/>
+      </p:nvGrpSpPr>
+      <p:grpSpPr>
+        <a:xfrm>
+          <a:off x="0" y="0"/>
+          <a:ext cx="0" cy="0"/>
+          <a:chOff x="0" y="0"/>
+          <a:chExt cx="0" cy="0"/>
+        </a:xfrm>
+      </p:grpSpPr>
+      <p:sp>
+        <p:nvSpPr>
+          <p:cNvPr id="5" name="Slide Number Placeholder 4"/>
+          <p:cNvSpPr txBox="1">
+            <a:spLocks noGrp="1"/>
+          </p:cNvSpPr>
+          <p:nvPr/>
+        </p:nvSpPr>
+        <p:spPr>
+          <a:xfrm>
+            <a:off x="7086600" y="5624514"/>
+            <a:ext cx="571500" cy="273844"/>
+          </a:xfrm>
+          <a:prstGeom prst="rect">
+            <a:avLst/>
+          </a:prstGeom>
+          <a:noFill/>
+        </p:spPr>
+        <p:txBody>
+          <a:bodyPr lIns="0" tIns="0" rIns="0" bIns="0" anchor="b"/>
+          <a:lstStyle/>
+          <a:p>
+            <a:pPr algn="r">
+              <a:defRPr/>
+            </a:pPr>
+            <a:fld id="{35EF9CE7-CF24-4B4D-8BD4-CBF6DBDE96E3}" type="slidenum">
+              <a:rPr lang="tr-TR" sz="900">
+                <a:solidFill>
+                  <a:schemeClr val="tx2">
+                    <a:shade val="90000"/>
+                  </a:schemeClr>
+                </a:solidFill>
+                <a:latin typeface="Palatino Linotype" pitchFamily="18" charset="0"/>
+              </a:rPr>
+              <a:pPr algn="r">
+                <a:defRPr/>
+              </a:pPr>
+              <a:t>19</a:t>
+            </a:fld>
+            <a:endParaRPr lang="tr-TR" sz="900">
+              <a:solidFill>
+                <a:schemeClr val="tx2">
+                  <a:shade val="90000"/>
+                </a:schemeClr>
+              </a:solidFill>
+              <a:latin typeface="Palatino Linotype" pitchFamily="18" charset="0"/>
+            </a:endParaRPr>
+          </a:p>
+        </p:txBody>
+      </p:sp>
+      <p:pic>
+        <p:nvPicPr>
+          <p:cNvPr id="17413" name="Picture 4"/>
+          <p:cNvPicPr>
+            <a:picLocks noChangeAspect="1" noChangeArrowheads="1"/>
+          </p:cNvPicPr>
+          <p:nvPr/>
+        </p:nvPicPr>
+        <p:blipFill>
+          <a:blip r:embed="rId3">
+            <a:extLst>
+              <a:ext uri="{28A0092B-C50C-407E-A947-70E740481C1C}">
+                <a14:useLocalDpi xmlns:a14="http://schemas.microsoft.com/office/drawing/2010/main" val="0"/>
+              </a:ext>
+            </a:extLst>
+          </a:blip>
+          <a:srcRect/>
+          <a:stretch>
+            <a:fillRect/>
+          </a:stretch>
+        </p:blipFill>
+        <p:spPr bwMode="auto">
+          <a:xfrm>
+            <a:off x="3855244" y="1219200"/>
+            <a:ext cx="4372178" cy="4252742"/>
+          </a:xfrm>
+          <a:prstGeom prst="rect">
+            <a:avLst/>
+          </a:prstGeom>
+          <a:noFill/>
+          <a:ln>
+            <a:noFill/>
+          </a:ln>
+          <a:extLst>
+            <a:ext uri="{909E8E84-426E-40DD-AFC4-6F175D3DCCD1}">
+              <a14:hiddenFill xmlns:a14="http://schemas.microsoft.com/office/drawing/2010/main">
+                <a:solidFill>
+                  <a:srgbClr val="FFFFFF"/>
+                </a:solidFill>
+              </a14:hiddenFill>
+            </a:ext>
+            <a:ext uri="{91240B29-F687-4F45-9708-019B960494DF}">
+              <a14:hiddenLine xmlns:a14="http://schemas.microsoft.com/office/drawing/2010/main" w="9525">
+                <a:solidFill>
+                  <a:srgbClr val="000000"/>
+                </a:solidFill>
+                <a:miter lim="800000"/>
+                <a:headEnd/>
+                <a:tailEnd/>
+              </a14:hiddenLine>
+            </a:ext>
+          </a:extLst>
+        </p:spPr>
+      </p:pic>
+      <p:sp>
+        <p:nvSpPr>
+          <p:cNvPr id="17414" name="Rectangle 7"/>
+          <p:cNvSpPr>
+            <a:spLocks noChangeArrowheads="1"/>
+          </p:cNvSpPr>
+          <p:nvPr/>
+        </p:nvSpPr>
+        <p:spPr bwMode="auto">
+          <a:xfrm>
+            <a:off x="1371600" y="1439199"/>
+            <a:ext cx="2483644" cy="3647152"/>
+          </a:xfrm>
+          <a:prstGeom prst="rect">
+            <a:avLst/>
+          </a:prstGeom>
+          <a:noFill/>
+          <a:ln>
+            <a:noFill/>
+          </a:ln>
+          <a:extLst>
+            <a:ext uri="{909E8E84-426E-40DD-AFC4-6F175D3DCCD1}">
+              <a14:hiddenFill xmlns:a14="http://schemas.microsoft.com/office/drawing/2010/main">
+                <a:solidFill>
+                  <a:srgbClr val="FFFFFF"/>
+                </a:solidFill>
+              </a14:hiddenFill>
+            </a:ext>
+            <a:ext uri="{91240B29-F687-4F45-9708-019B960494DF}">
+              <a14:hiddenLine xmlns:a14="http://schemas.microsoft.com/office/drawing/2010/main" w="9525">
+                <a:solidFill>
+                  <a:srgbClr val="000000"/>
+                </a:solidFill>
+                <a:miter lim="800000"/>
+                <a:headEnd/>
+                <a:tailEnd/>
+              </a14:hiddenLine>
+            </a:ext>
+          </a:extLst>
+        </p:spPr>
+        <p:txBody>
+          <a:bodyPr>
+            <a:spAutoFit/>
+          </a:bodyPr>
+          <a:lstStyle>
+            <a:lvl1pPr eaLnBrk="0" hangingPunct="0">
+              <a:spcBef>
+                <a:spcPct val="20000"/>
+              </a:spcBef>
+              <a:buChar char="•"/>
+              <a:defRPr sz="3200">
+                <a:solidFill>
+                  <a:schemeClr val="tx1"/>
+                </a:solidFill>
+                <a:latin typeface="Arial" charset="0"/>
+              </a:defRPr>
+            </a:lvl1pPr>
+            <a:lvl2pPr marL="742950" indent="-285750" eaLnBrk="0" hangingPunct="0">
+              <a:spcBef>
+                <a:spcPct val="20000"/>
+              </a:spcBef>
+              <a:buChar char="–"/>
+              <a:defRPr sz="2800">
+                <a:solidFill>
+                  <a:schemeClr val="tx1"/>
+                </a:solidFill>
+                <a:latin typeface="Arial" charset="0"/>
+              </a:defRPr>
+            </a:lvl2pPr>
+            <a:lvl3pPr marL="1143000" indent="-228600" eaLnBrk="0" hangingPunct="0">
+              <a:spcBef>
+                <a:spcPct val="20000"/>
+              </a:spcBef>
+              <a:buChar char="•"/>
+              <a:defRPr sz="2400">
+                <a:solidFill>
+                  <a:schemeClr val="tx1"/>
+                </a:solidFill>
+                <a:latin typeface="Arial" charset="0"/>
+              </a:defRPr>
+            </a:lvl3pPr>
+            <a:lvl4pPr marL="1600200" indent="-228600" eaLnBrk="0" hangingPunct="0">
+              <a:spcBef>
+                <a:spcPct val="20000"/>
+              </a:spcBef>
+              <a:buChar char="–"/>
+              <a:defRPr sz="2000">
+                <a:solidFill>
+                  <a:schemeClr val="tx1"/>
+                </a:solidFill>
+                <a:latin typeface="Arial" charset="0"/>
+              </a:defRPr>
+            </a:lvl4pPr>
+            <a:lvl5pPr marL="2057400" indent="-228600" eaLnBrk="0" hangingPunct="0">
+              <a:spcBef>
+                <a:spcPct val="20000"/>
+              </a:spcBef>
+              <a:buChar char="»"/>
+              <a:defRPr sz="2000">
+                <a:solidFill>
+                  <a:schemeClr val="tx1"/>
+                </a:solidFill>
+                <a:latin typeface="Arial" charset="0"/>
+              </a:defRPr>
+            </a:lvl5pPr>
+            <a:lvl6pPr marL="2514600" indent="-228600" eaLnBrk="0" fontAlgn="base" hangingPunct="0">
+              <a:spcBef>
+                <a:spcPct val="20000"/>
+              </a:spcBef>
+              <a:spcAft>
+                <a:spcPct val="0"/>
+              </a:spcAft>
+              <a:buChar char="»"/>
+              <a:defRPr sz="2000">
+                <a:solidFill>
+                  <a:schemeClr val="tx1"/>
+                </a:solidFill>
+                <a:latin typeface="Arial" charset="0"/>
+              </a:defRPr>
+            </a:lvl6pPr>
+            <a:lvl7pPr marL="2971800" indent="-228600" eaLnBrk="0" fontAlgn="base" hangingPunct="0">
+              <a:spcBef>
+                <a:spcPct val="20000"/>
+              </a:spcBef>
+              <a:spcAft>
+                <a:spcPct val="0"/>
+              </a:spcAft>
+              <a:buChar char="»"/>
+              <a:defRPr sz="2000">
+                <a:solidFill>
+                  <a:schemeClr val="tx1"/>
+                </a:solidFill>
+                <a:latin typeface="Arial" charset="0"/>
+              </a:defRPr>
+            </a:lvl7pPr>
+            <a:lvl8pPr marL="3429000" indent="-228600" eaLnBrk="0" fontAlgn="base" hangingPunct="0">
+              <a:spcBef>
+                <a:spcPct val="20000"/>
+              </a:spcBef>
+              <a:spcAft>
+                <a:spcPct val="0"/>
+              </a:spcAft>
+              <a:buChar char="»"/>
+              <a:defRPr sz="2000">
+                <a:solidFill>
+                  <a:schemeClr val="tx1"/>
+                </a:solidFill>
+                <a:latin typeface="Arial" charset="0"/>
+              </a:defRPr>
+            </a:lvl8pPr>
+            <a:lvl9pPr marL="3886200" indent="-228600" eaLnBrk="0" fontAlgn="base" hangingPunct="0">
+              <a:spcBef>
+                <a:spcPct val="20000"/>
+              </a:spcBef>
+              <a:spcAft>
+                <a:spcPct val="0"/>
+              </a:spcAft>
+              <a:buChar char="»"/>
+              <a:defRPr sz="2000">
+                <a:solidFill>
+                  <a:schemeClr val="tx1"/>
+                </a:solidFill>
+                <a:latin typeface="Arial" charset="0"/>
+              </a:defRPr>
+            </a:lvl9pPr>
+          </a:lstStyle>
+          <a:p>
+            <a:pPr eaLnBrk="1" hangingPunct="1">
+              <a:spcBef>
+                <a:spcPct val="0"/>
+              </a:spcBef>
+              <a:buFontTx/>
+              <a:buNone/>
+            </a:pPr>
+            <a:r>
+              <a:rPr lang="tr-TR" altLang="en-US" sz="2100" dirty="0"/>
+              <a:t>Choose </a:t>
+            </a:r>
+            <a:r>
+              <a:rPr lang="tr-TR" altLang="en-US" sz="2100" i="1" dirty="0"/>
+              <a:t>h</a:t>
+            </a:r>
+            <a:r>
+              <a:rPr lang="tr-TR" altLang="en-US" sz="2100" dirty="0"/>
+              <a:t> </a:t>
+            </a:r>
+            <a:r>
+              <a:rPr lang="en-US" altLang="en-US" sz="2100" dirty="0"/>
+              <a:t>in the version space </a:t>
+            </a:r>
+            <a:r>
+              <a:rPr lang="tr-TR" altLang="en-US" sz="2100" dirty="0"/>
+              <a:t>with largest margin</a:t>
+            </a:r>
+            <a:r>
+              <a:rPr lang="en-US" altLang="en-US" sz="2100" dirty="0"/>
+              <a:t> to maximize generalization</a:t>
+            </a:r>
+          </a:p>
+          <a:p>
+            <a:pPr eaLnBrk="1" hangingPunct="1">
+              <a:spcBef>
+                <a:spcPct val="0"/>
+              </a:spcBef>
+              <a:buFontTx/>
+              <a:buNone/>
+            </a:pPr>
+            <a:endParaRPr lang="en-US" altLang="en-US" sz="2100" dirty="0"/>
+          </a:p>
+          <a:p>
+            <a:pPr eaLnBrk="1" hangingPunct="1">
+              <a:spcBef>
+                <a:spcPct val="0"/>
+              </a:spcBef>
+              <a:buFontTx/>
+              <a:buNone/>
+            </a:pPr>
+            <a:r>
+              <a:rPr lang="en-US" altLang="en-US" sz="2100" dirty="0"/>
+              <a:t>Data points that determine </a:t>
+            </a:r>
+            <a:r>
+              <a:rPr lang="en-US" altLang="en-US" sz="2100" i="1" dirty="0"/>
+              <a:t>S and G</a:t>
+            </a:r>
+            <a:r>
+              <a:rPr lang="en-US" altLang="en-US" sz="2100" dirty="0"/>
+              <a:t> are shaded. They “support” </a:t>
+            </a:r>
+            <a:r>
+              <a:rPr lang="en-US" altLang="en-US" sz="2100" i="1" dirty="0"/>
+              <a:t>h </a:t>
+            </a:r>
+            <a:r>
+              <a:rPr lang="en-US" altLang="en-US" sz="2100" dirty="0"/>
+              <a:t>with largest margins</a:t>
+            </a:r>
+          </a:p>
+        </p:txBody>
+      </p:sp>
+      <p:sp>
+        <p:nvSpPr>
+          <p:cNvPr id="2" name="TextBox 1"/>
+          <p:cNvSpPr txBox="1"/>
+          <p:nvPr/>
+        </p:nvSpPr>
+        <p:spPr>
+          <a:xfrm>
+            <a:off x="2055176" y="446183"/>
+            <a:ext cx="6015493" cy="523220"/>
+          </a:xfrm>
+          <a:prstGeom prst="rect">
+            <a:avLst/>
+          </a:prstGeom>
+          <a:noFill/>
+        </p:spPr>
+        <p:txBody>
+          <a:bodyPr wrap="none" rtlCol="0">
+            <a:spAutoFit/>
+          </a:bodyPr>
+          <a:lstStyle/>
+          <a:p>
+            <a:r>
+              <a:rPr lang="en-US" sz="2800" dirty="0"/>
+              <a:t>Logic behind “support vector machines”</a:t>
+            </a:r>
+          </a:p>
+        </p:txBody>
+      </p:sp>
+      <p:sp>
+        <p:nvSpPr>
+          <p:cNvPr id="4" name="TextBox 3"/>
+          <p:cNvSpPr txBox="1"/>
+          <p:nvPr/>
+        </p:nvSpPr>
+        <p:spPr>
+          <a:xfrm>
+            <a:off x="4876800" y="1524000"/>
+            <a:ext cx="4038600" cy="338554"/>
+          </a:xfrm>
+          <a:prstGeom prst="rect">
+            <a:avLst/>
+          </a:prstGeom>
+          <a:noFill/>
+        </p:spPr>
+        <p:txBody>
+          <a:bodyPr wrap="square" rtlCol="0">
+            <a:spAutoFit/>
+          </a:bodyPr>
+          <a:lstStyle/>
+          <a:p>
+            <a:r>
+              <a:rPr lang="en-US" sz="1600" dirty="0" smtClean="0">
+                <a:latin typeface="Arial" panose="020B0604020202020204" pitchFamily="34" charset="0"/>
+                <a:cs typeface="Arial" panose="020B0604020202020204" pitchFamily="34" charset="0"/>
+              </a:rPr>
+              <a:t>Hypothesis with E</a:t>
+            </a:r>
+            <a:r>
+              <a:rPr lang="en-US" sz="1600" baseline="-25000" dirty="0" smtClean="0">
+                <a:latin typeface="Arial" panose="020B0604020202020204" pitchFamily="34" charset="0"/>
+                <a:cs typeface="Arial" panose="020B0604020202020204" pitchFamily="34" charset="0"/>
+              </a:rPr>
+              <a:t>in</a:t>
+            </a:r>
+            <a:r>
+              <a:rPr lang="en-US" sz="1600" dirty="0" smtClean="0">
+                <a:latin typeface="Arial" panose="020B0604020202020204" pitchFamily="34" charset="0"/>
+                <a:cs typeface="Arial" panose="020B0604020202020204" pitchFamily="34" charset="0"/>
+              </a:rPr>
+              <a:t>=0 and wide margin</a:t>
+            </a:r>
+            <a:endParaRPr lang="en-US" sz="1600" dirty="0">
+              <a:latin typeface="Arial" panose="020B0604020202020204" pitchFamily="34" charset="0"/>
+              <a:cs typeface="Arial" panose="020B0604020202020204" pitchFamily="34" charset="0"/>
+            </a:endParaRPr>
+          </a:p>
+        </p:txBody>
+      </p:sp>
+      <p:cxnSp>
+        <p:nvCxnSpPr>
+          <p:cNvPr id="7" name="Straight Arrow Connector 6"/>
+          <p:cNvCxnSpPr/>
+          <p:nvPr/>
+        </p:nvCxnSpPr>
+        <p:spPr>
+          <a:xfrm flipH="1">
+            <a:off x="6705602" y="1862554"/>
+            <a:ext cx="457198" cy="880646"/>
+          </a:xfrm>
+          <a:prstGeom prst="straightConnector1">
+            <a:avLst/>
+          </a:prstGeom>
+          <a:ln w="28575">
+            <a:solidFill>
+              <a:schemeClr val="tx1"/>
+            </a:solidFill>
+            <a:tailEnd type="triangle"/>
+          </a:ln>
+        </p:spPr>
+        <p:style>
+          <a:lnRef idx="1">
+            <a:schemeClr val="accent1"/>
+          </a:lnRef>
+          <a:fillRef idx="0">
+            <a:schemeClr val="accent1"/>
+          </a:fillRef>
+          <a:effectRef idx="0">
+            <a:schemeClr val="accent1"/>
+          </a:effectRef>
+          <a:fontRef idx="minor">
+            <a:schemeClr val="tx1"/>
+          </a:fontRef>
+        </p:style>
+      </p:cxnSp>
+    </p:spTree>
+    <p:extLst>
+      <p:ext uri="{BB962C8B-B14F-4D97-AF65-F5344CB8AC3E}">
+        <p14:creationId xmlns:p14="http://schemas.microsoft.com/office/powerpoint/2010/main" val="255137948"/>
+      </p:ext>
+    </p:extLst>
+  </p:cSld>
+  <p:clrMapOvr>
+    <a:masterClrMapping/>
+  </p:clrMapOvr>
+  <p:timing>
+    <p:tnLst>
+      <p:par>
+        <p:cTn id="1" dur="indefinite" restart="never" nodeType="tmRoot"/>
+      </p:par>
+    </p:tnLst>
+  </p:timing>
+</p:sld>
+</file>
+
 <file path=ppt/slides/slide2.xml><?xml version="1.0" encoding="utf-8"?>
 <p:sld xmlns:a="http://schemas.openxmlformats.org/drawingml/2006/main" xmlns:r="http://schemas.openxmlformats.org/officeDocument/2006/relationships" xmlns:p="http://schemas.openxmlformats.org/presentationml/2006/main">
   <p:cSld>
@@ -14070,7 +13823,281 @@
       </p:grpSpPr>
       <p:sp>
         <p:nvSpPr>
-          <p:cNvPr id="5" name="Slide Number Placeholder 4"/>
+          <p:cNvPr id="18434" name="Rectangle 2"/>
+          <p:cNvSpPr>
+            <a:spLocks noGrp="1" noChangeArrowheads="1"/>
+          </p:cNvSpPr>
+          <p:nvPr>
+            <p:ph type="title" idx="4294967295"/>
+          </p:nvPr>
+        </p:nvSpPr>
+        <p:spPr>
+          <a:xfrm>
+            <a:off x="457200" y="304800"/>
+            <a:ext cx="8229600" cy="650875"/>
+          </a:xfrm>
+        </p:spPr>
+        <p:txBody>
+          <a:bodyPr lIns="0" rIns="0" bIns="0" anchor="b">
+            <a:normAutofit/>
+          </a:bodyPr>
+          <a:lstStyle/>
+          <a:p>
+            <a:r>
+              <a:rPr lang="tr-TR" altLang="en-US" sz="3600" dirty="0" smtClean="0"/>
+              <a:t>V</a:t>
+            </a:r>
+            <a:r>
+              <a:rPr lang="en-US" altLang="en-US" sz="3600" dirty="0" err="1" smtClean="0"/>
+              <a:t>apnik</a:t>
+            </a:r>
+            <a:r>
+              <a:rPr lang="en-US" altLang="en-US" sz="3600" dirty="0" smtClean="0"/>
+              <a:t> </a:t>
+            </a:r>
+            <a:r>
+              <a:rPr lang="tr-TR" altLang="en-US" sz="3600" dirty="0" smtClean="0"/>
+              <a:t>C</a:t>
+            </a:r>
+            <a:r>
+              <a:rPr lang="en-US" altLang="en-US" sz="3600" dirty="0" err="1" smtClean="0"/>
+              <a:t>hervonenkis</a:t>
+            </a:r>
+            <a:r>
+              <a:rPr lang="en-US" altLang="en-US" sz="3600" dirty="0" smtClean="0"/>
+              <a:t> </a:t>
+            </a:r>
+            <a:r>
+              <a:rPr lang="tr-TR" altLang="en-US" sz="3600" dirty="0" smtClean="0"/>
+              <a:t>Dimension</a:t>
+            </a:r>
+            <a:r>
+              <a:rPr lang="en-US" altLang="en-US" sz="3600" dirty="0" smtClean="0"/>
+              <a:t>, </a:t>
+            </a:r>
+            <a:r>
+              <a:rPr lang="en-US" sz="3600" dirty="0" err="1" smtClean="0"/>
+              <a:t>d</a:t>
+            </a:r>
+            <a:r>
+              <a:rPr lang="en-US" sz="3600" baseline="-25000" dirty="0" err="1" smtClean="0"/>
+              <a:t>VC</a:t>
+            </a:r>
+            <a:r>
+              <a:rPr lang="en-US" sz="3600" dirty="0" smtClean="0"/>
+              <a:t> </a:t>
+            </a:r>
+            <a:endParaRPr lang="tr-TR" altLang="en-US" sz="3600" dirty="0" smtClean="0"/>
+          </a:p>
+        </p:txBody>
+      </p:sp>
+      <p:sp>
+        <p:nvSpPr>
+          <p:cNvPr id="18435" name="Rectangle 3"/>
+          <p:cNvSpPr>
+            <a:spLocks noGrp="1" noChangeArrowheads="1"/>
+          </p:cNvSpPr>
+          <p:nvPr>
+            <p:ph idx="4294967295"/>
+          </p:nvPr>
+        </p:nvSpPr>
+        <p:spPr>
+          <a:xfrm>
+            <a:off x="457200" y="1066800"/>
+            <a:ext cx="8229600" cy="4984750"/>
+          </a:xfrm>
+        </p:spPr>
+        <p:txBody>
+          <a:bodyPr>
+            <a:normAutofit fontScale="92500" lnSpcReduction="20000"/>
+          </a:bodyPr>
+          <a:lstStyle/>
+          <a:p>
+            <a:r>
+              <a:rPr lang="en-US" altLang="en-US" sz="3000" dirty="0" smtClean="0"/>
+              <a:t>H is a hypothesis set for 2-way classification (</a:t>
+            </a:r>
+            <a:r>
+              <a:rPr lang="en-US" altLang="en-US" sz="3000" dirty="0" err="1" smtClean="0"/>
+              <a:t>dichotomizer</a:t>
+            </a:r>
+            <a:r>
+              <a:rPr lang="en-US" altLang="en-US" sz="3000" dirty="0" smtClean="0"/>
+              <a:t>)</a:t>
+            </a:r>
+          </a:p>
+          <a:p>
+            <a:r>
+              <a:rPr lang="en-US" altLang="en-US" sz="2900" dirty="0" smtClean="0"/>
+              <a:t>H(X) is set of dichotomies created </a:t>
+            </a:r>
+            <a:r>
+              <a:rPr lang="en-US" altLang="en-US" sz="3000" dirty="0" smtClean="0"/>
+              <a:t>by application to H to dataset X with N </a:t>
+            </a:r>
+            <a:r>
+              <a:rPr lang="en-US" altLang="en-US" sz="3000" dirty="0" smtClean="0"/>
+              <a:t>examples (points in attribute space). </a:t>
+            </a:r>
+          </a:p>
+          <a:p>
+            <a:r>
+              <a:rPr lang="en-US" altLang="en-US" sz="3000" dirty="0" smtClean="0"/>
+              <a:t>|</a:t>
+            </a:r>
+            <a:r>
+              <a:rPr lang="en-US" altLang="en-US" sz="3000" dirty="0" smtClean="0"/>
+              <a:t>H(X)|= # of </a:t>
+            </a:r>
+            <a:r>
+              <a:rPr lang="en-US" altLang="en-US" sz="3000" dirty="0" smtClean="0"/>
+              <a:t>dichotomies that H can generate in X. </a:t>
+            </a:r>
+            <a:endParaRPr lang="en-US" altLang="en-US" sz="3000" dirty="0" smtClean="0"/>
+          </a:p>
+          <a:p>
+            <a:r>
+              <a:rPr lang="tr-TR" altLang="en-US" sz="3000" dirty="0" smtClean="0"/>
+              <a:t>N points can be labeled </a:t>
+            </a:r>
+            <a:r>
+              <a:rPr lang="en-US" altLang="en-US" sz="3000" u="sng" dirty="0" smtClean="0"/>
+              <a:t>+</a:t>
+            </a:r>
+            <a:r>
+              <a:rPr lang="en-US" altLang="en-US" sz="3000" dirty="0" smtClean="0"/>
+              <a:t> 1 </a:t>
+            </a:r>
+            <a:r>
+              <a:rPr lang="tr-TR" altLang="en-US" sz="3000" dirty="0" smtClean="0"/>
+              <a:t>in 2</a:t>
+            </a:r>
+            <a:r>
+              <a:rPr lang="tr-TR" altLang="en-US" sz="3000" baseline="30000" dirty="0" smtClean="0"/>
+              <a:t>N</a:t>
+            </a:r>
+            <a:r>
+              <a:rPr lang="tr-TR" altLang="en-US" sz="3000" i="1" dirty="0" smtClean="0"/>
+              <a:t> </a:t>
+            </a:r>
+            <a:r>
+              <a:rPr lang="tr-TR" altLang="en-US" sz="3000" dirty="0" smtClean="0"/>
+              <a:t>ways</a:t>
+            </a:r>
+            <a:r>
+              <a:rPr lang="en-US" altLang="en-US" sz="3000" dirty="0" smtClean="0"/>
+              <a:t>. |H(X)|</a:t>
+            </a:r>
+            <a:r>
+              <a:rPr lang="en-US" altLang="en-US" sz="3000" u="sng" dirty="0" smtClean="0"/>
+              <a:t>&lt;</a:t>
+            </a:r>
+            <a:r>
+              <a:rPr lang="tr-TR" altLang="en-US" sz="3000" dirty="0"/>
+              <a:t> </a:t>
+            </a:r>
+            <a:r>
+              <a:rPr lang="tr-TR" altLang="en-US" sz="3000" dirty="0" smtClean="0"/>
+              <a:t>2</a:t>
+            </a:r>
+            <a:r>
+              <a:rPr lang="tr-TR" altLang="en-US" sz="3000" baseline="30000" dirty="0" smtClean="0"/>
+              <a:t>N</a:t>
+            </a:r>
+            <a:endParaRPr lang="en-US" altLang="en-US" sz="3000" dirty="0" smtClean="0"/>
+          </a:p>
+          <a:p>
+            <a:r>
+              <a:rPr lang="en-US" altLang="en-US" sz="3000" dirty="0" smtClean="0"/>
+              <a:t>Let m be largest number of points in X consistent with some member of H. m </a:t>
+            </a:r>
+            <a:r>
+              <a:rPr lang="en-US" altLang="en-US" sz="3000" u="sng" dirty="0" smtClean="0"/>
+              <a:t>&lt;</a:t>
+            </a:r>
+            <a:r>
+              <a:rPr lang="en-US" altLang="en-US" sz="3000" dirty="0" smtClean="0"/>
+              <a:t> N</a:t>
+            </a:r>
+          </a:p>
+          <a:p>
+            <a:pPr marL="273050" indent="-273050"/>
+            <a:r>
+              <a:rPr lang="en-US" altLang="en-US" sz="3000" dirty="0" smtClean="0"/>
+              <a:t>d</a:t>
+            </a:r>
+            <a:r>
+              <a:rPr lang="tr-TR" altLang="en-US" sz="3000" baseline="-25000" dirty="0" smtClean="0"/>
+              <a:t>VC</a:t>
+            </a:r>
+            <a:r>
+              <a:rPr lang="tr-TR" altLang="en-US" sz="3000" dirty="0" smtClean="0"/>
+              <a:t>(H</a:t>
+            </a:r>
+            <a:r>
+              <a:rPr lang="en-US" altLang="en-US" sz="3000" dirty="0" smtClean="0"/>
+              <a:t>(X)</a:t>
+            </a:r>
+            <a:r>
+              <a:rPr lang="tr-TR" altLang="en-US" sz="3000" dirty="0" smtClean="0"/>
+              <a:t>) </a:t>
+            </a:r>
+            <a:r>
+              <a:rPr lang="en-US" altLang="en-US" sz="3000" dirty="0" smtClean="0"/>
+              <a:t>= m is the “capacity” of</a:t>
+            </a:r>
+            <a:r>
+              <a:rPr lang="en-US" altLang="en-US" sz="3000" i="1" dirty="0" smtClean="0"/>
+              <a:t> </a:t>
+            </a:r>
+            <a:r>
+              <a:rPr lang="en-US" altLang="en-US" sz="3000" dirty="0" smtClean="0"/>
+              <a:t>H on X</a:t>
+            </a:r>
+          </a:p>
+          <a:p>
+            <a:pPr marL="273050" indent="-273050"/>
+            <a:r>
+              <a:rPr lang="en-US" altLang="en-US" sz="3000" dirty="0" smtClean="0"/>
+              <a:t>H “shatters” m points in X</a:t>
+            </a:r>
+          </a:p>
+          <a:p>
+            <a:pPr marL="273050" indent="-273050"/>
+            <a:r>
+              <a:rPr lang="en-US" altLang="en-US" sz="3000" dirty="0"/>
+              <a:t>k</a:t>
+            </a:r>
+            <a:r>
+              <a:rPr lang="en-US" altLang="en-US" sz="3000" dirty="0" smtClean="0"/>
+              <a:t> = m+1 </a:t>
+            </a:r>
+            <a:r>
+              <a:rPr lang="en-US" altLang="en-US" sz="3000" dirty="0"/>
+              <a:t>i</a:t>
+            </a:r>
+            <a:r>
+              <a:rPr lang="en-US" altLang="en-US" sz="3000" dirty="0" smtClean="0"/>
+              <a:t>s the “break point” of H on X</a:t>
+            </a:r>
+            <a:endParaRPr lang="tr-TR" altLang="en-US" sz="3000" dirty="0" smtClean="0"/>
+          </a:p>
+          <a:p>
+            <a:pPr marL="273050" indent="-273050" eaLnBrk="1" hangingPunct="1">
+              <a:buFont typeface="Wingdings" pitchFamily="2" charset="2"/>
+              <a:buNone/>
+            </a:pPr>
+            <a:endParaRPr lang="tr-TR" altLang="en-US" sz="3300" dirty="0" smtClean="0">
+              <a:solidFill>
+                <a:schemeClr val="tx2"/>
+              </a:solidFill>
+            </a:endParaRPr>
+          </a:p>
+        </p:txBody>
+      </p:sp>
+      <p:sp>
+        <p:nvSpPr>
+          <p:cNvPr id="7" name="Slide Number Placeholder 4"/>
           <p:cNvSpPr txBox="1">
             <a:spLocks noGrp="1"/>
           </p:cNvSpPr>
@@ -14078,8 +14105,8 @@
         </p:nvSpPr>
         <p:spPr>
           <a:xfrm>
-            <a:off x="7086600" y="5624514"/>
-            <a:ext cx="571500" cy="273844"/>
+            <a:off x="7924800" y="6356350"/>
+            <a:ext cx="762000" cy="365125"/>
           </a:xfrm>
           <a:prstGeom prst="rect">
             <a:avLst/>
@@ -14093,8 +14120,8 @@
             <a:pPr algn="r">
               <a:defRPr/>
             </a:pPr>
-            <a:fld id="{35EF9CE7-CF24-4B4D-8BD4-CBF6DBDE96E3}" type="slidenum">
-              <a:rPr lang="tr-TR" sz="900">
+            <a:fld id="{96D83588-A469-4DC9-8747-FD54558FB2FD}" type="slidenum">
+              <a:rPr lang="tr-TR" sz="1200">
                 <a:solidFill>
                   <a:schemeClr val="tx2">
                     <a:shade val="90000"/>
@@ -14107,7 +14134,7 @@
               </a:pPr>
               <a:t>20</a:t>
             </a:fld>
-            <a:endParaRPr lang="tr-TR" sz="900">
+            <a:endParaRPr lang="tr-TR" sz="1200">
               <a:solidFill>
                 <a:schemeClr val="tx2">
                   <a:shade val="90000"/>
@@ -14118,465 +14145,10 @@
           </a:p>
         </p:txBody>
       </p:sp>
-      <p:pic>
-        <p:nvPicPr>
-          <p:cNvPr id="17413" name="Picture 4"/>
-          <p:cNvPicPr>
-            <a:picLocks noChangeAspect="1" noChangeArrowheads="1"/>
-          </p:cNvPicPr>
-          <p:nvPr/>
-        </p:nvPicPr>
-        <p:blipFill>
-          <a:blip r:embed="rId3">
-            <a:extLst>
-              <a:ext uri="{28A0092B-C50C-407E-A947-70E740481C1C}">
-                <a14:useLocalDpi xmlns:a14="http://schemas.microsoft.com/office/drawing/2010/main" val="0"/>
-              </a:ext>
-            </a:extLst>
-          </a:blip>
-          <a:srcRect/>
-          <a:stretch>
-            <a:fillRect/>
-          </a:stretch>
-        </p:blipFill>
-        <p:spPr bwMode="auto">
-          <a:xfrm>
-            <a:off x="3705022" y="1244203"/>
-            <a:ext cx="4372178" cy="4252742"/>
-          </a:xfrm>
-          <a:prstGeom prst="rect">
-            <a:avLst/>
-          </a:prstGeom>
-          <a:noFill/>
-          <a:ln>
-            <a:noFill/>
-          </a:ln>
-          <a:extLst>
-            <a:ext uri="{909E8E84-426E-40DD-AFC4-6F175D3DCCD1}">
-              <a14:hiddenFill xmlns:a14="http://schemas.microsoft.com/office/drawing/2010/main">
-                <a:solidFill>
-                  <a:srgbClr val="FFFFFF"/>
-                </a:solidFill>
-              </a14:hiddenFill>
-            </a:ext>
-            <a:ext uri="{91240B29-F687-4F45-9708-019B960494DF}">
-              <a14:hiddenLine xmlns:a14="http://schemas.microsoft.com/office/drawing/2010/main" w="9525">
-                <a:solidFill>
-                  <a:srgbClr val="000000"/>
-                </a:solidFill>
-                <a:miter lim="800000"/>
-                <a:headEnd/>
-                <a:tailEnd/>
-              </a14:hiddenLine>
-            </a:ext>
-          </a:extLst>
-        </p:spPr>
-      </p:pic>
-      <p:sp>
-        <p:nvSpPr>
-          <p:cNvPr id="17414" name="Rectangle 7"/>
-          <p:cNvSpPr>
-            <a:spLocks noChangeArrowheads="1"/>
-          </p:cNvSpPr>
-          <p:nvPr/>
-        </p:nvSpPr>
-        <p:spPr bwMode="auto">
-          <a:xfrm>
-            <a:off x="1371600" y="1439199"/>
-            <a:ext cx="2483644" cy="3647152"/>
-          </a:xfrm>
-          <a:prstGeom prst="rect">
-            <a:avLst/>
-          </a:prstGeom>
-          <a:noFill/>
-          <a:ln>
-            <a:noFill/>
-          </a:ln>
-          <a:extLst>
-            <a:ext uri="{909E8E84-426E-40DD-AFC4-6F175D3DCCD1}">
-              <a14:hiddenFill xmlns:a14="http://schemas.microsoft.com/office/drawing/2010/main">
-                <a:solidFill>
-                  <a:srgbClr val="FFFFFF"/>
-                </a:solidFill>
-              </a14:hiddenFill>
-            </a:ext>
-            <a:ext uri="{91240B29-F687-4F45-9708-019B960494DF}">
-              <a14:hiddenLine xmlns:a14="http://schemas.microsoft.com/office/drawing/2010/main" w="9525">
-                <a:solidFill>
-                  <a:srgbClr val="000000"/>
-                </a:solidFill>
-                <a:miter lim="800000"/>
-                <a:headEnd/>
-                <a:tailEnd/>
-              </a14:hiddenLine>
-            </a:ext>
-          </a:extLst>
-        </p:spPr>
-        <p:txBody>
-          <a:bodyPr>
-            <a:spAutoFit/>
-          </a:bodyPr>
-          <a:lstStyle>
-            <a:lvl1pPr eaLnBrk="0" hangingPunct="0">
-              <a:spcBef>
-                <a:spcPct val="20000"/>
-              </a:spcBef>
-              <a:buChar char="•"/>
-              <a:defRPr sz="3200">
-                <a:solidFill>
-                  <a:schemeClr val="tx1"/>
-                </a:solidFill>
-                <a:latin typeface="Arial" charset="0"/>
-              </a:defRPr>
-            </a:lvl1pPr>
-            <a:lvl2pPr marL="742950" indent="-285750" eaLnBrk="0" hangingPunct="0">
-              <a:spcBef>
-                <a:spcPct val="20000"/>
-              </a:spcBef>
-              <a:buChar char="–"/>
-              <a:defRPr sz="2800">
-                <a:solidFill>
-                  <a:schemeClr val="tx1"/>
-                </a:solidFill>
-                <a:latin typeface="Arial" charset="0"/>
-              </a:defRPr>
-            </a:lvl2pPr>
-            <a:lvl3pPr marL="1143000" indent="-228600" eaLnBrk="0" hangingPunct="0">
-              <a:spcBef>
-                <a:spcPct val="20000"/>
-              </a:spcBef>
-              <a:buChar char="•"/>
-              <a:defRPr sz="2400">
-                <a:solidFill>
-                  <a:schemeClr val="tx1"/>
-                </a:solidFill>
-                <a:latin typeface="Arial" charset="0"/>
-              </a:defRPr>
-            </a:lvl3pPr>
-            <a:lvl4pPr marL="1600200" indent="-228600" eaLnBrk="0" hangingPunct="0">
-              <a:spcBef>
-                <a:spcPct val="20000"/>
-              </a:spcBef>
-              <a:buChar char="–"/>
-              <a:defRPr sz="2000">
-                <a:solidFill>
-                  <a:schemeClr val="tx1"/>
-                </a:solidFill>
-                <a:latin typeface="Arial" charset="0"/>
-              </a:defRPr>
-            </a:lvl4pPr>
-            <a:lvl5pPr marL="2057400" indent="-228600" eaLnBrk="0" hangingPunct="0">
-              <a:spcBef>
-                <a:spcPct val="20000"/>
-              </a:spcBef>
-              <a:buChar char="»"/>
-              <a:defRPr sz="2000">
-                <a:solidFill>
-                  <a:schemeClr val="tx1"/>
-                </a:solidFill>
-                <a:latin typeface="Arial" charset="0"/>
-              </a:defRPr>
-            </a:lvl5pPr>
-            <a:lvl6pPr marL="2514600" indent="-228600" eaLnBrk="0" fontAlgn="base" hangingPunct="0">
-              <a:spcBef>
-                <a:spcPct val="20000"/>
-              </a:spcBef>
-              <a:spcAft>
-                <a:spcPct val="0"/>
-              </a:spcAft>
-              <a:buChar char="»"/>
-              <a:defRPr sz="2000">
-                <a:solidFill>
-                  <a:schemeClr val="tx1"/>
-                </a:solidFill>
-                <a:latin typeface="Arial" charset="0"/>
-              </a:defRPr>
-            </a:lvl6pPr>
-            <a:lvl7pPr marL="2971800" indent="-228600" eaLnBrk="0" fontAlgn="base" hangingPunct="0">
-              <a:spcBef>
-                <a:spcPct val="20000"/>
-              </a:spcBef>
-              <a:spcAft>
-                <a:spcPct val="0"/>
-              </a:spcAft>
-              <a:buChar char="»"/>
-              <a:defRPr sz="2000">
-                <a:solidFill>
-                  <a:schemeClr val="tx1"/>
-                </a:solidFill>
-                <a:latin typeface="Arial" charset="0"/>
-              </a:defRPr>
-            </a:lvl7pPr>
-            <a:lvl8pPr marL="3429000" indent="-228600" eaLnBrk="0" fontAlgn="base" hangingPunct="0">
-              <a:spcBef>
-                <a:spcPct val="20000"/>
-              </a:spcBef>
-              <a:spcAft>
-                <a:spcPct val="0"/>
-              </a:spcAft>
-              <a:buChar char="»"/>
-              <a:defRPr sz="2000">
-                <a:solidFill>
-                  <a:schemeClr val="tx1"/>
-                </a:solidFill>
-                <a:latin typeface="Arial" charset="0"/>
-              </a:defRPr>
-            </a:lvl8pPr>
-            <a:lvl9pPr marL="3886200" indent="-228600" eaLnBrk="0" fontAlgn="base" hangingPunct="0">
-              <a:spcBef>
-                <a:spcPct val="20000"/>
-              </a:spcBef>
-              <a:spcAft>
-                <a:spcPct val="0"/>
-              </a:spcAft>
-              <a:buChar char="»"/>
-              <a:defRPr sz="2000">
-                <a:solidFill>
-                  <a:schemeClr val="tx1"/>
-                </a:solidFill>
-                <a:latin typeface="Arial" charset="0"/>
-              </a:defRPr>
-            </a:lvl9pPr>
-          </a:lstStyle>
-          <a:p>
-            <a:pPr eaLnBrk="1" hangingPunct="1">
-              <a:spcBef>
-                <a:spcPct val="0"/>
-              </a:spcBef>
-              <a:buFontTx/>
-              <a:buNone/>
-            </a:pPr>
-            <a:r>
-              <a:rPr lang="tr-TR" altLang="en-US" sz="2100" dirty="0"/>
-              <a:t>Choose </a:t>
-            </a:r>
-            <a:r>
-              <a:rPr lang="tr-TR" altLang="en-US" sz="2100" i="1" dirty="0"/>
-              <a:t>h</a:t>
-            </a:r>
-            <a:r>
-              <a:rPr lang="tr-TR" altLang="en-US" sz="2100" dirty="0"/>
-              <a:t> </a:t>
-            </a:r>
-            <a:r>
-              <a:rPr lang="en-US" altLang="en-US" sz="2100" dirty="0"/>
-              <a:t>in the version space </a:t>
-            </a:r>
-            <a:r>
-              <a:rPr lang="tr-TR" altLang="en-US" sz="2100" dirty="0"/>
-              <a:t>with largest margin</a:t>
-            </a:r>
-            <a:r>
-              <a:rPr lang="en-US" altLang="en-US" sz="2100" dirty="0"/>
-              <a:t> to maximize generalization</a:t>
-            </a:r>
-          </a:p>
-          <a:p>
-            <a:pPr eaLnBrk="1" hangingPunct="1">
-              <a:spcBef>
-                <a:spcPct val="0"/>
-              </a:spcBef>
-              <a:buFontTx/>
-              <a:buNone/>
-            </a:pPr>
-            <a:endParaRPr lang="en-US" altLang="en-US" sz="2100" dirty="0"/>
-          </a:p>
-          <a:p>
-            <a:pPr eaLnBrk="1" hangingPunct="1">
-              <a:spcBef>
-                <a:spcPct val="0"/>
-              </a:spcBef>
-              <a:buFontTx/>
-              <a:buNone/>
-            </a:pPr>
-            <a:r>
-              <a:rPr lang="en-US" altLang="en-US" sz="2100" dirty="0"/>
-              <a:t>Data points that determine </a:t>
-            </a:r>
-            <a:r>
-              <a:rPr lang="en-US" altLang="en-US" sz="2100" i="1" dirty="0"/>
-              <a:t>S and G</a:t>
-            </a:r>
-            <a:r>
-              <a:rPr lang="en-US" altLang="en-US" sz="2100" dirty="0"/>
-              <a:t> are shaded. They “support” </a:t>
-            </a:r>
-            <a:r>
-              <a:rPr lang="en-US" altLang="en-US" sz="2100" i="1" dirty="0"/>
-              <a:t>h </a:t>
-            </a:r>
-            <a:r>
-              <a:rPr lang="en-US" altLang="en-US" sz="2100" dirty="0"/>
-              <a:t>with largest margins</a:t>
-            </a:r>
-          </a:p>
-        </p:txBody>
-      </p:sp>
-      <p:sp>
-        <p:nvSpPr>
-          <p:cNvPr id="2" name="TextBox 1"/>
-          <p:cNvSpPr txBox="1"/>
-          <p:nvPr/>
-        </p:nvSpPr>
-        <p:spPr>
-          <a:xfrm>
-            <a:off x="2055176" y="446183"/>
-            <a:ext cx="6015493" cy="523220"/>
-          </a:xfrm>
-          <a:prstGeom prst="rect">
-            <a:avLst/>
-          </a:prstGeom>
-          <a:noFill/>
-        </p:spPr>
-        <p:txBody>
-          <a:bodyPr wrap="none" rtlCol="0">
-            <a:spAutoFit/>
-          </a:bodyPr>
-          <a:lstStyle/>
-          <a:p>
-            <a:r>
-              <a:rPr lang="en-US" sz="2800" dirty="0"/>
-              <a:t>Logic behind “support vector machines”</a:t>
-            </a:r>
-          </a:p>
-        </p:txBody>
-      </p:sp>
-      <p:sp>
-        <p:nvSpPr>
-          <p:cNvPr id="3" name="Rectangle 2"/>
-          <p:cNvSpPr/>
-          <p:nvPr/>
-        </p:nvSpPr>
-        <p:spPr>
-          <a:xfrm>
-            <a:off x="7036594" y="2317023"/>
-            <a:ext cx="685800" cy="171450"/>
-          </a:xfrm>
-          <a:prstGeom prst="rect">
-            <a:avLst/>
-          </a:prstGeom>
-          <a:solidFill>
-            <a:schemeClr val="bg1"/>
-          </a:solidFill>
-          <a:ln>
-            <a:noFill/>
-          </a:ln>
-        </p:spPr>
-        <p:style>
-          <a:lnRef idx="2">
-            <a:schemeClr val="accent1">
-              <a:shade val="50000"/>
-            </a:schemeClr>
-          </a:lnRef>
-          <a:fillRef idx="1">
-            <a:schemeClr val="accent1"/>
-          </a:fillRef>
-          <a:effectRef idx="0">
-            <a:schemeClr val="accent1"/>
-          </a:effectRef>
-          <a:fontRef idx="minor">
-            <a:schemeClr val="lt1"/>
-          </a:fontRef>
-        </p:style>
-        <p:txBody>
-          <a:bodyPr rtlCol="0" anchor="ctr"/>
-          <a:lstStyle/>
-          <a:p>
-            <a:pPr algn="ctr"/>
-            <a:endParaRPr lang="en-US" sz="1350"/>
-          </a:p>
-        </p:txBody>
-      </p:sp>
-      <p:sp>
-        <p:nvSpPr>
-          <p:cNvPr id="4" name="TextBox 3"/>
-          <p:cNvSpPr txBox="1"/>
-          <p:nvPr/>
-        </p:nvSpPr>
-        <p:spPr>
-          <a:xfrm>
-            <a:off x="7933509" y="2351859"/>
-            <a:ext cx="920445" cy="1323439"/>
-          </a:xfrm>
-          <a:prstGeom prst="rect">
-            <a:avLst/>
-          </a:prstGeom>
-          <a:noFill/>
-        </p:spPr>
-        <p:txBody>
-          <a:bodyPr wrap="none" rtlCol="0">
-            <a:spAutoFit/>
-          </a:bodyPr>
-          <a:lstStyle/>
-          <a:p>
-            <a:r>
-              <a:rPr lang="en-US" sz="1600" dirty="0">
-                <a:latin typeface="Times New Roman" panose="02020603050405020304" pitchFamily="18" charset="0"/>
-                <a:cs typeface="Times New Roman" panose="02020603050405020304" pitchFamily="18" charset="0"/>
-              </a:rPr>
-              <a:t>w</a:t>
-            </a:r>
-            <a:r>
-              <a:rPr lang="en-US" sz="1600" dirty="0" smtClean="0">
-                <a:latin typeface="Times New Roman" panose="02020603050405020304" pitchFamily="18" charset="0"/>
-                <a:cs typeface="Times New Roman" panose="02020603050405020304" pitchFamily="18" charset="0"/>
-              </a:rPr>
-              <a:t>ith</a:t>
-            </a:r>
-          </a:p>
-          <a:p>
-            <a:r>
-              <a:rPr lang="en-US" sz="1600" dirty="0">
-                <a:latin typeface="Times New Roman" panose="02020603050405020304" pitchFamily="18" charset="0"/>
-                <a:cs typeface="Times New Roman" panose="02020603050405020304" pitchFamily="18" charset="0"/>
-              </a:rPr>
-              <a:t>g</a:t>
-            </a:r>
-            <a:r>
-              <a:rPr lang="en-US" sz="1600" dirty="0" smtClean="0">
-                <a:latin typeface="Times New Roman" panose="02020603050405020304" pitchFamily="18" charset="0"/>
-                <a:cs typeface="Times New Roman" panose="02020603050405020304" pitchFamily="18" charset="0"/>
-              </a:rPr>
-              <a:t>reatest </a:t>
-            </a:r>
-            <a:endParaRPr lang="en-US" sz="1600" dirty="0">
-              <a:latin typeface="Times New Roman" panose="02020603050405020304" pitchFamily="18" charset="0"/>
-              <a:cs typeface="Times New Roman" panose="02020603050405020304" pitchFamily="18" charset="0"/>
-            </a:endParaRPr>
-          </a:p>
-          <a:p>
-            <a:r>
-              <a:rPr lang="en-US" sz="1600" dirty="0">
-                <a:latin typeface="Times New Roman" panose="02020603050405020304" pitchFamily="18" charset="0"/>
-                <a:cs typeface="Times New Roman" panose="02020603050405020304" pitchFamily="18" charset="0"/>
-              </a:rPr>
-              <a:t>distance </a:t>
-            </a:r>
-          </a:p>
-          <a:p>
-            <a:r>
-              <a:rPr lang="en-US" sz="1600" dirty="0">
-                <a:latin typeface="Times New Roman" panose="02020603050405020304" pitchFamily="18" charset="0"/>
-                <a:cs typeface="Times New Roman" panose="02020603050405020304" pitchFamily="18" charset="0"/>
-              </a:rPr>
-              <a:t>between </a:t>
-            </a:r>
-          </a:p>
-          <a:p>
-            <a:r>
-              <a:rPr lang="en-US" sz="1600" dirty="0">
-                <a:latin typeface="Times New Roman" panose="02020603050405020304" pitchFamily="18" charset="0"/>
-                <a:cs typeface="Times New Roman" panose="02020603050405020304" pitchFamily="18" charset="0"/>
-              </a:rPr>
-              <a:t>S and G</a:t>
-            </a:r>
-          </a:p>
-        </p:txBody>
-      </p:sp>
     </p:spTree>
     <p:extLst>
       <p:ext uri="{BB962C8B-B14F-4D97-AF65-F5344CB8AC3E}">
-        <p14:creationId xmlns:p14="http://schemas.microsoft.com/office/powerpoint/2010/main" val="255137948"/>
+        <p14:creationId xmlns:p14="http://schemas.microsoft.com/office/powerpoint/2010/main" val="595357070"/>
       </p:ext>
     </p:extLst>
   </p:cSld>
@@ -14633,48 +14205,24 @@
           <a:lstStyle/>
           <a:p>
             <a:r>
+              <a:rPr lang="en-US" altLang="en-US" sz="3600" dirty="0" smtClean="0"/>
+              <a:t>VC </a:t>
+            </a:r>
+            <a:r>
+              <a:rPr lang="en-US" altLang="en-US" sz="3600" dirty="0"/>
+              <a:t>d</a:t>
+            </a:r>
+            <a:r>
               <a:rPr lang="tr-TR" altLang="en-US" sz="3600" dirty="0" smtClean="0"/>
-              <a:t>V</a:t>
+              <a:t>imension</a:t>
+            </a:r>
+            <a:r>
+              <a:rPr lang="en-US" altLang="en-US" sz="3600" dirty="0" smtClean="0"/>
+              <a:t> of 2D linear </a:t>
             </a:r>
             <a:r>
               <a:rPr lang="en-US" altLang="en-US" sz="3600" dirty="0" err="1" smtClean="0"/>
-              <a:t>apnik</a:t>
-            </a:r>
-            <a:r>
-              <a:rPr lang="en-US" altLang="en-US" sz="3600" dirty="0" smtClean="0"/>
-              <a:t> </a:t>
-            </a:r>
-            <a:r>
-              <a:rPr lang="tr-TR" altLang="en-US" sz="3600" dirty="0" smtClean="0"/>
-              <a:t>C</a:t>
-            </a:r>
-            <a:r>
-              <a:rPr lang="en-US" altLang="en-US" sz="3600" dirty="0" err="1" smtClean="0"/>
-              <a:t>hervonenkis</a:t>
-            </a:r>
-            <a:r>
-              <a:rPr lang="en-US" altLang="en-US" sz="3600" dirty="0" smtClean="0"/>
-              <a:t> </a:t>
-            </a:r>
-            <a:r>
-              <a:rPr lang="tr-TR" altLang="en-US" sz="3600" dirty="0" smtClean="0"/>
-              <a:t>Dimension</a:t>
-            </a:r>
-            <a:r>
-              <a:rPr lang="en-US" altLang="en-US" sz="3600" dirty="0" smtClean="0"/>
-              <a:t>, </a:t>
-            </a:r>
-            <a:r>
-              <a:rPr lang="en-US" sz="3600" dirty="0" err="1" smtClean="0"/>
-              <a:t>d</a:t>
-            </a:r>
-            <a:r>
-              <a:rPr lang="en-US" sz="3600" baseline="-25000" dirty="0" err="1" smtClean="0"/>
-              <a:t>VC</a:t>
-            </a:r>
-            <a:r>
-              <a:rPr lang="en-US" sz="3600" dirty="0" smtClean="0"/>
-              <a:t> </a:t>
+              <a:t>dichoromizers</a:t>
             </a:r>
             <a:endParaRPr lang="tr-TR" altLang="en-US" sz="3600" dirty="0" smtClean="0"/>
           </a:p>
@@ -14692,176 +14240,80 @@
         </p:nvSpPr>
         <p:spPr>
           <a:xfrm>
-            <a:off x="452437" y="1371600"/>
-            <a:ext cx="8229600" cy="4984750"/>
+            <a:off x="457200" y="1265463"/>
+            <a:ext cx="8229600" cy="2057400"/>
           </a:xfrm>
         </p:spPr>
         <p:txBody>
           <a:bodyPr>
-            <a:normAutofit fontScale="92500"/>
+            <a:normAutofit fontScale="85000" lnSpcReduction="20000"/>
           </a:bodyPr>
           <a:lstStyle/>
           <a:p>
-            <a:r>
-              <a:rPr lang="en-US" altLang="en-US" sz="3000" dirty="0" smtClean="0"/>
-              <a:t>H is a hypothesis set for 2-way classification (</a:t>
-            </a:r>
-            <a:r>
-              <a:rPr lang="en-US" altLang="en-US" sz="3000" dirty="0" err="1" smtClean="0"/>
-              <a:t>dichotomizer</a:t>
-            </a:r>
-            <a:r>
-              <a:rPr lang="en-US" altLang="en-US" sz="3000" dirty="0" smtClean="0"/>
-              <a:t>)</a:t>
-            </a:r>
-          </a:p>
-          <a:p>
-            <a:r>
-              <a:rPr lang="en-US" altLang="en-US" sz="2900" dirty="0" smtClean="0"/>
-              <a:t>H(X) is set of dichotomies created </a:t>
-            </a:r>
-            <a:r>
-              <a:rPr lang="en-US" altLang="en-US" sz="3000" dirty="0" smtClean="0"/>
-              <a:t>by application to H to dataset X with N points. |H(X)|= # of dichotomies. </a:t>
-            </a:r>
-          </a:p>
-          <a:p>
-            <a:r>
-              <a:rPr lang="tr-TR" altLang="en-US" sz="3000" dirty="0" smtClean="0"/>
-              <a:t>N points can be labeled </a:t>
-            </a:r>
-            <a:r>
-              <a:rPr lang="en-US" altLang="en-US" sz="3000" u="sng" dirty="0" smtClean="0"/>
-              <a:t>+</a:t>
-            </a:r>
-            <a:r>
-              <a:rPr lang="en-US" altLang="en-US" sz="3000" dirty="0" smtClean="0"/>
-              <a:t> 1 </a:t>
-            </a:r>
-            <a:r>
-              <a:rPr lang="tr-TR" altLang="en-US" sz="3000" dirty="0" smtClean="0"/>
-              <a:t>in 2</a:t>
-            </a:r>
-            <a:r>
-              <a:rPr lang="tr-TR" altLang="en-US" sz="3000" baseline="30000" dirty="0" smtClean="0"/>
-              <a:t>N</a:t>
-            </a:r>
-            <a:r>
-              <a:rPr lang="tr-TR" altLang="en-US" sz="3000" i="1" dirty="0" smtClean="0"/>
-              <a:t> </a:t>
-            </a:r>
-            <a:r>
-              <a:rPr lang="tr-TR" altLang="en-US" sz="3000" dirty="0" smtClean="0"/>
-              <a:t>ways</a:t>
-            </a:r>
-            <a:r>
-              <a:rPr lang="en-US" altLang="en-US" sz="3000" dirty="0" smtClean="0"/>
-              <a:t>. |H(X)|</a:t>
-            </a:r>
-            <a:r>
-              <a:rPr lang="en-US" altLang="en-US" sz="3000" u="sng" dirty="0" smtClean="0"/>
-              <a:t>&lt;</a:t>
-            </a:r>
-            <a:r>
-              <a:rPr lang="tr-TR" altLang="en-US" sz="3000" dirty="0"/>
-              <a:t> </a:t>
-            </a:r>
-            <a:r>
-              <a:rPr lang="tr-TR" altLang="en-US" sz="3000" dirty="0" smtClean="0"/>
-              <a:t>2</a:t>
-            </a:r>
-            <a:r>
-              <a:rPr lang="tr-TR" altLang="en-US" sz="3000" baseline="30000" dirty="0" smtClean="0"/>
-              <a:t>N</a:t>
-            </a:r>
-            <a:endParaRPr lang="en-US" altLang="en-US" sz="3000" dirty="0" smtClean="0"/>
-          </a:p>
-          <a:p>
-            <a:r>
-              <a:rPr lang="en-US" altLang="en-US" sz="3000" dirty="0" smtClean="0"/>
-              <a:t>Let m be largest number of points in X consistent with some member of H. m </a:t>
-            </a:r>
-            <a:r>
-              <a:rPr lang="en-US" altLang="en-US" sz="3000" u="sng" dirty="0" smtClean="0"/>
-              <a:t>&lt;</a:t>
-            </a:r>
-            <a:r>
-              <a:rPr lang="en-US" altLang="en-US" sz="3000" dirty="0" smtClean="0"/>
-              <a:t> N</a:t>
-            </a:r>
-          </a:p>
-          <a:p>
-            <a:pPr marL="273050" indent="-273050"/>
-            <a:r>
-              <a:rPr lang="en-US" altLang="en-US" sz="3000" dirty="0" smtClean="0"/>
-              <a:t>d</a:t>
-            </a:r>
-            <a:r>
-              <a:rPr lang="tr-TR" altLang="en-US" sz="3000" baseline="-25000" dirty="0" smtClean="0"/>
-              <a:t>VC</a:t>
-            </a:r>
-            <a:r>
-              <a:rPr lang="tr-TR" altLang="en-US" sz="3000" dirty="0" smtClean="0"/>
-              <a:t>(H</a:t>
-            </a:r>
-            <a:r>
-              <a:rPr lang="en-US" altLang="en-US" sz="3000" dirty="0" smtClean="0"/>
-              <a:t>(X)</a:t>
-            </a:r>
-            <a:r>
-              <a:rPr lang="tr-TR" altLang="en-US" sz="3000" dirty="0" smtClean="0"/>
-              <a:t>) </a:t>
-            </a:r>
-            <a:r>
-              <a:rPr lang="en-US" altLang="en-US" sz="3000" dirty="0" smtClean="0"/>
-              <a:t>= m is the “capacity” of</a:t>
-            </a:r>
-            <a:r>
-              <a:rPr lang="en-US" altLang="en-US" sz="3000" i="1" dirty="0" smtClean="0"/>
-              <a:t> </a:t>
-            </a:r>
-            <a:r>
-              <a:rPr lang="en-US" altLang="en-US" sz="3000" dirty="0" smtClean="0"/>
-              <a:t>H on X</a:t>
-            </a:r>
-          </a:p>
-          <a:p>
-            <a:pPr marL="273050" indent="-273050"/>
-            <a:r>
-              <a:rPr lang="en-US" altLang="en-US" sz="3000" dirty="0" smtClean="0"/>
-              <a:t>H “shatters” m points in X</a:t>
-            </a:r>
-          </a:p>
-          <a:p>
-            <a:pPr marL="273050" indent="-273050"/>
-            <a:r>
-              <a:rPr lang="en-US" altLang="en-US" sz="3000" dirty="0"/>
-              <a:t>k</a:t>
-            </a:r>
-            <a:r>
-              <a:rPr lang="en-US" altLang="en-US" sz="3000" dirty="0" smtClean="0"/>
-              <a:t> = m+1 </a:t>
-            </a:r>
-            <a:r>
-              <a:rPr lang="en-US" altLang="en-US" sz="3000" dirty="0"/>
-              <a:t>i</a:t>
-            </a:r>
-            <a:r>
-              <a:rPr lang="en-US" altLang="en-US" sz="3000" dirty="0" smtClean="0"/>
-              <a:t>s the “break point” of H on X</a:t>
-            </a:r>
-            <a:endParaRPr lang="tr-TR" altLang="en-US" sz="3000" dirty="0" smtClean="0"/>
-          </a:p>
-          <a:p>
-            <a:pPr marL="273050" indent="-273050" eaLnBrk="1" hangingPunct="1">
-              <a:buFont typeface="Wingdings" pitchFamily="2" charset="2"/>
+            <a:pPr marL="0" indent="0">
               <a:buNone/>
             </a:pPr>
-            <a:endParaRPr lang="tr-TR" altLang="en-US" sz="3300" dirty="0" smtClean="0">
-              <a:solidFill>
-                <a:schemeClr val="tx2"/>
-              </a:solidFill>
-            </a:endParaRPr>
+            <a:r>
+              <a:rPr lang="en-US" altLang="en-US" sz="3000" dirty="0" smtClean="0"/>
+              <a:t>2D datasets can be represented as dots in attribute plane.</a:t>
+            </a:r>
+          </a:p>
+          <a:p>
+            <a:pPr marL="0" indent="0">
+              <a:buNone/>
+            </a:pPr>
+            <a:r>
+              <a:rPr lang="en-US" altLang="en-US" dirty="0"/>
+              <a:t>Collinear datasets have aligned examples with n &gt; </a:t>
+            </a:r>
+            <a:r>
+              <a:rPr lang="en-US" altLang="en-US" dirty="0" smtClean="0"/>
+              <a:t>2.</a:t>
+            </a:r>
+          </a:p>
+          <a:p>
+            <a:pPr marL="0" indent="0">
+              <a:buNone/>
+            </a:pPr>
+            <a:r>
+              <a:rPr lang="en-US" altLang="en-US" dirty="0" smtClean="0"/>
+              <a:t>2D linear </a:t>
+            </a:r>
+            <a:r>
+              <a:rPr lang="en-US" altLang="en-US" dirty="0" err="1" smtClean="0"/>
+              <a:t>dichotomizers</a:t>
+            </a:r>
+            <a:r>
+              <a:rPr lang="en-US" altLang="en-US" dirty="0" smtClean="0"/>
+              <a:t> can be represented by lines.</a:t>
+            </a:r>
+          </a:p>
+          <a:p>
+            <a:pPr marL="0" indent="0">
+              <a:buNone/>
+            </a:pPr>
+            <a:r>
+              <a:rPr lang="en-US" altLang="en-US" dirty="0" smtClean="0"/>
+              <a:t>3 non-collinear data points are linearly separable regardless of class labels.</a:t>
+            </a:r>
+          </a:p>
+          <a:p>
+            <a:pPr marL="0" indent="0">
+              <a:buNone/>
+            </a:pPr>
+            <a:endParaRPr lang="en-US" altLang="en-US" dirty="0"/>
+          </a:p>
+          <a:p>
+            <a:pPr marL="0" indent="0">
+              <a:buNone/>
+            </a:pPr>
+            <a:endParaRPr lang="en-US" altLang="en-US" sz="3000" dirty="0" smtClean="0"/>
+          </a:p>
+          <a:p>
+            <a:pPr marL="0" indent="0">
+              <a:buNone/>
+            </a:pPr>
+            <a:endParaRPr lang="en-US" altLang="en-US" sz="3000" dirty="0" smtClean="0"/>
           </a:p>
         </p:txBody>
       </p:sp>
@@ -14903,228 +14355,6 @@
                 <a:defRPr/>
               </a:pPr>
               <a:t>21</a:t>
-            </a:fld>
-            <a:endParaRPr lang="tr-TR" sz="1200">
-              <a:solidFill>
-                <a:schemeClr val="tx2">
-                  <a:shade val="90000"/>
-                </a:schemeClr>
-              </a:solidFill>
-              <a:latin typeface="Palatino Linotype" pitchFamily="18" charset="0"/>
-            </a:endParaRPr>
-          </a:p>
-        </p:txBody>
-      </p:sp>
-    </p:spTree>
-    <p:extLst>
-      <p:ext uri="{BB962C8B-B14F-4D97-AF65-F5344CB8AC3E}">
-        <p14:creationId xmlns:p14="http://schemas.microsoft.com/office/powerpoint/2010/main" val="595357070"/>
-      </p:ext>
-    </p:extLst>
-  </p:cSld>
-  <p:clrMapOvr>
-    <a:masterClrMapping/>
-  </p:clrMapOvr>
-  <p:timing>
-    <p:tnLst>
-      <p:par>
-        <p:cTn id="1" dur="indefinite" restart="never" nodeType="tmRoot"/>
-      </p:par>
-    </p:tnLst>
-  </p:timing>
-</p:sld>
-</file>
-
-<file path=ppt/slides/slide22.xml><?xml version="1.0" encoding="utf-8"?>
-<p:sld xmlns:a="http://schemas.openxmlformats.org/drawingml/2006/main" xmlns:r="http://schemas.openxmlformats.org/officeDocument/2006/relationships" xmlns:p="http://schemas.openxmlformats.org/presentationml/2006/main">
-  <p:cSld>
-    <p:spTree>
-      <p:nvGrpSpPr>
-        <p:cNvPr id="1" name=""/>
-        <p:cNvGrpSpPr/>
-        <p:nvPr/>
-      </p:nvGrpSpPr>
-      <p:grpSpPr>
-        <a:xfrm>
-          <a:off x="0" y="0"/>
-          <a:ext cx="0" cy="0"/>
-          <a:chOff x="0" y="0"/>
-          <a:chExt cx="0" cy="0"/>
-        </a:xfrm>
-      </p:grpSpPr>
-      <p:sp>
-        <p:nvSpPr>
-          <p:cNvPr id="18434" name="Rectangle 2"/>
-          <p:cNvSpPr>
-            <a:spLocks noGrp="1" noChangeArrowheads="1"/>
-          </p:cNvSpPr>
-          <p:nvPr>
-            <p:ph type="title" idx="4294967295"/>
-          </p:nvPr>
-        </p:nvSpPr>
-        <p:spPr>
-          <a:xfrm>
-            <a:off x="457200" y="304800"/>
-            <a:ext cx="8229600" cy="650875"/>
-          </a:xfrm>
-        </p:spPr>
-        <p:txBody>
-          <a:bodyPr lIns="0" rIns="0" bIns="0" anchor="b">
-            <a:normAutofit/>
-          </a:bodyPr>
-          <a:lstStyle/>
-          <a:p>
-            <a:r>
-              <a:rPr lang="en-US" altLang="en-US" sz="3600" dirty="0" smtClean="0"/>
-              <a:t>VC </a:t>
-            </a:r>
-            <a:r>
-              <a:rPr lang="en-US" altLang="en-US" sz="3600" dirty="0"/>
-              <a:t>d</a:t>
-            </a:r>
-            <a:r>
-              <a:rPr lang="tr-TR" altLang="en-US" sz="3600" dirty="0" smtClean="0"/>
-              <a:t>imension</a:t>
-            </a:r>
-            <a:r>
-              <a:rPr lang="en-US" altLang="en-US" sz="3600" dirty="0" smtClean="0"/>
-              <a:t> of 2D linear </a:t>
-            </a:r>
-            <a:r>
-              <a:rPr lang="en-US" altLang="en-US" sz="3600" dirty="0" err="1" smtClean="0"/>
-              <a:t>dichoromizers</a:t>
-            </a:r>
-            <a:endParaRPr lang="tr-TR" altLang="en-US" sz="3600" dirty="0" smtClean="0"/>
-          </a:p>
-        </p:txBody>
-      </p:sp>
-      <p:sp>
-        <p:nvSpPr>
-          <p:cNvPr id="18435" name="Rectangle 3"/>
-          <p:cNvSpPr>
-            <a:spLocks noGrp="1" noChangeArrowheads="1"/>
-          </p:cNvSpPr>
-          <p:nvPr>
-            <p:ph idx="4294967295"/>
-          </p:nvPr>
-        </p:nvSpPr>
-        <p:spPr>
-          <a:xfrm>
-            <a:off x="457200" y="1265463"/>
-            <a:ext cx="8229600" cy="2057400"/>
-          </a:xfrm>
-        </p:spPr>
-        <p:txBody>
-          <a:bodyPr>
-            <a:normAutofit fontScale="85000" lnSpcReduction="20000"/>
-          </a:bodyPr>
-          <a:lstStyle/>
-          <a:p>
-            <a:pPr marL="0" indent="0">
-              <a:buNone/>
-            </a:pPr>
-            <a:r>
-              <a:rPr lang="en-US" altLang="en-US" sz="3000" dirty="0" smtClean="0"/>
-              <a:t>2D datasets can be represented as dots in attribute plane.</a:t>
-            </a:r>
-          </a:p>
-          <a:p>
-            <a:pPr marL="0" indent="0">
-              <a:buNone/>
-            </a:pPr>
-            <a:r>
-              <a:rPr lang="en-US" altLang="en-US" dirty="0"/>
-              <a:t>Collinear datasets have aligned examples with n &gt; </a:t>
-            </a:r>
-            <a:r>
-              <a:rPr lang="en-US" altLang="en-US" dirty="0" smtClean="0"/>
-              <a:t>2.</a:t>
-            </a:r>
-          </a:p>
-          <a:p>
-            <a:pPr marL="0" indent="0">
-              <a:buNone/>
-            </a:pPr>
-            <a:r>
-              <a:rPr lang="en-US" altLang="en-US" dirty="0" smtClean="0"/>
-              <a:t>2D linear </a:t>
-            </a:r>
-            <a:r>
-              <a:rPr lang="en-US" altLang="en-US" dirty="0" err="1" smtClean="0"/>
-              <a:t>dichotomizers</a:t>
-            </a:r>
-            <a:r>
-              <a:rPr lang="en-US" altLang="en-US" dirty="0" smtClean="0"/>
-              <a:t> can be represented by lines.</a:t>
-            </a:r>
-          </a:p>
-          <a:p>
-            <a:pPr marL="0" indent="0">
-              <a:buNone/>
-            </a:pPr>
-            <a:r>
-              <a:rPr lang="en-US" altLang="en-US" dirty="0" smtClean="0"/>
-              <a:t>3 non-collinear data points are linearly separable regardless of class labels.</a:t>
-            </a:r>
-          </a:p>
-          <a:p>
-            <a:pPr marL="0" indent="0">
-              <a:buNone/>
-            </a:pPr>
-            <a:endParaRPr lang="en-US" altLang="en-US" dirty="0"/>
-          </a:p>
-          <a:p>
-            <a:pPr marL="0" indent="0">
-              <a:buNone/>
-            </a:pPr>
-            <a:endParaRPr lang="en-US" altLang="en-US" sz="3000" dirty="0" smtClean="0"/>
-          </a:p>
-          <a:p>
-            <a:pPr marL="0" indent="0">
-              <a:buNone/>
-            </a:pPr>
-            <a:endParaRPr lang="en-US" altLang="en-US" sz="3000" dirty="0" smtClean="0"/>
-          </a:p>
-        </p:txBody>
-      </p:sp>
-      <p:sp>
-        <p:nvSpPr>
-          <p:cNvPr id="7" name="Slide Number Placeholder 4"/>
-          <p:cNvSpPr txBox="1">
-            <a:spLocks noGrp="1"/>
-          </p:cNvSpPr>
-          <p:nvPr/>
-        </p:nvSpPr>
-        <p:spPr>
-          <a:xfrm>
-            <a:off x="7924800" y="6356350"/>
-            <a:ext cx="762000" cy="365125"/>
-          </a:xfrm>
-          <a:prstGeom prst="rect">
-            <a:avLst/>
-          </a:prstGeom>
-          <a:noFill/>
-        </p:spPr>
-        <p:txBody>
-          <a:bodyPr lIns="0" tIns="0" rIns="0" bIns="0" anchor="b"/>
-          <a:lstStyle/>
-          <a:p>
-            <a:pPr algn="r">
-              <a:defRPr/>
-            </a:pPr>
-            <a:fld id="{96D83588-A469-4DC9-8747-FD54558FB2FD}" type="slidenum">
-              <a:rPr lang="tr-TR" sz="1200">
-                <a:solidFill>
-                  <a:schemeClr val="tx2">
-                    <a:shade val="90000"/>
-                  </a:schemeClr>
-                </a:solidFill>
-                <a:latin typeface="Palatino Linotype" pitchFamily="18" charset="0"/>
-              </a:rPr>
-              <a:pPr algn="r">
-                <a:defRPr/>
-              </a:pPr>
-              <a:t>22</a:t>
             </a:fld>
             <a:endParaRPr lang="tr-TR" sz="1200">
               <a:solidFill>
@@ -15198,7 +14428,7 @@
 </p:sld>
 </file>
 
-<file path=ppt/slides/slide23.xml><?xml version="1.0" encoding="utf-8"?>
+<file path=ppt/slides/slide22.xml><?xml version="1.0" encoding="utf-8"?>
 <p:sld xmlns:a="http://schemas.openxmlformats.org/drawingml/2006/main" xmlns:r="http://schemas.openxmlformats.org/officeDocument/2006/relationships" xmlns:p="http://schemas.openxmlformats.org/presentationml/2006/main">
   <p:cSld>
     <p:spTree>
@@ -15265,7 +14495,7 @@
         <p:spPr>
           <a:xfrm>
             <a:off x="381000" y="885824"/>
-            <a:ext cx="7927940" cy="2246769"/>
+            <a:ext cx="8519448" cy="2246769"/>
           </a:xfrm>
           <a:prstGeom prst="rect">
             <a:avLst/>
@@ -15279,13 +14509,37 @@
           <a:p>
             <a:r>
               <a:rPr lang="en-US" sz="2800" dirty="0" smtClean="0"/>
-              <a:t>Every set of 4 points has 2 labeling are not linearly </a:t>
-            </a:r>
-          </a:p>
-          <a:p>
+              <a:t>Every set of 4 </a:t>
+            </a:r>
             <a:r>
               <a:rPr lang="en-US" sz="2800" dirty="0" smtClean="0"/>
-              <a:t>separable.</a:t>
+              <a:t>non-collinear points </a:t>
+            </a:r>
+            <a:r>
+              <a:rPr lang="en-US" sz="2800" dirty="0" smtClean="0"/>
+              <a:t>has 2 labeling </a:t>
+            </a:r>
+            <a:r>
+              <a:rPr lang="en-US" sz="2800" dirty="0" smtClean="0"/>
+              <a:t>that are </a:t>
+            </a:r>
+          </a:p>
+          <a:p>
+            <a:r>
+              <a:rPr lang="en-US" sz="2800" dirty="0" smtClean="0"/>
+              <a:t>not </a:t>
+            </a:r>
+            <a:r>
+              <a:rPr lang="en-US" sz="2800" dirty="0" smtClean="0"/>
+              <a:t>linearly </a:t>
+            </a:r>
+            <a:r>
+              <a:rPr lang="en-US" sz="2800" dirty="0" smtClean="0"/>
+              <a:t>separable</a:t>
+            </a:r>
+            <a:r>
+              <a:rPr lang="en-US" sz="2800" dirty="0" smtClean="0"/>
+              <a:t>.</a:t>
             </a:r>
           </a:p>
           <a:p>
@@ -15416,7 +14670,7 @@
 </p:sld>
 </file>
 
-<file path=ppt/slides/slide24.xml><?xml version="1.0" encoding="utf-8"?>
+<file path=ppt/slides/slide23.xml><?xml version="1.0" encoding="utf-8"?>
 <p:sld xmlns:a="http://schemas.openxmlformats.org/drawingml/2006/main" xmlns:r="http://schemas.openxmlformats.org/officeDocument/2006/relationships" xmlns:p="http://schemas.openxmlformats.org/presentationml/2006/main">
   <p:cSld>
     <p:spTree>
@@ -15520,7 +14774,7 @@
               <a:pPr algn="r">
                 <a:defRPr/>
               </a:pPr>
-              <a:t>24</a:t>
+              <a:t>23</a:t>
             </a:fld>
             <a:endParaRPr lang="tr-TR" sz="1200">
               <a:solidFill>
@@ -16366,6 +15620,2754 @@
     <p:extLst>
       <p:ext uri="{BB962C8B-B14F-4D97-AF65-F5344CB8AC3E}">
         <p14:creationId xmlns:p14="http://schemas.microsoft.com/office/powerpoint/2010/main" val="3898536643"/>
+      </p:ext>
+    </p:extLst>
+  </p:cSld>
+  <p:clrMapOvr>
+    <a:masterClrMapping/>
+  </p:clrMapOvr>
+  <p:timing>
+    <p:tnLst>
+      <p:par>
+        <p:cTn id="1" dur="indefinite" restart="never" nodeType="tmRoot"/>
+      </p:par>
+    </p:tnLst>
+  </p:timing>
+</p:sld>
+</file>
+
+<file path=ppt/slides/slide24.xml><?xml version="1.0" encoding="utf-8"?>
+<p:sld xmlns:a="http://schemas.openxmlformats.org/drawingml/2006/main" xmlns:r="http://schemas.openxmlformats.org/officeDocument/2006/relationships" xmlns:p="http://schemas.openxmlformats.org/presentationml/2006/main">
+  <p:cSld>
+    <p:spTree>
+      <p:nvGrpSpPr>
+        <p:cNvPr id="1" name=""/>
+        <p:cNvGrpSpPr/>
+        <p:nvPr/>
+      </p:nvGrpSpPr>
+      <p:grpSpPr>
+        <a:xfrm>
+          <a:off x="0" y="0"/>
+          <a:ext cx="0" cy="0"/>
+          <a:chOff x="0" y="0"/>
+          <a:chExt cx="0" cy="0"/>
+        </a:xfrm>
+      </p:grpSpPr>
+    </p:spTree>
+    <p:extLst>
+      <p:ext uri="{BB962C8B-B14F-4D97-AF65-F5344CB8AC3E}">
+        <p14:creationId xmlns:p14="http://schemas.microsoft.com/office/powerpoint/2010/main" val="243231818"/>
+      </p:ext>
+    </p:extLst>
+  </p:cSld>
+  <p:clrMapOvr>
+    <a:masterClrMapping/>
+  </p:clrMapOvr>
+  <p:timing>
+    <p:tnLst>
+      <p:par>
+        <p:cTn id="1" dur="indefinite" restart="never" nodeType="tmRoot"/>
+      </p:par>
+    </p:tnLst>
+  </p:timing>
+</p:sld>
+</file>
+
+<file path=ppt/slides/slide25.xml><?xml version="1.0" encoding="utf-8"?>
+<p:sld xmlns:a="http://schemas.openxmlformats.org/drawingml/2006/main" xmlns:r="http://schemas.openxmlformats.org/officeDocument/2006/relationships" xmlns:p="http://schemas.openxmlformats.org/presentationml/2006/main">
+  <p:cSld>
+    <p:spTree>
+      <p:nvGrpSpPr>
+        <p:cNvPr id="1" name=""/>
+        <p:cNvGrpSpPr/>
+        <p:nvPr/>
+      </p:nvGrpSpPr>
+      <p:grpSpPr>
+        <a:xfrm>
+          <a:off x="0" y="0"/>
+          <a:ext cx="0" cy="0"/>
+          <a:chOff x="0" y="0"/>
+          <a:chExt cx="0" cy="0"/>
+        </a:xfrm>
+      </p:grpSpPr>
+      <p:sp>
+        <p:nvSpPr>
+          <p:cNvPr id="16386" name="Title 1"/>
+          <p:cNvSpPr>
+            <a:spLocks noGrp="1"/>
+          </p:cNvSpPr>
+          <p:nvPr>
+            <p:ph type="title" idx="4294967295"/>
+          </p:nvPr>
+        </p:nvSpPr>
+        <p:spPr>
+          <a:xfrm>
+            <a:off x="990600" y="381000"/>
+            <a:ext cx="1905000" cy="655638"/>
+          </a:xfrm>
+        </p:spPr>
+        <p:txBody>
+          <a:bodyPr lIns="0" rIns="0" bIns="0" anchor="b"/>
+          <a:lstStyle/>
+          <a:p>
+            <a:pPr algn="l" eaLnBrk="1" hangingPunct="1"/>
+            <a:r>
+              <a:rPr lang="tr-TR" altLang="en-US" sz="4000" dirty="0" smtClean="0"/>
+              <a:t>Margin</a:t>
+            </a:r>
+          </a:p>
+        </p:txBody>
+      </p:sp>
+      <p:sp>
+        <p:nvSpPr>
+          <p:cNvPr id="16387" name="Footer Placeholder 3"/>
+          <p:cNvSpPr txBox="1">
+            <a:spLocks noGrp="1"/>
+          </p:cNvSpPr>
+          <p:nvPr/>
+        </p:nvSpPr>
+        <p:spPr bwMode="auto">
+          <a:xfrm>
+            <a:off x="1285875" y="6356350"/>
+            <a:ext cx="6572250" cy="365125"/>
+          </a:xfrm>
+          <a:prstGeom prst="rect">
+            <a:avLst/>
+          </a:prstGeom>
+          <a:noFill/>
+          <a:ln>
+            <a:noFill/>
+          </a:ln>
+          <a:extLst>
+            <a:ext uri="{909E8E84-426E-40DD-AFC4-6F175D3DCCD1}">
+              <a14:hiddenFill xmlns:a14="http://schemas.microsoft.com/office/drawing/2010/main">
+                <a:solidFill>
+                  <a:srgbClr val="FFFFFF"/>
+                </a:solidFill>
+              </a14:hiddenFill>
+            </a:ext>
+            <a:ext uri="{91240B29-F687-4F45-9708-019B960494DF}">
+              <a14:hiddenLine xmlns:a14="http://schemas.microsoft.com/office/drawing/2010/main" w="9525">
+                <a:solidFill>
+                  <a:srgbClr val="000000"/>
+                </a:solidFill>
+                <a:miter lim="800000"/>
+                <a:headEnd/>
+                <a:tailEnd/>
+              </a14:hiddenLine>
+            </a:ext>
+          </a:extLst>
+        </p:spPr>
+        <p:txBody>
+          <a:bodyPr lIns="0" tIns="0" rIns="0" bIns="0" anchor="b"/>
+          <a:lstStyle>
+            <a:lvl1pPr eaLnBrk="0" hangingPunct="0">
+              <a:spcBef>
+                <a:spcPct val="20000"/>
+              </a:spcBef>
+              <a:buChar char="•"/>
+              <a:defRPr sz="3200">
+                <a:solidFill>
+                  <a:schemeClr val="tx1"/>
+                </a:solidFill>
+                <a:latin typeface="Arial" charset="0"/>
+              </a:defRPr>
+            </a:lvl1pPr>
+            <a:lvl2pPr marL="742950" indent="-285750" eaLnBrk="0" hangingPunct="0">
+              <a:spcBef>
+                <a:spcPct val="20000"/>
+              </a:spcBef>
+              <a:buChar char="–"/>
+              <a:defRPr sz="2800">
+                <a:solidFill>
+                  <a:schemeClr val="tx1"/>
+                </a:solidFill>
+                <a:latin typeface="Arial" charset="0"/>
+              </a:defRPr>
+            </a:lvl2pPr>
+            <a:lvl3pPr marL="1143000" indent="-228600" eaLnBrk="0" hangingPunct="0">
+              <a:spcBef>
+                <a:spcPct val="20000"/>
+              </a:spcBef>
+              <a:buChar char="•"/>
+              <a:defRPr sz="2400">
+                <a:solidFill>
+                  <a:schemeClr val="tx1"/>
+                </a:solidFill>
+                <a:latin typeface="Arial" charset="0"/>
+              </a:defRPr>
+            </a:lvl3pPr>
+            <a:lvl4pPr marL="1600200" indent="-228600" eaLnBrk="0" hangingPunct="0">
+              <a:spcBef>
+                <a:spcPct val="20000"/>
+              </a:spcBef>
+              <a:buChar char="–"/>
+              <a:defRPr sz="2000">
+                <a:solidFill>
+                  <a:schemeClr val="tx1"/>
+                </a:solidFill>
+                <a:latin typeface="Arial" charset="0"/>
+              </a:defRPr>
+            </a:lvl4pPr>
+            <a:lvl5pPr marL="2057400" indent="-228600" eaLnBrk="0" hangingPunct="0">
+              <a:spcBef>
+                <a:spcPct val="20000"/>
+              </a:spcBef>
+              <a:buChar char="»"/>
+              <a:defRPr sz="2000">
+                <a:solidFill>
+                  <a:schemeClr val="tx1"/>
+                </a:solidFill>
+                <a:latin typeface="Arial" charset="0"/>
+              </a:defRPr>
+            </a:lvl5pPr>
+            <a:lvl6pPr marL="2514600" indent="-228600" eaLnBrk="0" fontAlgn="base" hangingPunct="0">
+              <a:spcBef>
+                <a:spcPct val="20000"/>
+              </a:spcBef>
+              <a:spcAft>
+                <a:spcPct val="0"/>
+              </a:spcAft>
+              <a:buChar char="»"/>
+              <a:defRPr sz="2000">
+                <a:solidFill>
+                  <a:schemeClr val="tx1"/>
+                </a:solidFill>
+                <a:latin typeface="Arial" charset="0"/>
+              </a:defRPr>
+            </a:lvl6pPr>
+            <a:lvl7pPr marL="2971800" indent="-228600" eaLnBrk="0" fontAlgn="base" hangingPunct="0">
+              <a:spcBef>
+                <a:spcPct val="20000"/>
+              </a:spcBef>
+              <a:spcAft>
+                <a:spcPct val="0"/>
+              </a:spcAft>
+              <a:buChar char="»"/>
+              <a:defRPr sz="2000">
+                <a:solidFill>
+                  <a:schemeClr val="tx1"/>
+                </a:solidFill>
+                <a:latin typeface="Arial" charset="0"/>
+              </a:defRPr>
+            </a:lvl7pPr>
+            <a:lvl8pPr marL="3429000" indent="-228600" eaLnBrk="0" fontAlgn="base" hangingPunct="0">
+              <a:spcBef>
+                <a:spcPct val="20000"/>
+              </a:spcBef>
+              <a:spcAft>
+                <a:spcPct val="0"/>
+              </a:spcAft>
+              <a:buChar char="»"/>
+              <a:defRPr sz="2000">
+                <a:solidFill>
+                  <a:schemeClr val="tx1"/>
+                </a:solidFill>
+                <a:latin typeface="Arial" charset="0"/>
+              </a:defRPr>
+            </a:lvl8pPr>
+            <a:lvl9pPr marL="3886200" indent="-228600" eaLnBrk="0" fontAlgn="base" hangingPunct="0">
+              <a:spcBef>
+                <a:spcPct val="20000"/>
+              </a:spcBef>
+              <a:spcAft>
+                <a:spcPct val="0"/>
+              </a:spcAft>
+              <a:buChar char="»"/>
+              <a:defRPr sz="2000">
+                <a:solidFill>
+                  <a:schemeClr val="tx1"/>
+                </a:solidFill>
+                <a:latin typeface="Arial" charset="0"/>
+              </a:defRPr>
+            </a:lvl9pPr>
+          </a:lstStyle>
+          <a:p>
+            <a:pPr eaLnBrk="1" hangingPunct="1">
+              <a:spcBef>
+                <a:spcPct val="0"/>
+              </a:spcBef>
+              <a:buFontTx/>
+              <a:buNone/>
+            </a:pPr>
+            <a:r>
+              <a:rPr lang="tr-TR" altLang="en-US" sz="1200">
+                <a:solidFill>
+                  <a:srgbClr val="7F7F7F"/>
+                </a:solidFill>
+                <a:latin typeface="Calibri" pitchFamily="34" charset="0"/>
+              </a:rPr>
+              <a:t>Lecture Notes for E Alpaydın 2010 Introduction to Machine Learning 2e © The MIT Press (V1.0)</a:t>
+            </a:r>
+          </a:p>
+        </p:txBody>
+      </p:sp>
+      <p:sp>
+        <p:nvSpPr>
+          <p:cNvPr id="5" name="Slide Number Placeholder 4"/>
+          <p:cNvSpPr txBox="1">
+            <a:spLocks noGrp="1"/>
+          </p:cNvSpPr>
+          <p:nvPr/>
+        </p:nvSpPr>
+        <p:spPr>
+          <a:xfrm>
+            <a:off x="7924800" y="6356350"/>
+            <a:ext cx="762000" cy="365125"/>
+          </a:xfrm>
+          <a:prstGeom prst="rect">
+            <a:avLst/>
+          </a:prstGeom>
+          <a:noFill/>
+        </p:spPr>
+        <p:txBody>
+          <a:bodyPr lIns="0" tIns="0" rIns="0" bIns="0" anchor="b"/>
+          <a:lstStyle/>
+          <a:p>
+            <a:pPr algn="r">
+              <a:defRPr/>
+            </a:pPr>
+            <a:fld id="{34E77B30-2CD1-4485-A0D1-9A06F989EF84}" type="slidenum">
+              <a:rPr lang="tr-TR" sz="1200">
+                <a:solidFill>
+                  <a:schemeClr val="tx2">
+                    <a:shade val="90000"/>
+                  </a:schemeClr>
+                </a:solidFill>
+                <a:latin typeface="Palatino Linotype" pitchFamily="18" charset="0"/>
+              </a:rPr>
+              <a:pPr algn="r">
+                <a:defRPr/>
+              </a:pPr>
+              <a:t>25</a:t>
+            </a:fld>
+            <a:endParaRPr lang="tr-TR" sz="1200">
+              <a:solidFill>
+                <a:schemeClr val="tx2">
+                  <a:shade val="90000"/>
+                </a:schemeClr>
+              </a:solidFill>
+              <a:latin typeface="Palatino Linotype" pitchFamily="18" charset="0"/>
+            </a:endParaRPr>
+          </a:p>
+        </p:txBody>
+      </p:sp>
+      <p:sp>
+        <p:nvSpPr>
+          <p:cNvPr id="16389" name="Text Box 7"/>
+          <p:cNvSpPr txBox="1">
+            <a:spLocks noChangeArrowheads="1"/>
+          </p:cNvSpPr>
+          <p:nvPr/>
+        </p:nvSpPr>
+        <p:spPr bwMode="auto">
+          <a:xfrm>
+            <a:off x="3429000" y="228600"/>
+            <a:ext cx="4997450" cy="946150"/>
+          </a:xfrm>
+          <a:prstGeom prst="rect">
+            <a:avLst/>
+          </a:prstGeom>
+          <a:noFill/>
+          <a:ln>
+            <a:noFill/>
+          </a:ln>
+          <a:extLst>
+            <a:ext uri="{909E8E84-426E-40DD-AFC4-6F175D3DCCD1}">
+              <a14:hiddenFill xmlns:a14="http://schemas.microsoft.com/office/drawing/2010/main">
+                <a:solidFill>
+                  <a:srgbClr val="FFFFFF"/>
+                </a:solidFill>
+              </a14:hiddenFill>
+            </a:ext>
+            <a:ext uri="{91240B29-F687-4F45-9708-019B960494DF}">
+              <a14:hiddenLine xmlns:a14="http://schemas.microsoft.com/office/drawing/2010/main" w="9525">
+                <a:solidFill>
+                  <a:srgbClr val="000000"/>
+                </a:solidFill>
+                <a:miter lim="800000"/>
+                <a:headEnd/>
+                <a:tailEnd/>
+              </a14:hiddenLine>
+            </a:ext>
+          </a:extLst>
+        </p:spPr>
+        <p:txBody>
+          <a:bodyPr wrap="none">
+            <a:spAutoFit/>
+          </a:bodyPr>
+          <a:lstStyle>
+            <a:lvl1pPr eaLnBrk="0" hangingPunct="0">
+              <a:spcBef>
+                <a:spcPct val="20000"/>
+              </a:spcBef>
+              <a:buChar char="•"/>
+              <a:defRPr sz="3200">
+                <a:solidFill>
+                  <a:schemeClr val="tx1"/>
+                </a:solidFill>
+                <a:latin typeface="Arial" charset="0"/>
+              </a:defRPr>
+            </a:lvl1pPr>
+            <a:lvl2pPr marL="742950" indent="-285750" eaLnBrk="0" hangingPunct="0">
+              <a:spcBef>
+                <a:spcPct val="20000"/>
+              </a:spcBef>
+              <a:buChar char="–"/>
+              <a:defRPr sz="2800">
+                <a:solidFill>
+                  <a:schemeClr val="tx1"/>
+                </a:solidFill>
+                <a:latin typeface="Arial" charset="0"/>
+              </a:defRPr>
+            </a:lvl2pPr>
+            <a:lvl3pPr marL="1143000" indent="-228600" eaLnBrk="0" hangingPunct="0">
+              <a:spcBef>
+                <a:spcPct val="20000"/>
+              </a:spcBef>
+              <a:buChar char="•"/>
+              <a:defRPr sz="2400">
+                <a:solidFill>
+                  <a:schemeClr val="tx1"/>
+                </a:solidFill>
+                <a:latin typeface="Arial" charset="0"/>
+              </a:defRPr>
+            </a:lvl3pPr>
+            <a:lvl4pPr marL="1600200" indent="-228600" eaLnBrk="0" hangingPunct="0">
+              <a:spcBef>
+                <a:spcPct val="20000"/>
+              </a:spcBef>
+              <a:buChar char="–"/>
+              <a:defRPr sz="2000">
+                <a:solidFill>
+                  <a:schemeClr val="tx1"/>
+                </a:solidFill>
+                <a:latin typeface="Arial" charset="0"/>
+              </a:defRPr>
+            </a:lvl4pPr>
+            <a:lvl5pPr marL="2057400" indent="-228600" eaLnBrk="0" hangingPunct="0">
+              <a:spcBef>
+                <a:spcPct val="20000"/>
+              </a:spcBef>
+              <a:buChar char="»"/>
+              <a:defRPr sz="2000">
+                <a:solidFill>
+                  <a:schemeClr val="tx1"/>
+                </a:solidFill>
+                <a:latin typeface="Arial" charset="0"/>
+              </a:defRPr>
+            </a:lvl5pPr>
+            <a:lvl6pPr marL="2514600" indent="-228600" eaLnBrk="0" fontAlgn="base" hangingPunct="0">
+              <a:spcBef>
+                <a:spcPct val="20000"/>
+              </a:spcBef>
+              <a:spcAft>
+                <a:spcPct val="0"/>
+              </a:spcAft>
+              <a:buChar char="»"/>
+              <a:defRPr sz="2000">
+                <a:solidFill>
+                  <a:schemeClr val="tx1"/>
+                </a:solidFill>
+                <a:latin typeface="Arial" charset="0"/>
+              </a:defRPr>
+            </a:lvl6pPr>
+            <a:lvl7pPr marL="2971800" indent="-228600" eaLnBrk="0" fontAlgn="base" hangingPunct="0">
+              <a:spcBef>
+                <a:spcPct val="20000"/>
+              </a:spcBef>
+              <a:spcAft>
+                <a:spcPct val="0"/>
+              </a:spcAft>
+              <a:buChar char="»"/>
+              <a:defRPr sz="2000">
+                <a:solidFill>
+                  <a:schemeClr val="tx1"/>
+                </a:solidFill>
+                <a:latin typeface="Arial" charset="0"/>
+              </a:defRPr>
+            </a:lvl7pPr>
+            <a:lvl8pPr marL="3429000" indent="-228600" eaLnBrk="0" fontAlgn="base" hangingPunct="0">
+              <a:spcBef>
+                <a:spcPct val="20000"/>
+              </a:spcBef>
+              <a:spcAft>
+                <a:spcPct val="0"/>
+              </a:spcAft>
+              <a:buChar char="»"/>
+              <a:defRPr sz="2000">
+                <a:solidFill>
+                  <a:schemeClr val="tx1"/>
+                </a:solidFill>
+                <a:latin typeface="Arial" charset="0"/>
+              </a:defRPr>
+            </a:lvl8pPr>
+            <a:lvl9pPr marL="3886200" indent="-228600" eaLnBrk="0" fontAlgn="base" hangingPunct="0">
+              <a:spcBef>
+                <a:spcPct val="20000"/>
+              </a:spcBef>
+              <a:spcAft>
+                <a:spcPct val="0"/>
+              </a:spcAft>
+              <a:buChar char="»"/>
+              <a:defRPr sz="2000">
+                <a:solidFill>
+                  <a:schemeClr val="tx1"/>
+                </a:solidFill>
+                <a:latin typeface="Arial" charset="0"/>
+              </a:defRPr>
+            </a:lvl9pPr>
+          </a:lstStyle>
+          <a:p>
+            <a:pPr eaLnBrk="1" hangingPunct="1">
+              <a:spcBef>
+                <a:spcPct val="0"/>
+              </a:spcBef>
+              <a:buFontTx/>
+              <a:buNone/>
+            </a:pPr>
+            <a:r>
+              <a:rPr lang="en-US" altLang="en-US" sz="2800"/>
+              <a:t>Defined as distance between </a:t>
+            </a:r>
+          </a:p>
+          <a:p>
+            <a:pPr eaLnBrk="1" hangingPunct="1">
+              <a:spcBef>
+                <a:spcPct val="0"/>
+              </a:spcBef>
+              <a:buFontTx/>
+              <a:buNone/>
+            </a:pPr>
+            <a:r>
+              <a:rPr lang="en-US" altLang="en-US" sz="2800"/>
+              <a:t>boundary and closest instance</a:t>
+            </a:r>
+          </a:p>
+        </p:txBody>
+      </p:sp>
+      <p:sp>
+        <p:nvSpPr>
+          <p:cNvPr id="16390" name="Text Box 8"/>
+          <p:cNvSpPr txBox="1">
+            <a:spLocks noChangeArrowheads="1"/>
+          </p:cNvSpPr>
+          <p:nvPr/>
+        </p:nvSpPr>
+        <p:spPr bwMode="auto">
+          <a:xfrm>
+            <a:off x="457200" y="1837346"/>
+            <a:ext cx="4038600" cy="3046988"/>
+          </a:xfrm>
+          <a:prstGeom prst="rect">
+            <a:avLst/>
+          </a:prstGeom>
+          <a:noFill/>
+          <a:ln>
+            <a:noFill/>
+          </a:ln>
+          <a:extLst>
+            <a:ext uri="{909E8E84-426E-40DD-AFC4-6F175D3DCCD1}">
+              <a14:hiddenFill xmlns:a14="http://schemas.microsoft.com/office/drawing/2010/main">
+                <a:solidFill>
+                  <a:srgbClr val="FFFFFF"/>
+                </a:solidFill>
+              </a14:hiddenFill>
+            </a:ext>
+            <a:ext uri="{91240B29-F687-4F45-9708-019B960494DF}">
+              <a14:hiddenLine xmlns:a14="http://schemas.microsoft.com/office/drawing/2010/main" w="9525">
+                <a:solidFill>
+                  <a:srgbClr val="000000"/>
+                </a:solidFill>
+                <a:miter lim="800000"/>
+                <a:headEnd/>
+                <a:tailEnd/>
+              </a14:hiddenLine>
+            </a:ext>
+          </a:extLst>
+        </p:spPr>
+        <p:txBody>
+          <a:bodyPr wrap="square">
+            <a:spAutoFit/>
+          </a:bodyPr>
+          <a:lstStyle>
+            <a:lvl1pPr eaLnBrk="0" hangingPunct="0">
+              <a:spcBef>
+                <a:spcPct val="20000"/>
+              </a:spcBef>
+              <a:buChar char="•"/>
+              <a:defRPr sz="3200">
+                <a:solidFill>
+                  <a:schemeClr val="tx1"/>
+                </a:solidFill>
+                <a:latin typeface="Arial" charset="0"/>
+              </a:defRPr>
+            </a:lvl1pPr>
+            <a:lvl2pPr marL="742950" indent="-285750" eaLnBrk="0" hangingPunct="0">
+              <a:spcBef>
+                <a:spcPct val="20000"/>
+              </a:spcBef>
+              <a:buChar char="–"/>
+              <a:defRPr sz="2800">
+                <a:solidFill>
+                  <a:schemeClr val="tx1"/>
+                </a:solidFill>
+                <a:latin typeface="Arial" charset="0"/>
+              </a:defRPr>
+            </a:lvl2pPr>
+            <a:lvl3pPr marL="1143000" indent="-228600" eaLnBrk="0" hangingPunct="0">
+              <a:spcBef>
+                <a:spcPct val="20000"/>
+              </a:spcBef>
+              <a:buChar char="•"/>
+              <a:defRPr sz="2400">
+                <a:solidFill>
+                  <a:schemeClr val="tx1"/>
+                </a:solidFill>
+                <a:latin typeface="Arial" charset="0"/>
+              </a:defRPr>
+            </a:lvl3pPr>
+            <a:lvl4pPr marL="1600200" indent="-228600" eaLnBrk="0" hangingPunct="0">
+              <a:spcBef>
+                <a:spcPct val="20000"/>
+              </a:spcBef>
+              <a:buChar char="–"/>
+              <a:defRPr sz="2000">
+                <a:solidFill>
+                  <a:schemeClr val="tx1"/>
+                </a:solidFill>
+                <a:latin typeface="Arial" charset="0"/>
+              </a:defRPr>
+            </a:lvl4pPr>
+            <a:lvl5pPr marL="2057400" indent="-228600" eaLnBrk="0" hangingPunct="0">
+              <a:spcBef>
+                <a:spcPct val="20000"/>
+              </a:spcBef>
+              <a:buChar char="»"/>
+              <a:defRPr sz="2000">
+                <a:solidFill>
+                  <a:schemeClr val="tx1"/>
+                </a:solidFill>
+                <a:latin typeface="Arial" charset="0"/>
+              </a:defRPr>
+            </a:lvl5pPr>
+            <a:lvl6pPr marL="2514600" indent="-228600" eaLnBrk="0" fontAlgn="base" hangingPunct="0">
+              <a:spcBef>
+                <a:spcPct val="20000"/>
+              </a:spcBef>
+              <a:spcAft>
+                <a:spcPct val="0"/>
+              </a:spcAft>
+              <a:buChar char="»"/>
+              <a:defRPr sz="2000">
+                <a:solidFill>
+                  <a:schemeClr val="tx1"/>
+                </a:solidFill>
+                <a:latin typeface="Arial" charset="0"/>
+              </a:defRPr>
+            </a:lvl6pPr>
+            <a:lvl7pPr marL="2971800" indent="-228600" eaLnBrk="0" fontAlgn="base" hangingPunct="0">
+              <a:spcBef>
+                <a:spcPct val="20000"/>
+              </a:spcBef>
+              <a:spcAft>
+                <a:spcPct val="0"/>
+              </a:spcAft>
+              <a:buChar char="»"/>
+              <a:defRPr sz="2000">
+                <a:solidFill>
+                  <a:schemeClr val="tx1"/>
+                </a:solidFill>
+                <a:latin typeface="Arial" charset="0"/>
+              </a:defRPr>
+            </a:lvl7pPr>
+            <a:lvl8pPr marL="3429000" indent="-228600" eaLnBrk="0" fontAlgn="base" hangingPunct="0">
+              <a:spcBef>
+                <a:spcPct val="20000"/>
+              </a:spcBef>
+              <a:spcAft>
+                <a:spcPct val="0"/>
+              </a:spcAft>
+              <a:buChar char="»"/>
+              <a:defRPr sz="2000">
+                <a:solidFill>
+                  <a:schemeClr val="tx1"/>
+                </a:solidFill>
+                <a:latin typeface="Arial" charset="0"/>
+              </a:defRPr>
+            </a:lvl8pPr>
+            <a:lvl9pPr marL="3886200" indent="-228600" eaLnBrk="0" fontAlgn="base" hangingPunct="0">
+              <a:spcBef>
+                <a:spcPct val="20000"/>
+              </a:spcBef>
+              <a:spcAft>
+                <a:spcPct val="0"/>
+              </a:spcAft>
+              <a:buChar char="»"/>
+              <a:defRPr sz="2000">
+                <a:solidFill>
+                  <a:schemeClr val="tx1"/>
+                </a:solidFill>
+                <a:latin typeface="Arial" charset="0"/>
+              </a:defRPr>
+            </a:lvl9pPr>
+          </a:lstStyle>
+          <a:p>
+            <a:pPr eaLnBrk="1" hangingPunct="1">
+              <a:spcBef>
+                <a:spcPct val="0"/>
+              </a:spcBef>
+              <a:buFontTx/>
+              <a:buNone/>
+            </a:pPr>
+            <a:r>
+              <a:rPr lang="en-US" altLang="en-US" sz="2400" dirty="0"/>
+              <a:t>S and G hypotheses have </a:t>
+            </a:r>
+          </a:p>
+          <a:p>
+            <a:pPr eaLnBrk="1" hangingPunct="1">
+              <a:spcBef>
+                <a:spcPct val="0"/>
+              </a:spcBef>
+              <a:buFontTx/>
+              <a:buNone/>
+            </a:pPr>
+            <a:r>
+              <a:rPr lang="en-US" altLang="en-US" sz="2400" dirty="0"/>
+              <a:t>narrow margins; </a:t>
+            </a:r>
+            <a:r>
+              <a:rPr lang="en-US" altLang="en-US" sz="2400" dirty="0" smtClean="0"/>
+              <a:t>not expected to “generalize</a:t>
+            </a:r>
+            <a:r>
+              <a:rPr lang="en-US" altLang="en-US" sz="2400" dirty="0"/>
+              <a:t>” </a:t>
+            </a:r>
+            <a:endParaRPr lang="en-US" altLang="en-US" sz="2400" dirty="0" smtClean="0"/>
+          </a:p>
+          <a:p>
+            <a:pPr eaLnBrk="1" hangingPunct="1">
+              <a:spcBef>
+                <a:spcPct val="0"/>
+              </a:spcBef>
+              <a:buFontTx/>
+              <a:buNone/>
+            </a:pPr>
+            <a:r>
+              <a:rPr lang="en-US" altLang="en-US" sz="2400" dirty="0"/>
+              <a:t>w</a:t>
+            </a:r>
+            <a:r>
+              <a:rPr lang="en-US" altLang="en-US" sz="2400" dirty="0" smtClean="0"/>
+              <a:t>ell.</a:t>
+            </a:r>
+          </a:p>
+          <a:p>
+            <a:pPr eaLnBrk="1" hangingPunct="1">
+              <a:spcBef>
+                <a:spcPct val="0"/>
+              </a:spcBef>
+              <a:buFontTx/>
+              <a:buNone/>
+            </a:pPr>
+            <a:endParaRPr lang="en-US" altLang="en-US" sz="2400" dirty="0"/>
+          </a:p>
+          <a:p>
+            <a:pPr eaLnBrk="1" hangingPunct="1">
+              <a:spcBef>
+                <a:spcPct val="0"/>
+              </a:spcBef>
+              <a:buFontTx/>
+              <a:buNone/>
+            </a:pPr>
+            <a:r>
+              <a:rPr lang="en-US" altLang="en-US" sz="2400" dirty="0" smtClean="0"/>
+              <a:t>Even </a:t>
+            </a:r>
+            <a:r>
+              <a:rPr lang="en-US" altLang="en-US" sz="2400" dirty="0"/>
+              <a:t>though E</a:t>
+            </a:r>
+            <a:r>
+              <a:rPr lang="en-US" altLang="en-US" sz="2400" baseline="-25000" dirty="0"/>
+              <a:t>in</a:t>
+            </a:r>
+            <a:r>
+              <a:rPr lang="en-US" altLang="en-US" sz="2400" dirty="0"/>
+              <a:t> is zero, </a:t>
+            </a:r>
+            <a:endParaRPr lang="en-US" altLang="en-US" sz="2400" dirty="0" smtClean="0"/>
+          </a:p>
+          <a:p>
+            <a:pPr eaLnBrk="1" hangingPunct="1">
+              <a:spcBef>
+                <a:spcPct val="0"/>
+              </a:spcBef>
+              <a:buFontTx/>
+              <a:buNone/>
+            </a:pPr>
+            <a:r>
+              <a:rPr lang="en-US" altLang="en-US" sz="2400" dirty="0"/>
+              <a:t>w</a:t>
+            </a:r>
+            <a:r>
+              <a:rPr lang="en-US" altLang="en-US" sz="2400" dirty="0" smtClean="0"/>
+              <a:t>e expect </a:t>
+            </a:r>
+            <a:r>
+              <a:rPr lang="en-US" altLang="en-US" sz="2400" dirty="0" err="1"/>
+              <a:t>E</a:t>
+            </a:r>
+            <a:r>
+              <a:rPr lang="en-US" altLang="en-US" sz="2400" baseline="-25000" dirty="0" err="1"/>
+              <a:t>out</a:t>
+            </a:r>
+            <a:r>
+              <a:rPr lang="en-US" altLang="en-US" sz="2400" dirty="0"/>
+              <a:t> to be </a:t>
+            </a:r>
+            <a:r>
+              <a:rPr lang="en-US" altLang="en-US" sz="2400" dirty="0" smtClean="0"/>
+              <a:t>large. </a:t>
+            </a:r>
+            <a:endParaRPr lang="en-US" altLang="en-US" sz="2400" dirty="0"/>
+          </a:p>
+          <a:p>
+            <a:pPr eaLnBrk="1" hangingPunct="1">
+              <a:spcBef>
+                <a:spcPct val="0"/>
+              </a:spcBef>
+              <a:buFontTx/>
+              <a:buNone/>
+            </a:pPr>
+            <a:r>
+              <a:rPr lang="en-US" altLang="en-US" sz="2400" dirty="0" smtClean="0"/>
+              <a:t>Why?</a:t>
+            </a:r>
+            <a:endParaRPr lang="en-US" altLang="en-US" sz="2400" dirty="0"/>
+          </a:p>
+        </p:txBody>
+      </p:sp>
+      <p:pic>
+        <p:nvPicPr>
+          <p:cNvPr id="16392" name="Picture 4"/>
+          <p:cNvPicPr>
+            <a:picLocks noChangeAspect="1" noChangeArrowheads="1"/>
+          </p:cNvPicPr>
+          <p:nvPr/>
+        </p:nvPicPr>
+        <p:blipFill>
+          <a:blip r:embed="rId3">
+            <a:extLst>
+              <a:ext uri="{28A0092B-C50C-407E-A947-70E740481C1C}">
+                <a14:useLocalDpi xmlns:a14="http://schemas.microsoft.com/office/drawing/2010/main" val="0"/>
+              </a:ext>
+            </a:extLst>
+          </a:blip>
+          <a:srcRect/>
+          <a:stretch>
+            <a:fillRect/>
+          </a:stretch>
+        </p:blipFill>
+        <p:spPr bwMode="auto">
+          <a:xfrm>
+            <a:off x="4143375" y="1412875"/>
+            <a:ext cx="5000625" cy="4667250"/>
+          </a:xfrm>
+          <a:prstGeom prst="rect">
+            <a:avLst/>
+          </a:prstGeom>
+          <a:noFill/>
+          <a:ln>
+            <a:noFill/>
+          </a:ln>
+          <a:extLst>
+            <a:ext uri="{909E8E84-426E-40DD-AFC4-6F175D3DCCD1}">
+              <a14:hiddenFill xmlns:a14="http://schemas.microsoft.com/office/drawing/2010/main">
+                <a:solidFill>
+                  <a:srgbClr val="FFFFFF"/>
+                </a:solidFill>
+              </a14:hiddenFill>
+            </a:ext>
+            <a:ext uri="{91240B29-F687-4F45-9708-019B960494DF}">
+              <a14:hiddenLine xmlns:a14="http://schemas.microsoft.com/office/drawing/2010/main" w="9525">
+                <a:solidFill>
+                  <a:srgbClr val="000000"/>
+                </a:solidFill>
+                <a:miter lim="800000"/>
+                <a:headEnd/>
+                <a:tailEnd/>
+              </a14:hiddenLine>
+            </a:ext>
+          </a:extLst>
+        </p:spPr>
+      </p:pic>
+    </p:spTree>
+    <p:extLst>
+      <p:ext uri="{BB962C8B-B14F-4D97-AF65-F5344CB8AC3E}">
+        <p14:creationId xmlns:p14="http://schemas.microsoft.com/office/powerpoint/2010/main" val="758824429"/>
+      </p:ext>
+    </p:extLst>
+  </p:cSld>
+  <p:clrMapOvr>
+    <a:masterClrMapping/>
+  </p:clrMapOvr>
+  <p:timing>
+    <p:tnLst>
+      <p:par>
+        <p:cTn id="1" dur="indefinite" restart="never" nodeType="tmRoot"/>
+      </p:par>
+    </p:tnLst>
+  </p:timing>
+</p:sld>
+</file>
+
+<file path=ppt/slides/slide26.xml><?xml version="1.0" encoding="utf-8"?>
+<p:sld xmlns:a="http://schemas.openxmlformats.org/drawingml/2006/main" xmlns:r="http://schemas.openxmlformats.org/officeDocument/2006/relationships" xmlns:p="http://schemas.openxmlformats.org/presentationml/2006/main">
+  <p:cSld>
+    <p:spTree>
+      <p:nvGrpSpPr>
+        <p:cNvPr id="1" name=""/>
+        <p:cNvGrpSpPr/>
+        <p:nvPr/>
+      </p:nvGrpSpPr>
+      <p:grpSpPr>
+        <a:xfrm>
+          <a:off x="0" y="0"/>
+          <a:ext cx="0" cy="0"/>
+          <a:chOff x="0" y="0"/>
+          <a:chExt cx="0" cy="0"/>
+        </a:xfrm>
+      </p:grpSpPr>
+      <p:grpSp>
+        <p:nvGrpSpPr>
+          <p:cNvPr id="5" name="Group 4"/>
+          <p:cNvGrpSpPr/>
+          <p:nvPr/>
+        </p:nvGrpSpPr>
+        <p:grpSpPr>
+          <a:xfrm>
+            <a:off x="609600" y="1447800"/>
+            <a:ext cx="5581650" cy="5086350"/>
+            <a:chOff x="395288" y="1557338"/>
+            <a:chExt cx="5581650" cy="5086350"/>
+          </a:xfrm>
+        </p:grpSpPr>
+        <p:pic>
+          <p:nvPicPr>
+            <p:cNvPr id="13314" name="Picture 6"/>
+            <p:cNvPicPr>
+              <a:picLocks noChangeAspect="1" noChangeArrowheads="1"/>
+            </p:cNvPicPr>
+            <p:nvPr/>
+          </p:nvPicPr>
+          <p:blipFill>
+            <a:blip r:embed="rId2">
+              <a:extLst>
+                <a:ext uri="{28A0092B-C50C-407E-A947-70E740481C1C}">
+                  <a14:useLocalDpi xmlns:a14="http://schemas.microsoft.com/office/drawing/2010/main" val="0"/>
+                </a:ext>
+              </a:extLst>
+            </a:blip>
+            <a:srcRect/>
+            <a:stretch>
+              <a:fillRect/>
+            </a:stretch>
+          </p:blipFill>
+          <p:spPr bwMode="auto">
+            <a:xfrm>
+              <a:off x="395288" y="1557338"/>
+              <a:ext cx="5581650" cy="5086350"/>
+            </a:xfrm>
+            <a:prstGeom prst="rect">
+              <a:avLst/>
+            </a:prstGeom>
+            <a:noFill/>
+            <a:ln>
+              <a:noFill/>
+            </a:ln>
+            <a:extLst>
+              <a:ext uri="{909E8E84-426E-40DD-AFC4-6F175D3DCCD1}">
+                <a14:hiddenFill xmlns:a14="http://schemas.microsoft.com/office/drawing/2010/main">
+                  <a:solidFill>
+                    <a:srgbClr val="FFFFFF"/>
+                  </a:solidFill>
+                </a14:hiddenFill>
+              </a:ext>
+              <a:ext uri="{91240B29-F687-4F45-9708-019B960494DF}">
+                <a14:hiddenLine xmlns:a14="http://schemas.microsoft.com/office/drawing/2010/main" w="9525">
+                  <a:solidFill>
+                    <a:srgbClr val="000000"/>
+                  </a:solidFill>
+                  <a:miter lim="800000"/>
+                  <a:headEnd/>
+                  <a:tailEnd/>
+                </a14:hiddenLine>
+              </a:ext>
+            </a:extLst>
+          </p:spPr>
+        </p:pic>
+        <p:grpSp>
+          <p:nvGrpSpPr>
+            <p:cNvPr id="4" name="Group 3"/>
+            <p:cNvGrpSpPr/>
+            <p:nvPr/>
+          </p:nvGrpSpPr>
+          <p:grpSpPr>
+            <a:xfrm>
+              <a:off x="1905000" y="2629878"/>
+              <a:ext cx="3690597" cy="1942122"/>
+              <a:chOff x="1905000" y="2629878"/>
+              <a:chExt cx="3690597" cy="1942122"/>
+            </a:xfrm>
+          </p:grpSpPr>
+          <p:sp>
+            <p:nvSpPr>
+              <p:cNvPr id="13316" name="Text Box 4"/>
+              <p:cNvSpPr txBox="1">
+                <a:spLocks noChangeArrowheads="1"/>
+              </p:cNvSpPr>
+              <p:nvPr/>
+            </p:nvSpPr>
+            <p:spPr bwMode="auto">
+              <a:xfrm>
+                <a:off x="5172083" y="2629878"/>
+                <a:ext cx="423514" cy="461665"/>
+              </a:xfrm>
+              <a:prstGeom prst="rect">
+                <a:avLst/>
+              </a:prstGeom>
+              <a:noFill/>
+              <a:ln>
+                <a:noFill/>
+              </a:ln>
+              <a:effectLst/>
+              <a:extLst>
+                <a:ext uri="{909E8E84-426E-40DD-AFC4-6F175D3DCCD1}">
+                  <a14:hiddenFill xmlns:a14="http://schemas.microsoft.com/office/drawing/2010/main">
+                    <a:solidFill>
+                      <a:schemeClr val="accent1"/>
+                    </a:solidFill>
+                  </a14:hiddenFill>
+                </a:ext>
+                <a:ext uri="{91240B29-F687-4F45-9708-019B960494DF}">
+                  <a14:hiddenLine xmlns:a14="http://schemas.microsoft.com/office/drawing/2010/main" w="9525">
+                    <a:solidFill>
+                      <a:schemeClr val="tx1"/>
+                    </a:solidFill>
+                    <a:miter lim="800000"/>
+                    <a:headEnd/>
+                    <a:tailEnd/>
+                  </a14:hiddenLine>
+                </a:ext>
+                <a:ext uri="{AF507438-7753-43E0-B8FC-AC1667EBCBE1}">
+                  <a14:hiddenEffects xmlns:a14="http://schemas.microsoft.com/office/drawing/2010/main">
+                    <a:effectLst>
+                      <a:outerShdw dist="35921" dir="2700000" algn="ctr" rotWithShape="0">
+                        <a:schemeClr val="bg2"/>
+                      </a:outerShdw>
+                    </a:effectLst>
+                  </a14:hiddenEffects>
+                </a:ext>
+              </a:extLst>
+            </p:spPr>
+            <p:txBody>
+              <a:bodyPr wrap="none">
+                <a:spAutoFit/>
+              </a:bodyPr>
+              <a:lstStyle>
+                <a:lvl1pPr eaLnBrk="0" hangingPunct="0">
+                  <a:spcBef>
+                    <a:spcPct val="20000"/>
+                  </a:spcBef>
+                  <a:buChar char="•"/>
+                  <a:defRPr sz="3200">
+                    <a:solidFill>
+                      <a:schemeClr val="tx1"/>
+                    </a:solidFill>
+                    <a:latin typeface="Arial" charset="0"/>
+                  </a:defRPr>
+                </a:lvl1pPr>
+                <a:lvl2pPr marL="742950" indent="-285750" eaLnBrk="0" hangingPunct="0">
+                  <a:spcBef>
+                    <a:spcPct val="20000"/>
+                  </a:spcBef>
+                  <a:buChar char="–"/>
+                  <a:defRPr sz="2800">
+                    <a:solidFill>
+                      <a:schemeClr val="tx1"/>
+                    </a:solidFill>
+                    <a:latin typeface="Arial" charset="0"/>
+                  </a:defRPr>
+                </a:lvl2pPr>
+                <a:lvl3pPr marL="1143000" indent="-228600" eaLnBrk="0" hangingPunct="0">
+                  <a:spcBef>
+                    <a:spcPct val="20000"/>
+                  </a:spcBef>
+                  <a:buChar char="•"/>
+                  <a:defRPr sz="2400">
+                    <a:solidFill>
+                      <a:schemeClr val="tx1"/>
+                    </a:solidFill>
+                    <a:latin typeface="Arial" charset="0"/>
+                  </a:defRPr>
+                </a:lvl3pPr>
+                <a:lvl4pPr marL="1600200" indent="-228600" eaLnBrk="0" hangingPunct="0">
+                  <a:spcBef>
+                    <a:spcPct val="20000"/>
+                  </a:spcBef>
+                  <a:buChar char="–"/>
+                  <a:defRPr sz="2000">
+                    <a:solidFill>
+                      <a:schemeClr val="tx1"/>
+                    </a:solidFill>
+                    <a:latin typeface="Arial" charset="0"/>
+                  </a:defRPr>
+                </a:lvl4pPr>
+                <a:lvl5pPr marL="2057400" indent="-228600" eaLnBrk="0" hangingPunct="0">
+                  <a:spcBef>
+                    <a:spcPct val="20000"/>
+                  </a:spcBef>
+                  <a:buChar char="»"/>
+                  <a:defRPr sz="2000">
+                    <a:solidFill>
+                      <a:schemeClr val="tx1"/>
+                    </a:solidFill>
+                    <a:latin typeface="Arial" charset="0"/>
+                  </a:defRPr>
+                </a:lvl5pPr>
+                <a:lvl6pPr marL="2514600" indent="-228600" eaLnBrk="0" fontAlgn="base" hangingPunct="0">
+                  <a:spcBef>
+                    <a:spcPct val="20000"/>
+                  </a:spcBef>
+                  <a:spcAft>
+                    <a:spcPct val="0"/>
+                  </a:spcAft>
+                  <a:buChar char="»"/>
+                  <a:defRPr sz="2000">
+                    <a:solidFill>
+                      <a:schemeClr val="tx1"/>
+                    </a:solidFill>
+                    <a:latin typeface="Arial" charset="0"/>
+                  </a:defRPr>
+                </a:lvl6pPr>
+                <a:lvl7pPr marL="2971800" indent="-228600" eaLnBrk="0" fontAlgn="base" hangingPunct="0">
+                  <a:spcBef>
+                    <a:spcPct val="20000"/>
+                  </a:spcBef>
+                  <a:spcAft>
+                    <a:spcPct val="0"/>
+                  </a:spcAft>
+                  <a:buChar char="»"/>
+                  <a:defRPr sz="2000">
+                    <a:solidFill>
+                      <a:schemeClr val="tx1"/>
+                    </a:solidFill>
+                    <a:latin typeface="Arial" charset="0"/>
+                  </a:defRPr>
+                </a:lvl7pPr>
+                <a:lvl8pPr marL="3429000" indent="-228600" eaLnBrk="0" fontAlgn="base" hangingPunct="0">
+                  <a:spcBef>
+                    <a:spcPct val="20000"/>
+                  </a:spcBef>
+                  <a:spcAft>
+                    <a:spcPct val="0"/>
+                  </a:spcAft>
+                  <a:buChar char="»"/>
+                  <a:defRPr sz="2000">
+                    <a:solidFill>
+                      <a:schemeClr val="tx1"/>
+                    </a:solidFill>
+                    <a:latin typeface="Arial" charset="0"/>
+                  </a:defRPr>
+                </a:lvl8pPr>
+                <a:lvl9pPr marL="3886200" indent="-228600" eaLnBrk="0" fontAlgn="base" hangingPunct="0">
+                  <a:spcBef>
+                    <a:spcPct val="20000"/>
+                  </a:spcBef>
+                  <a:spcAft>
+                    <a:spcPct val="0"/>
+                  </a:spcAft>
+                  <a:buChar char="»"/>
+                  <a:defRPr sz="2000">
+                    <a:solidFill>
+                      <a:schemeClr val="tx1"/>
+                    </a:solidFill>
+                    <a:latin typeface="Arial" charset="0"/>
+                  </a:defRPr>
+                </a:lvl9pPr>
+              </a:lstStyle>
+              <a:p>
+                <a:pPr eaLnBrk="1" hangingPunct="1">
+                  <a:spcBef>
+                    <a:spcPct val="0"/>
+                  </a:spcBef>
+                  <a:buFontTx/>
+                  <a:buNone/>
+                </a:pPr>
+                <a:r>
+                  <a:rPr lang="en-US" altLang="en-US" sz="2400" dirty="0" smtClean="0"/>
+                  <a:t>G</a:t>
+                </a:r>
+                <a:endParaRPr lang="en-US" altLang="en-US" sz="2400" dirty="0"/>
+              </a:p>
+            </p:txBody>
+          </p:sp>
+          <p:sp>
+            <p:nvSpPr>
+              <p:cNvPr id="13317" name="Line 5"/>
+              <p:cNvSpPr>
+                <a:spLocks noChangeShapeType="1"/>
+              </p:cNvSpPr>
+              <p:nvPr/>
+            </p:nvSpPr>
+            <p:spPr bwMode="auto">
+              <a:xfrm flipH="1">
+                <a:off x="4757057" y="2862943"/>
+                <a:ext cx="457200" cy="228600"/>
+              </a:xfrm>
+              <a:prstGeom prst="line">
+                <a:avLst/>
+              </a:prstGeom>
+              <a:noFill/>
+              <a:ln w="19050">
+                <a:solidFill>
+                  <a:schemeClr val="tx1"/>
+                </a:solidFill>
+                <a:round/>
+                <a:headEnd/>
+                <a:tailEnd type="triangle" w="med" len="med"/>
+              </a:ln>
+              <a:effectLst/>
+              <a:extLst>
+                <a:ext uri="{909E8E84-426E-40DD-AFC4-6F175D3DCCD1}">
+                  <a14:hiddenFill xmlns:a14="http://schemas.microsoft.com/office/drawing/2010/main">
+                    <a:noFill/>
+                  </a14:hiddenFill>
+                </a:ext>
+                <a:ext uri="{AF507438-7753-43E0-B8FC-AC1667EBCBE1}">
+                  <a14:hiddenEffects xmlns:a14="http://schemas.microsoft.com/office/drawing/2010/main">
+                    <a:effectLst>
+                      <a:outerShdw dist="35921" dir="2700000" algn="ctr" rotWithShape="0">
+                        <a:schemeClr val="bg2"/>
+                      </a:outerShdw>
+                    </a:effectLst>
+                  </a14:hiddenEffects>
+                </a:ext>
+              </a:extLst>
+            </p:spPr>
+            <p:txBody>
+              <a:bodyPr/>
+              <a:lstStyle/>
+              <a:p>
+                <a:endParaRPr lang="en-US"/>
+              </a:p>
+            </p:txBody>
+          </p:sp>
+          <p:sp>
+            <p:nvSpPr>
+              <p:cNvPr id="2" name="Rectangle 1"/>
+              <p:cNvSpPr/>
+              <p:nvPr/>
+            </p:nvSpPr>
+            <p:spPr>
+              <a:xfrm>
+                <a:off x="2438400" y="3468688"/>
+                <a:ext cx="1204913" cy="798512"/>
+              </a:xfrm>
+              <a:prstGeom prst="rect">
+                <a:avLst/>
+              </a:prstGeom>
+              <a:noFill/>
+              <a:ln>
+                <a:prstDash val="dash"/>
+              </a:ln>
+            </p:spPr>
+            <p:style>
+              <a:lnRef idx="2">
+                <a:schemeClr val="accent1">
+                  <a:shade val="50000"/>
+                </a:schemeClr>
+              </a:lnRef>
+              <a:fillRef idx="1">
+                <a:schemeClr val="accent1"/>
+              </a:fillRef>
+              <a:effectRef idx="0">
+                <a:schemeClr val="accent1"/>
+              </a:effectRef>
+              <a:fontRef idx="minor">
+                <a:schemeClr val="lt1"/>
+              </a:fontRef>
+            </p:style>
+            <p:txBody>
+              <a:bodyPr rtlCol="0" anchor="ctr"/>
+              <a:lstStyle/>
+              <a:p>
+                <a:pPr algn="ctr"/>
+                <a:endParaRPr lang="en-US"/>
+              </a:p>
+            </p:txBody>
+          </p:sp>
+          <p:sp>
+            <p:nvSpPr>
+              <p:cNvPr id="3" name="Rectangle 2"/>
+              <p:cNvSpPr/>
+              <p:nvPr/>
+            </p:nvSpPr>
+            <p:spPr>
+              <a:xfrm>
+                <a:off x="1905000" y="3124200"/>
+                <a:ext cx="2819400" cy="1447800"/>
+              </a:xfrm>
+              <a:prstGeom prst="rect">
+                <a:avLst/>
+              </a:prstGeom>
+              <a:noFill/>
+              <a:ln>
+                <a:prstDash val="dash"/>
+              </a:ln>
+            </p:spPr>
+            <p:style>
+              <a:lnRef idx="2">
+                <a:schemeClr val="accent1">
+                  <a:shade val="50000"/>
+                </a:schemeClr>
+              </a:lnRef>
+              <a:fillRef idx="1">
+                <a:schemeClr val="accent1"/>
+              </a:fillRef>
+              <a:effectRef idx="0">
+                <a:schemeClr val="accent1"/>
+              </a:effectRef>
+              <a:fontRef idx="minor">
+                <a:schemeClr val="lt1"/>
+              </a:fontRef>
+            </p:style>
+            <p:txBody>
+              <a:bodyPr rtlCol="0" anchor="ctr"/>
+              <a:lstStyle/>
+              <a:p>
+                <a:pPr algn="ctr"/>
+                <a:endParaRPr lang="en-US"/>
+              </a:p>
+            </p:txBody>
+          </p:sp>
+          <p:sp>
+            <p:nvSpPr>
+              <p:cNvPr id="8" name="Text Box 4"/>
+              <p:cNvSpPr txBox="1">
+                <a:spLocks noChangeArrowheads="1"/>
+              </p:cNvSpPr>
+              <p:nvPr/>
+            </p:nvSpPr>
+            <p:spPr bwMode="auto">
+              <a:xfrm>
+                <a:off x="4110679" y="3091543"/>
+                <a:ext cx="389850" cy="461665"/>
+              </a:xfrm>
+              <a:prstGeom prst="rect">
+                <a:avLst/>
+              </a:prstGeom>
+              <a:noFill/>
+              <a:ln>
+                <a:noFill/>
+              </a:ln>
+              <a:effectLst/>
+              <a:extLst>
+                <a:ext uri="{909E8E84-426E-40DD-AFC4-6F175D3DCCD1}">
+                  <a14:hiddenFill xmlns:a14="http://schemas.microsoft.com/office/drawing/2010/main">
+                    <a:solidFill>
+                      <a:schemeClr val="accent1"/>
+                    </a:solidFill>
+                  </a14:hiddenFill>
+                </a:ext>
+                <a:ext uri="{91240B29-F687-4F45-9708-019B960494DF}">
+                  <a14:hiddenLine xmlns:a14="http://schemas.microsoft.com/office/drawing/2010/main" w="9525">
+                    <a:solidFill>
+                      <a:schemeClr val="tx1"/>
+                    </a:solidFill>
+                    <a:miter lim="800000"/>
+                    <a:headEnd/>
+                    <a:tailEnd/>
+                  </a14:hiddenLine>
+                </a:ext>
+                <a:ext uri="{AF507438-7753-43E0-B8FC-AC1667EBCBE1}">
+                  <a14:hiddenEffects xmlns:a14="http://schemas.microsoft.com/office/drawing/2010/main">
+                    <a:effectLst>
+                      <a:outerShdw dist="35921" dir="2700000" algn="ctr" rotWithShape="0">
+                        <a:schemeClr val="bg2"/>
+                      </a:outerShdw>
+                    </a:effectLst>
+                  </a14:hiddenEffects>
+                </a:ext>
+              </a:extLst>
+            </p:spPr>
+            <p:txBody>
+              <a:bodyPr wrap="none">
+                <a:spAutoFit/>
+              </a:bodyPr>
+              <a:lstStyle>
+                <a:lvl1pPr eaLnBrk="0" hangingPunct="0">
+                  <a:spcBef>
+                    <a:spcPct val="20000"/>
+                  </a:spcBef>
+                  <a:buChar char="•"/>
+                  <a:defRPr sz="3200">
+                    <a:solidFill>
+                      <a:schemeClr val="tx1"/>
+                    </a:solidFill>
+                    <a:latin typeface="Arial" charset="0"/>
+                  </a:defRPr>
+                </a:lvl1pPr>
+                <a:lvl2pPr marL="742950" indent="-285750" eaLnBrk="0" hangingPunct="0">
+                  <a:spcBef>
+                    <a:spcPct val="20000"/>
+                  </a:spcBef>
+                  <a:buChar char="–"/>
+                  <a:defRPr sz="2800">
+                    <a:solidFill>
+                      <a:schemeClr val="tx1"/>
+                    </a:solidFill>
+                    <a:latin typeface="Arial" charset="0"/>
+                  </a:defRPr>
+                </a:lvl2pPr>
+                <a:lvl3pPr marL="1143000" indent="-228600" eaLnBrk="0" hangingPunct="0">
+                  <a:spcBef>
+                    <a:spcPct val="20000"/>
+                  </a:spcBef>
+                  <a:buChar char="•"/>
+                  <a:defRPr sz="2400">
+                    <a:solidFill>
+                      <a:schemeClr val="tx1"/>
+                    </a:solidFill>
+                    <a:latin typeface="Arial" charset="0"/>
+                  </a:defRPr>
+                </a:lvl3pPr>
+                <a:lvl4pPr marL="1600200" indent="-228600" eaLnBrk="0" hangingPunct="0">
+                  <a:spcBef>
+                    <a:spcPct val="20000"/>
+                  </a:spcBef>
+                  <a:buChar char="–"/>
+                  <a:defRPr sz="2000">
+                    <a:solidFill>
+                      <a:schemeClr val="tx1"/>
+                    </a:solidFill>
+                    <a:latin typeface="Arial" charset="0"/>
+                  </a:defRPr>
+                </a:lvl4pPr>
+                <a:lvl5pPr marL="2057400" indent="-228600" eaLnBrk="0" hangingPunct="0">
+                  <a:spcBef>
+                    <a:spcPct val="20000"/>
+                  </a:spcBef>
+                  <a:buChar char="»"/>
+                  <a:defRPr sz="2000">
+                    <a:solidFill>
+                      <a:schemeClr val="tx1"/>
+                    </a:solidFill>
+                    <a:latin typeface="Arial" charset="0"/>
+                  </a:defRPr>
+                </a:lvl5pPr>
+                <a:lvl6pPr marL="2514600" indent="-228600" eaLnBrk="0" fontAlgn="base" hangingPunct="0">
+                  <a:spcBef>
+                    <a:spcPct val="20000"/>
+                  </a:spcBef>
+                  <a:spcAft>
+                    <a:spcPct val="0"/>
+                  </a:spcAft>
+                  <a:buChar char="»"/>
+                  <a:defRPr sz="2000">
+                    <a:solidFill>
+                      <a:schemeClr val="tx1"/>
+                    </a:solidFill>
+                    <a:latin typeface="Arial" charset="0"/>
+                  </a:defRPr>
+                </a:lvl6pPr>
+                <a:lvl7pPr marL="2971800" indent="-228600" eaLnBrk="0" fontAlgn="base" hangingPunct="0">
+                  <a:spcBef>
+                    <a:spcPct val="20000"/>
+                  </a:spcBef>
+                  <a:spcAft>
+                    <a:spcPct val="0"/>
+                  </a:spcAft>
+                  <a:buChar char="»"/>
+                  <a:defRPr sz="2000">
+                    <a:solidFill>
+                      <a:schemeClr val="tx1"/>
+                    </a:solidFill>
+                    <a:latin typeface="Arial" charset="0"/>
+                  </a:defRPr>
+                </a:lvl7pPr>
+                <a:lvl8pPr marL="3429000" indent="-228600" eaLnBrk="0" fontAlgn="base" hangingPunct="0">
+                  <a:spcBef>
+                    <a:spcPct val="20000"/>
+                  </a:spcBef>
+                  <a:spcAft>
+                    <a:spcPct val="0"/>
+                  </a:spcAft>
+                  <a:buChar char="»"/>
+                  <a:defRPr sz="2000">
+                    <a:solidFill>
+                      <a:schemeClr val="tx1"/>
+                    </a:solidFill>
+                    <a:latin typeface="Arial" charset="0"/>
+                  </a:defRPr>
+                </a:lvl8pPr>
+                <a:lvl9pPr marL="3886200" indent="-228600" eaLnBrk="0" fontAlgn="base" hangingPunct="0">
+                  <a:spcBef>
+                    <a:spcPct val="20000"/>
+                  </a:spcBef>
+                  <a:spcAft>
+                    <a:spcPct val="0"/>
+                  </a:spcAft>
+                  <a:buChar char="»"/>
+                  <a:defRPr sz="2000">
+                    <a:solidFill>
+                      <a:schemeClr val="tx1"/>
+                    </a:solidFill>
+                    <a:latin typeface="Arial" charset="0"/>
+                  </a:defRPr>
+                </a:lvl9pPr>
+              </a:lstStyle>
+              <a:p>
+                <a:pPr eaLnBrk="1" hangingPunct="1">
+                  <a:spcBef>
+                    <a:spcPct val="0"/>
+                  </a:spcBef>
+                  <a:buFontTx/>
+                  <a:buNone/>
+                </a:pPr>
+                <a:r>
+                  <a:rPr lang="en-US" altLang="en-US" sz="2400" dirty="0" smtClean="0"/>
+                  <a:t>S</a:t>
+                </a:r>
+                <a:endParaRPr lang="en-US" altLang="en-US" sz="2400" dirty="0"/>
+              </a:p>
+            </p:txBody>
+          </p:sp>
+          <p:sp>
+            <p:nvSpPr>
+              <p:cNvPr id="9" name="Line 5"/>
+              <p:cNvSpPr>
+                <a:spLocks noChangeShapeType="1"/>
+              </p:cNvSpPr>
+              <p:nvPr/>
+            </p:nvSpPr>
+            <p:spPr bwMode="auto">
+              <a:xfrm flipH="1">
+                <a:off x="3704678" y="3351684"/>
+                <a:ext cx="457200" cy="228600"/>
+              </a:xfrm>
+              <a:prstGeom prst="line">
+                <a:avLst/>
+              </a:prstGeom>
+              <a:noFill/>
+              <a:ln w="19050">
+                <a:solidFill>
+                  <a:schemeClr val="tx1"/>
+                </a:solidFill>
+                <a:round/>
+                <a:headEnd/>
+                <a:tailEnd type="triangle" w="med" len="med"/>
+              </a:ln>
+              <a:effectLst/>
+              <a:extLst>
+                <a:ext uri="{909E8E84-426E-40DD-AFC4-6F175D3DCCD1}">
+                  <a14:hiddenFill xmlns:a14="http://schemas.microsoft.com/office/drawing/2010/main">
+                    <a:noFill/>
+                  </a14:hiddenFill>
+                </a:ext>
+                <a:ext uri="{AF507438-7753-43E0-B8FC-AC1667EBCBE1}">
+                  <a14:hiddenEffects xmlns:a14="http://schemas.microsoft.com/office/drawing/2010/main">
+                    <a:effectLst>
+                      <a:outerShdw dist="35921" dir="2700000" algn="ctr" rotWithShape="0">
+                        <a:schemeClr val="bg2"/>
+                      </a:outerShdw>
+                    </a:effectLst>
+                  </a14:hiddenEffects>
+                </a:ext>
+              </a:extLst>
+            </p:spPr>
+            <p:txBody>
+              <a:bodyPr/>
+              <a:lstStyle/>
+              <a:p>
+                <a:endParaRPr lang="en-US"/>
+              </a:p>
+            </p:txBody>
+          </p:sp>
+        </p:grpSp>
+      </p:grpSp>
+    </p:spTree>
+    <p:extLst>
+      <p:ext uri="{BB962C8B-B14F-4D97-AF65-F5344CB8AC3E}">
+        <p14:creationId xmlns:p14="http://schemas.microsoft.com/office/powerpoint/2010/main" val="597962808"/>
+      </p:ext>
+    </p:extLst>
+  </p:cSld>
+  <p:clrMapOvr>
+    <a:masterClrMapping/>
+  </p:clrMapOvr>
+  <p:timing>
+    <p:tnLst>
+      <p:par>
+        <p:cTn id="1" dur="indefinite" restart="never" nodeType="tmRoot"/>
+      </p:par>
+    </p:tnLst>
+  </p:timing>
+</p:sld>
+</file>
+
+<file path=ppt/slides/slide27.xml><?xml version="1.0" encoding="utf-8"?>
+<p:sld xmlns:a="http://schemas.openxmlformats.org/drawingml/2006/main" xmlns:r="http://schemas.openxmlformats.org/officeDocument/2006/relationships" xmlns:p="http://schemas.openxmlformats.org/presentationml/2006/main">
+  <p:cSld>
+    <p:spTree>
+      <p:nvGrpSpPr>
+        <p:cNvPr id="1" name=""/>
+        <p:cNvGrpSpPr/>
+        <p:nvPr/>
+      </p:nvGrpSpPr>
+      <p:grpSpPr>
+        <a:xfrm>
+          <a:off x="0" y="0"/>
+          <a:ext cx="0" cy="0"/>
+          <a:chOff x="0" y="0"/>
+          <a:chExt cx="0" cy="0"/>
+        </a:xfrm>
+      </p:grpSpPr>
+      <p:sp>
+        <p:nvSpPr>
+          <p:cNvPr id="19458" name="Text Box 2"/>
+          <p:cNvSpPr txBox="1">
+            <a:spLocks noChangeArrowheads="1"/>
+          </p:cNvSpPr>
+          <p:nvPr/>
+        </p:nvSpPr>
+        <p:spPr bwMode="auto">
+          <a:xfrm>
+            <a:off x="609600" y="762000"/>
+            <a:ext cx="8188325" cy="946150"/>
+          </a:xfrm>
+          <a:prstGeom prst="rect">
+            <a:avLst/>
+          </a:prstGeom>
+          <a:noFill/>
+          <a:ln>
+            <a:noFill/>
+          </a:ln>
+          <a:effectLst/>
+          <a:extLst>
+            <a:ext uri="{909E8E84-426E-40DD-AFC4-6F175D3DCCD1}">
+              <a14:hiddenFill xmlns:a14="http://schemas.microsoft.com/office/drawing/2010/main">
+                <a:solidFill>
+                  <a:schemeClr val="accent1"/>
+                </a:solidFill>
+              </a14:hiddenFill>
+            </a:ext>
+            <a:ext uri="{91240B29-F687-4F45-9708-019B960494DF}">
+              <a14:hiddenLine xmlns:a14="http://schemas.microsoft.com/office/drawing/2010/main" w="9525">
+                <a:solidFill>
+                  <a:schemeClr val="tx1"/>
+                </a:solidFill>
+                <a:miter lim="800000"/>
+                <a:headEnd/>
+                <a:tailEnd/>
+              </a14:hiddenLine>
+            </a:ext>
+            <a:ext uri="{AF507438-7753-43E0-B8FC-AC1667EBCBE1}">
+              <a14:hiddenEffects xmlns:a14="http://schemas.microsoft.com/office/drawing/2010/main">
+                <a:effectLst>
+                  <a:outerShdw dist="35921" dir="2700000" algn="ctr" rotWithShape="0">
+                    <a:schemeClr val="bg2"/>
+                  </a:outerShdw>
+                </a:effectLst>
+              </a14:hiddenEffects>
+            </a:ext>
+          </a:extLst>
+        </p:spPr>
+        <p:txBody>
+          <a:bodyPr wrap="none">
+            <a:spAutoFit/>
+          </a:bodyPr>
+          <a:lstStyle>
+            <a:lvl1pPr eaLnBrk="0" hangingPunct="0">
+              <a:spcBef>
+                <a:spcPct val="20000"/>
+              </a:spcBef>
+              <a:buChar char="•"/>
+              <a:defRPr sz="3200">
+                <a:solidFill>
+                  <a:schemeClr val="tx1"/>
+                </a:solidFill>
+                <a:latin typeface="Arial" charset="0"/>
+              </a:defRPr>
+            </a:lvl1pPr>
+            <a:lvl2pPr marL="742950" indent="-285750" eaLnBrk="0" hangingPunct="0">
+              <a:spcBef>
+                <a:spcPct val="20000"/>
+              </a:spcBef>
+              <a:buChar char="–"/>
+              <a:defRPr sz="2800">
+                <a:solidFill>
+                  <a:schemeClr val="tx1"/>
+                </a:solidFill>
+                <a:latin typeface="Arial" charset="0"/>
+              </a:defRPr>
+            </a:lvl2pPr>
+            <a:lvl3pPr marL="1143000" indent="-228600" eaLnBrk="0" hangingPunct="0">
+              <a:spcBef>
+                <a:spcPct val="20000"/>
+              </a:spcBef>
+              <a:buChar char="•"/>
+              <a:defRPr sz="2400">
+                <a:solidFill>
+                  <a:schemeClr val="tx1"/>
+                </a:solidFill>
+                <a:latin typeface="Arial" charset="0"/>
+              </a:defRPr>
+            </a:lvl3pPr>
+            <a:lvl4pPr marL="1600200" indent="-228600" eaLnBrk="0" hangingPunct="0">
+              <a:spcBef>
+                <a:spcPct val="20000"/>
+              </a:spcBef>
+              <a:buChar char="–"/>
+              <a:defRPr sz="2000">
+                <a:solidFill>
+                  <a:schemeClr val="tx1"/>
+                </a:solidFill>
+                <a:latin typeface="Arial" charset="0"/>
+              </a:defRPr>
+            </a:lvl4pPr>
+            <a:lvl5pPr marL="2057400" indent="-228600" eaLnBrk="0" hangingPunct="0">
+              <a:spcBef>
+                <a:spcPct val="20000"/>
+              </a:spcBef>
+              <a:buChar char="»"/>
+              <a:defRPr sz="2000">
+                <a:solidFill>
+                  <a:schemeClr val="tx1"/>
+                </a:solidFill>
+                <a:latin typeface="Arial" charset="0"/>
+              </a:defRPr>
+            </a:lvl5pPr>
+            <a:lvl6pPr marL="2514600" indent="-228600" eaLnBrk="0" fontAlgn="base" hangingPunct="0">
+              <a:spcBef>
+                <a:spcPct val="20000"/>
+              </a:spcBef>
+              <a:spcAft>
+                <a:spcPct val="0"/>
+              </a:spcAft>
+              <a:buChar char="»"/>
+              <a:defRPr sz="2000">
+                <a:solidFill>
+                  <a:schemeClr val="tx1"/>
+                </a:solidFill>
+                <a:latin typeface="Arial" charset="0"/>
+              </a:defRPr>
+            </a:lvl6pPr>
+            <a:lvl7pPr marL="2971800" indent="-228600" eaLnBrk="0" fontAlgn="base" hangingPunct="0">
+              <a:spcBef>
+                <a:spcPct val="20000"/>
+              </a:spcBef>
+              <a:spcAft>
+                <a:spcPct val="0"/>
+              </a:spcAft>
+              <a:buChar char="»"/>
+              <a:defRPr sz="2000">
+                <a:solidFill>
+                  <a:schemeClr val="tx1"/>
+                </a:solidFill>
+                <a:latin typeface="Arial" charset="0"/>
+              </a:defRPr>
+            </a:lvl7pPr>
+            <a:lvl8pPr marL="3429000" indent="-228600" eaLnBrk="0" fontAlgn="base" hangingPunct="0">
+              <a:spcBef>
+                <a:spcPct val="20000"/>
+              </a:spcBef>
+              <a:spcAft>
+                <a:spcPct val="0"/>
+              </a:spcAft>
+              <a:buChar char="»"/>
+              <a:defRPr sz="2000">
+                <a:solidFill>
+                  <a:schemeClr val="tx1"/>
+                </a:solidFill>
+                <a:latin typeface="Arial" charset="0"/>
+              </a:defRPr>
+            </a:lvl8pPr>
+            <a:lvl9pPr marL="3886200" indent="-228600" eaLnBrk="0" fontAlgn="base" hangingPunct="0">
+              <a:spcBef>
+                <a:spcPct val="20000"/>
+              </a:spcBef>
+              <a:spcAft>
+                <a:spcPct val="0"/>
+              </a:spcAft>
+              <a:buChar char="»"/>
+              <a:defRPr sz="2000">
+                <a:solidFill>
+                  <a:schemeClr val="tx1"/>
+                </a:solidFill>
+                <a:latin typeface="Arial" charset="0"/>
+              </a:defRPr>
+            </a:lvl9pPr>
+          </a:lstStyle>
+          <a:p>
+            <a:pPr eaLnBrk="1" hangingPunct="1">
+              <a:spcBef>
+                <a:spcPct val="0"/>
+              </a:spcBef>
+              <a:buFontTx/>
+              <a:buNone/>
+            </a:pPr>
+            <a:r>
+              <a:rPr lang="en-US" altLang="en-US" sz="2800"/>
+              <a:t>What is the VC dimension of the hypothesis class </a:t>
+            </a:r>
+          </a:p>
+          <a:p>
+            <a:pPr eaLnBrk="1" hangingPunct="1">
+              <a:spcBef>
+                <a:spcPct val="0"/>
+              </a:spcBef>
+              <a:buFontTx/>
+              <a:buNone/>
+            </a:pPr>
+            <a:r>
+              <a:rPr lang="en-US" altLang="en-US" sz="2800"/>
+              <a:t>defined by the union of all axis-aligned rectangles?</a:t>
+            </a:r>
+          </a:p>
+        </p:txBody>
+      </p:sp>
+      <p:pic>
+        <p:nvPicPr>
+          <p:cNvPr id="19459" name="Picture 6"/>
+          <p:cNvPicPr>
+            <a:picLocks noChangeAspect="1" noChangeArrowheads="1"/>
+          </p:cNvPicPr>
+          <p:nvPr/>
+        </p:nvPicPr>
+        <p:blipFill>
+          <a:blip r:embed="rId3">
+            <a:extLst>
+              <a:ext uri="{28A0092B-C50C-407E-A947-70E740481C1C}">
+                <a14:useLocalDpi xmlns:a14="http://schemas.microsoft.com/office/drawing/2010/main" val="0"/>
+              </a:ext>
+            </a:extLst>
+          </a:blip>
+          <a:srcRect/>
+          <a:stretch>
+            <a:fillRect/>
+          </a:stretch>
+        </p:blipFill>
+        <p:spPr bwMode="auto">
+          <a:xfrm>
+            <a:off x="1295400" y="1771650"/>
+            <a:ext cx="5581650" cy="5086350"/>
+          </a:xfrm>
+          <a:prstGeom prst="rect">
+            <a:avLst/>
+          </a:prstGeom>
+          <a:noFill/>
+          <a:ln>
+            <a:noFill/>
+          </a:ln>
+          <a:extLst>
+            <a:ext uri="{909E8E84-426E-40DD-AFC4-6F175D3DCCD1}">
+              <a14:hiddenFill xmlns:a14="http://schemas.microsoft.com/office/drawing/2010/main">
+                <a:solidFill>
+                  <a:srgbClr val="FFFFFF"/>
+                </a:solidFill>
+              </a14:hiddenFill>
+            </a:ext>
+            <a:ext uri="{91240B29-F687-4F45-9708-019B960494DF}">
+              <a14:hiddenLine xmlns:a14="http://schemas.microsoft.com/office/drawing/2010/main" w="9525">
+                <a:solidFill>
+                  <a:srgbClr val="000000"/>
+                </a:solidFill>
+                <a:miter lim="800000"/>
+                <a:headEnd/>
+                <a:tailEnd/>
+              </a14:hiddenLine>
+            </a:ext>
+          </a:extLst>
+        </p:spPr>
+      </p:pic>
+    </p:spTree>
+    <p:extLst>
+      <p:ext uri="{BB962C8B-B14F-4D97-AF65-F5344CB8AC3E}">
+        <p14:creationId xmlns:p14="http://schemas.microsoft.com/office/powerpoint/2010/main" val="3061191106"/>
+      </p:ext>
+    </p:extLst>
+  </p:cSld>
+  <p:clrMapOvr>
+    <a:masterClrMapping/>
+  </p:clrMapOvr>
+  <p:timing>
+    <p:tnLst>
+      <p:par>
+        <p:cTn id="1" dur="indefinite" restart="never" nodeType="tmRoot"/>
+      </p:par>
+    </p:tnLst>
+  </p:timing>
+</p:sld>
+</file>
+
+<file path=ppt/slides/slide28.xml><?xml version="1.0" encoding="utf-8"?>
+<p:sld xmlns:a="http://schemas.openxmlformats.org/drawingml/2006/main" xmlns:r="http://schemas.openxmlformats.org/officeDocument/2006/relationships" xmlns:p="http://schemas.openxmlformats.org/presentationml/2006/main">
+  <p:cSld>
+    <p:spTree>
+      <p:nvGrpSpPr>
+        <p:cNvPr id="1" name=""/>
+        <p:cNvGrpSpPr/>
+        <p:nvPr/>
+      </p:nvGrpSpPr>
+      <p:grpSpPr>
+        <a:xfrm>
+          <a:off x="0" y="0"/>
+          <a:ext cx="0" cy="0"/>
+          <a:chOff x="0" y="0"/>
+          <a:chExt cx="0" cy="0"/>
+        </a:xfrm>
+      </p:grpSpPr>
+      <p:pic>
+        <p:nvPicPr>
+          <p:cNvPr id="13314" name="Picture 6"/>
+          <p:cNvPicPr>
+            <a:picLocks noChangeAspect="1" noChangeArrowheads="1"/>
+          </p:cNvPicPr>
+          <p:nvPr/>
+        </p:nvPicPr>
+        <p:blipFill>
+          <a:blip r:embed="rId2">
+            <a:extLst>
+              <a:ext uri="{28A0092B-C50C-407E-A947-70E740481C1C}">
+                <a14:useLocalDpi xmlns:a14="http://schemas.microsoft.com/office/drawing/2010/main" val="0"/>
+              </a:ext>
+            </a:extLst>
+          </a:blip>
+          <a:srcRect/>
+          <a:stretch>
+            <a:fillRect/>
+          </a:stretch>
+        </p:blipFill>
+        <p:spPr bwMode="auto">
+          <a:xfrm>
+            <a:off x="395288" y="1557338"/>
+            <a:ext cx="5581650" cy="5086350"/>
+          </a:xfrm>
+          <a:prstGeom prst="rect">
+            <a:avLst/>
+          </a:prstGeom>
+          <a:noFill/>
+          <a:ln>
+            <a:noFill/>
+          </a:ln>
+          <a:extLst>
+            <a:ext uri="{909E8E84-426E-40DD-AFC4-6F175D3DCCD1}">
+              <a14:hiddenFill xmlns:a14="http://schemas.microsoft.com/office/drawing/2010/main">
+                <a:solidFill>
+                  <a:srgbClr val="FFFFFF"/>
+                </a:solidFill>
+              </a14:hiddenFill>
+            </a:ext>
+            <a:ext uri="{91240B29-F687-4F45-9708-019B960494DF}">
+              <a14:hiddenLine xmlns:a14="http://schemas.microsoft.com/office/drawing/2010/main" w="9525">
+                <a:solidFill>
+                  <a:srgbClr val="000000"/>
+                </a:solidFill>
+                <a:miter lim="800000"/>
+                <a:headEnd/>
+                <a:tailEnd/>
+              </a14:hiddenLine>
+            </a:ext>
+          </a:extLst>
+        </p:spPr>
+      </p:pic>
+      <p:sp>
+        <p:nvSpPr>
+          <p:cNvPr id="13316" name="Text Box 4"/>
+          <p:cNvSpPr txBox="1">
+            <a:spLocks noChangeArrowheads="1"/>
+          </p:cNvSpPr>
+          <p:nvPr/>
+        </p:nvSpPr>
+        <p:spPr bwMode="auto">
+          <a:xfrm>
+            <a:off x="5172083" y="2629878"/>
+            <a:ext cx="423514" cy="461665"/>
+          </a:xfrm>
+          <a:prstGeom prst="rect">
+            <a:avLst/>
+          </a:prstGeom>
+          <a:noFill/>
+          <a:ln>
+            <a:noFill/>
+          </a:ln>
+          <a:effectLst/>
+          <a:extLst>
+            <a:ext uri="{909E8E84-426E-40DD-AFC4-6F175D3DCCD1}">
+              <a14:hiddenFill xmlns:a14="http://schemas.microsoft.com/office/drawing/2010/main">
+                <a:solidFill>
+                  <a:schemeClr val="accent1"/>
+                </a:solidFill>
+              </a14:hiddenFill>
+            </a:ext>
+            <a:ext uri="{91240B29-F687-4F45-9708-019B960494DF}">
+              <a14:hiddenLine xmlns:a14="http://schemas.microsoft.com/office/drawing/2010/main" w="9525">
+                <a:solidFill>
+                  <a:schemeClr val="tx1"/>
+                </a:solidFill>
+                <a:miter lim="800000"/>
+                <a:headEnd/>
+                <a:tailEnd/>
+              </a14:hiddenLine>
+            </a:ext>
+            <a:ext uri="{AF507438-7753-43E0-B8FC-AC1667EBCBE1}">
+              <a14:hiddenEffects xmlns:a14="http://schemas.microsoft.com/office/drawing/2010/main">
+                <a:effectLst>
+                  <a:outerShdw dist="35921" dir="2700000" algn="ctr" rotWithShape="0">
+                    <a:schemeClr val="bg2"/>
+                  </a:outerShdw>
+                </a:effectLst>
+              </a14:hiddenEffects>
+            </a:ext>
+          </a:extLst>
+        </p:spPr>
+        <p:txBody>
+          <a:bodyPr wrap="none">
+            <a:spAutoFit/>
+          </a:bodyPr>
+          <a:lstStyle>
+            <a:lvl1pPr eaLnBrk="0" hangingPunct="0">
+              <a:spcBef>
+                <a:spcPct val="20000"/>
+              </a:spcBef>
+              <a:buChar char="•"/>
+              <a:defRPr sz="3200">
+                <a:solidFill>
+                  <a:schemeClr val="tx1"/>
+                </a:solidFill>
+                <a:latin typeface="Arial" charset="0"/>
+              </a:defRPr>
+            </a:lvl1pPr>
+            <a:lvl2pPr marL="742950" indent="-285750" eaLnBrk="0" hangingPunct="0">
+              <a:spcBef>
+                <a:spcPct val="20000"/>
+              </a:spcBef>
+              <a:buChar char="–"/>
+              <a:defRPr sz="2800">
+                <a:solidFill>
+                  <a:schemeClr val="tx1"/>
+                </a:solidFill>
+                <a:latin typeface="Arial" charset="0"/>
+              </a:defRPr>
+            </a:lvl2pPr>
+            <a:lvl3pPr marL="1143000" indent="-228600" eaLnBrk="0" hangingPunct="0">
+              <a:spcBef>
+                <a:spcPct val="20000"/>
+              </a:spcBef>
+              <a:buChar char="•"/>
+              <a:defRPr sz="2400">
+                <a:solidFill>
+                  <a:schemeClr val="tx1"/>
+                </a:solidFill>
+                <a:latin typeface="Arial" charset="0"/>
+              </a:defRPr>
+            </a:lvl3pPr>
+            <a:lvl4pPr marL="1600200" indent="-228600" eaLnBrk="0" hangingPunct="0">
+              <a:spcBef>
+                <a:spcPct val="20000"/>
+              </a:spcBef>
+              <a:buChar char="–"/>
+              <a:defRPr sz="2000">
+                <a:solidFill>
+                  <a:schemeClr val="tx1"/>
+                </a:solidFill>
+                <a:latin typeface="Arial" charset="0"/>
+              </a:defRPr>
+            </a:lvl4pPr>
+            <a:lvl5pPr marL="2057400" indent="-228600" eaLnBrk="0" hangingPunct="0">
+              <a:spcBef>
+                <a:spcPct val="20000"/>
+              </a:spcBef>
+              <a:buChar char="»"/>
+              <a:defRPr sz="2000">
+                <a:solidFill>
+                  <a:schemeClr val="tx1"/>
+                </a:solidFill>
+                <a:latin typeface="Arial" charset="0"/>
+              </a:defRPr>
+            </a:lvl5pPr>
+            <a:lvl6pPr marL="2514600" indent="-228600" eaLnBrk="0" fontAlgn="base" hangingPunct="0">
+              <a:spcBef>
+                <a:spcPct val="20000"/>
+              </a:spcBef>
+              <a:spcAft>
+                <a:spcPct val="0"/>
+              </a:spcAft>
+              <a:buChar char="»"/>
+              <a:defRPr sz="2000">
+                <a:solidFill>
+                  <a:schemeClr val="tx1"/>
+                </a:solidFill>
+                <a:latin typeface="Arial" charset="0"/>
+              </a:defRPr>
+            </a:lvl6pPr>
+            <a:lvl7pPr marL="2971800" indent="-228600" eaLnBrk="0" fontAlgn="base" hangingPunct="0">
+              <a:spcBef>
+                <a:spcPct val="20000"/>
+              </a:spcBef>
+              <a:spcAft>
+                <a:spcPct val="0"/>
+              </a:spcAft>
+              <a:buChar char="»"/>
+              <a:defRPr sz="2000">
+                <a:solidFill>
+                  <a:schemeClr val="tx1"/>
+                </a:solidFill>
+                <a:latin typeface="Arial" charset="0"/>
+              </a:defRPr>
+            </a:lvl7pPr>
+            <a:lvl8pPr marL="3429000" indent="-228600" eaLnBrk="0" fontAlgn="base" hangingPunct="0">
+              <a:spcBef>
+                <a:spcPct val="20000"/>
+              </a:spcBef>
+              <a:spcAft>
+                <a:spcPct val="0"/>
+              </a:spcAft>
+              <a:buChar char="»"/>
+              <a:defRPr sz="2000">
+                <a:solidFill>
+                  <a:schemeClr val="tx1"/>
+                </a:solidFill>
+                <a:latin typeface="Arial" charset="0"/>
+              </a:defRPr>
+            </a:lvl8pPr>
+            <a:lvl9pPr marL="3886200" indent="-228600" eaLnBrk="0" fontAlgn="base" hangingPunct="0">
+              <a:spcBef>
+                <a:spcPct val="20000"/>
+              </a:spcBef>
+              <a:spcAft>
+                <a:spcPct val="0"/>
+              </a:spcAft>
+              <a:buChar char="»"/>
+              <a:defRPr sz="2000">
+                <a:solidFill>
+                  <a:schemeClr val="tx1"/>
+                </a:solidFill>
+                <a:latin typeface="Arial" charset="0"/>
+              </a:defRPr>
+            </a:lvl9pPr>
+          </a:lstStyle>
+          <a:p>
+            <a:pPr eaLnBrk="1" hangingPunct="1">
+              <a:spcBef>
+                <a:spcPct val="0"/>
+              </a:spcBef>
+              <a:buFontTx/>
+              <a:buNone/>
+            </a:pPr>
+            <a:r>
+              <a:rPr lang="en-US" altLang="en-US" sz="2400" dirty="0" smtClean="0"/>
+              <a:t>G</a:t>
+            </a:r>
+            <a:endParaRPr lang="en-US" altLang="en-US" sz="2400" dirty="0"/>
+          </a:p>
+        </p:txBody>
+      </p:sp>
+      <p:sp>
+        <p:nvSpPr>
+          <p:cNvPr id="13317" name="Line 5"/>
+          <p:cNvSpPr>
+            <a:spLocks noChangeShapeType="1"/>
+          </p:cNvSpPr>
+          <p:nvPr/>
+        </p:nvSpPr>
+        <p:spPr bwMode="auto">
+          <a:xfrm flipH="1">
+            <a:off x="4757057" y="2862943"/>
+            <a:ext cx="457200" cy="228600"/>
+          </a:xfrm>
+          <a:prstGeom prst="line">
+            <a:avLst/>
+          </a:prstGeom>
+          <a:noFill/>
+          <a:ln w="19050">
+            <a:solidFill>
+              <a:schemeClr val="tx1"/>
+            </a:solidFill>
+            <a:round/>
+            <a:headEnd/>
+            <a:tailEnd type="triangle" w="med" len="med"/>
+          </a:ln>
+          <a:effectLst/>
+          <a:extLst>
+            <a:ext uri="{909E8E84-426E-40DD-AFC4-6F175D3DCCD1}">
+              <a14:hiddenFill xmlns:a14="http://schemas.microsoft.com/office/drawing/2010/main">
+                <a:noFill/>
+              </a14:hiddenFill>
+            </a:ext>
+            <a:ext uri="{AF507438-7753-43E0-B8FC-AC1667EBCBE1}">
+              <a14:hiddenEffects xmlns:a14="http://schemas.microsoft.com/office/drawing/2010/main">
+                <a:effectLst>
+                  <a:outerShdw dist="35921" dir="2700000" algn="ctr" rotWithShape="0">
+                    <a:schemeClr val="bg2"/>
+                  </a:outerShdw>
+                </a:effectLst>
+              </a14:hiddenEffects>
+            </a:ext>
+          </a:extLst>
+        </p:spPr>
+        <p:txBody>
+          <a:bodyPr/>
+          <a:lstStyle/>
+          <a:p>
+            <a:endParaRPr lang="en-US"/>
+          </a:p>
+        </p:txBody>
+      </p:sp>
+      <p:sp>
+        <p:nvSpPr>
+          <p:cNvPr id="2" name="Rectangle 1"/>
+          <p:cNvSpPr/>
+          <p:nvPr/>
+        </p:nvSpPr>
+        <p:spPr>
+          <a:xfrm>
+            <a:off x="2438400" y="3468688"/>
+            <a:ext cx="1204913" cy="798512"/>
+          </a:xfrm>
+          <a:prstGeom prst="rect">
+            <a:avLst/>
+          </a:prstGeom>
+          <a:noFill/>
+          <a:ln>
+            <a:prstDash val="dash"/>
+          </a:ln>
+        </p:spPr>
+        <p:style>
+          <a:lnRef idx="2">
+            <a:schemeClr val="accent1">
+              <a:shade val="50000"/>
+            </a:schemeClr>
+          </a:lnRef>
+          <a:fillRef idx="1">
+            <a:schemeClr val="accent1"/>
+          </a:fillRef>
+          <a:effectRef idx="0">
+            <a:schemeClr val="accent1"/>
+          </a:effectRef>
+          <a:fontRef idx="minor">
+            <a:schemeClr val="lt1"/>
+          </a:fontRef>
+        </p:style>
+        <p:txBody>
+          <a:bodyPr rtlCol="0" anchor="ctr"/>
+          <a:lstStyle/>
+          <a:p>
+            <a:pPr algn="ctr"/>
+            <a:endParaRPr lang="en-US"/>
+          </a:p>
+        </p:txBody>
+      </p:sp>
+      <p:sp>
+        <p:nvSpPr>
+          <p:cNvPr id="3" name="Rectangle 2"/>
+          <p:cNvSpPr/>
+          <p:nvPr/>
+        </p:nvSpPr>
+        <p:spPr>
+          <a:xfrm>
+            <a:off x="1905000" y="3124200"/>
+            <a:ext cx="2819400" cy="1447800"/>
+          </a:xfrm>
+          <a:prstGeom prst="rect">
+            <a:avLst/>
+          </a:prstGeom>
+          <a:noFill/>
+          <a:ln>
+            <a:prstDash val="dash"/>
+          </a:ln>
+        </p:spPr>
+        <p:style>
+          <a:lnRef idx="2">
+            <a:schemeClr val="accent1">
+              <a:shade val="50000"/>
+            </a:schemeClr>
+          </a:lnRef>
+          <a:fillRef idx="1">
+            <a:schemeClr val="accent1"/>
+          </a:fillRef>
+          <a:effectRef idx="0">
+            <a:schemeClr val="accent1"/>
+          </a:effectRef>
+          <a:fontRef idx="minor">
+            <a:schemeClr val="lt1"/>
+          </a:fontRef>
+        </p:style>
+        <p:txBody>
+          <a:bodyPr rtlCol="0" anchor="ctr"/>
+          <a:lstStyle/>
+          <a:p>
+            <a:pPr algn="ctr"/>
+            <a:endParaRPr lang="en-US"/>
+          </a:p>
+        </p:txBody>
+      </p:sp>
+      <p:sp>
+        <p:nvSpPr>
+          <p:cNvPr id="8" name="Text Box 4"/>
+          <p:cNvSpPr txBox="1">
+            <a:spLocks noChangeArrowheads="1"/>
+          </p:cNvSpPr>
+          <p:nvPr/>
+        </p:nvSpPr>
+        <p:spPr bwMode="auto">
+          <a:xfrm>
+            <a:off x="4110679" y="3091543"/>
+            <a:ext cx="389850" cy="461665"/>
+          </a:xfrm>
+          <a:prstGeom prst="rect">
+            <a:avLst/>
+          </a:prstGeom>
+          <a:noFill/>
+          <a:ln>
+            <a:noFill/>
+          </a:ln>
+          <a:effectLst/>
+          <a:extLst>
+            <a:ext uri="{909E8E84-426E-40DD-AFC4-6F175D3DCCD1}">
+              <a14:hiddenFill xmlns:a14="http://schemas.microsoft.com/office/drawing/2010/main">
+                <a:solidFill>
+                  <a:schemeClr val="accent1"/>
+                </a:solidFill>
+              </a14:hiddenFill>
+            </a:ext>
+            <a:ext uri="{91240B29-F687-4F45-9708-019B960494DF}">
+              <a14:hiddenLine xmlns:a14="http://schemas.microsoft.com/office/drawing/2010/main" w="9525">
+                <a:solidFill>
+                  <a:schemeClr val="tx1"/>
+                </a:solidFill>
+                <a:miter lim="800000"/>
+                <a:headEnd/>
+                <a:tailEnd/>
+              </a14:hiddenLine>
+            </a:ext>
+            <a:ext uri="{AF507438-7753-43E0-B8FC-AC1667EBCBE1}">
+              <a14:hiddenEffects xmlns:a14="http://schemas.microsoft.com/office/drawing/2010/main">
+                <a:effectLst>
+                  <a:outerShdw dist="35921" dir="2700000" algn="ctr" rotWithShape="0">
+                    <a:schemeClr val="bg2"/>
+                  </a:outerShdw>
+                </a:effectLst>
+              </a14:hiddenEffects>
+            </a:ext>
+          </a:extLst>
+        </p:spPr>
+        <p:txBody>
+          <a:bodyPr wrap="none">
+            <a:spAutoFit/>
+          </a:bodyPr>
+          <a:lstStyle>
+            <a:lvl1pPr eaLnBrk="0" hangingPunct="0">
+              <a:spcBef>
+                <a:spcPct val="20000"/>
+              </a:spcBef>
+              <a:buChar char="•"/>
+              <a:defRPr sz="3200">
+                <a:solidFill>
+                  <a:schemeClr val="tx1"/>
+                </a:solidFill>
+                <a:latin typeface="Arial" charset="0"/>
+              </a:defRPr>
+            </a:lvl1pPr>
+            <a:lvl2pPr marL="742950" indent="-285750" eaLnBrk="0" hangingPunct="0">
+              <a:spcBef>
+                <a:spcPct val="20000"/>
+              </a:spcBef>
+              <a:buChar char="–"/>
+              <a:defRPr sz="2800">
+                <a:solidFill>
+                  <a:schemeClr val="tx1"/>
+                </a:solidFill>
+                <a:latin typeface="Arial" charset="0"/>
+              </a:defRPr>
+            </a:lvl2pPr>
+            <a:lvl3pPr marL="1143000" indent="-228600" eaLnBrk="0" hangingPunct="0">
+              <a:spcBef>
+                <a:spcPct val="20000"/>
+              </a:spcBef>
+              <a:buChar char="•"/>
+              <a:defRPr sz="2400">
+                <a:solidFill>
+                  <a:schemeClr val="tx1"/>
+                </a:solidFill>
+                <a:latin typeface="Arial" charset="0"/>
+              </a:defRPr>
+            </a:lvl3pPr>
+            <a:lvl4pPr marL="1600200" indent="-228600" eaLnBrk="0" hangingPunct="0">
+              <a:spcBef>
+                <a:spcPct val="20000"/>
+              </a:spcBef>
+              <a:buChar char="–"/>
+              <a:defRPr sz="2000">
+                <a:solidFill>
+                  <a:schemeClr val="tx1"/>
+                </a:solidFill>
+                <a:latin typeface="Arial" charset="0"/>
+              </a:defRPr>
+            </a:lvl4pPr>
+            <a:lvl5pPr marL="2057400" indent="-228600" eaLnBrk="0" hangingPunct="0">
+              <a:spcBef>
+                <a:spcPct val="20000"/>
+              </a:spcBef>
+              <a:buChar char="»"/>
+              <a:defRPr sz="2000">
+                <a:solidFill>
+                  <a:schemeClr val="tx1"/>
+                </a:solidFill>
+                <a:latin typeface="Arial" charset="0"/>
+              </a:defRPr>
+            </a:lvl5pPr>
+            <a:lvl6pPr marL="2514600" indent="-228600" eaLnBrk="0" fontAlgn="base" hangingPunct="0">
+              <a:spcBef>
+                <a:spcPct val="20000"/>
+              </a:spcBef>
+              <a:spcAft>
+                <a:spcPct val="0"/>
+              </a:spcAft>
+              <a:buChar char="»"/>
+              <a:defRPr sz="2000">
+                <a:solidFill>
+                  <a:schemeClr val="tx1"/>
+                </a:solidFill>
+                <a:latin typeface="Arial" charset="0"/>
+              </a:defRPr>
+            </a:lvl6pPr>
+            <a:lvl7pPr marL="2971800" indent="-228600" eaLnBrk="0" fontAlgn="base" hangingPunct="0">
+              <a:spcBef>
+                <a:spcPct val="20000"/>
+              </a:spcBef>
+              <a:spcAft>
+                <a:spcPct val="0"/>
+              </a:spcAft>
+              <a:buChar char="»"/>
+              <a:defRPr sz="2000">
+                <a:solidFill>
+                  <a:schemeClr val="tx1"/>
+                </a:solidFill>
+                <a:latin typeface="Arial" charset="0"/>
+              </a:defRPr>
+            </a:lvl7pPr>
+            <a:lvl8pPr marL="3429000" indent="-228600" eaLnBrk="0" fontAlgn="base" hangingPunct="0">
+              <a:spcBef>
+                <a:spcPct val="20000"/>
+              </a:spcBef>
+              <a:spcAft>
+                <a:spcPct val="0"/>
+              </a:spcAft>
+              <a:buChar char="»"/>
+              <a:defRPr sz="2000">
+                <a:solidFill>
+                  <a:schemeClr val="tx1"/>
+                </a:solidFill>
+                <a:latin typeface="Arial" charset="0"/>
+              </a:defRPr>
+            </a:lvl8pPr>
+            <a:lvl9pPr marL="3886200" indent="-228600" eaLnBrk="0" fontAlgn="base" hangingPunct="0">
+              <a:spcBef>
+                <a:spcPct val="20000"/>
+              </a:spcBef>
+              <a:spcAft>
+                <a:spcPct val="0"/>
+              </a:spcAft>
+              <a:buChar char="»"/>
+              <a:defRPr sz="2000">
+                <a:solidFill>
+                  <a:schemeClr val="tx1"/>
+                </a:solidFill>
+                <a:latin typeface="Arial" charset="0"/>
+              </a:defRPr>
+            </a:lvl9pPr>
+          </a:lstStyle>
+          <a:p>
+            <a:pPr eaLnBrk="1" hangingPunct="1">
+              <a:spcBef>
+                <a:spcPct val="0"/>
+              </a:spcBef>
+              <a:buFontTx/>
+              <a:buNone/>
+            </a:pPr>
+            <a:r>
+              <a:rPr lang="en-US" altLang="en-US" sz="2400" dirty="0" smtClean="0"/>
+              <a:t>S</a:t>
+            </a:r>
+            <a:endParaRPr lang="en-US" altLang="en-US" sz="2400" dirty="0"/>
+          </a:p>
+        </p:txBody>
+      </p:sp>
+      <p:sp>
+        <p:nvSpPr>
+          <p:cNvPr id="9" name="Line 5"/>
+          <p:cNvSpPr>
+            <a:spLocks noChangeShapeType="1"/>
+          </p:cNvSpPr>
+          <p:nvPr/>
+        </p:nvSpPr>
+        <p:spPr bwMode="auto">
+          <a:xfrm flipH="1">
+            <a:off x="3704678" y="3351684"/>
+            <a:ext cx="457200" cy="228600"/>
+          </a:xfrm>
+          <a:prstGeom prst="line">
+            <a:avLst/>
+          </a:prstGeom>
+          <a:noFill/>
+          <a:ln w="19050">
+            <a:solidFill>
+              <a:schemeClr val="tx1"/>
+            </a:solidFill>
+            <a:round/>
+            <a:headEnd/>
+            <a:tailEnd type="triangle" w="med" len="med"/>
+          </a:ln>
+          <a:effectLst/>
+          <a:extLst>
+            <a:ext uri="{909E8E84-426E-40DD-AFC4-6F175D3DCCD1}">
+              <a14:hiddenFill xmlns:a14="http://schemas.microsoft.com/office/drawing/2010/main">
+                <a:noFill/>
+              </a14:hiddenFill>
+            </a:ext>
+            <a:ext uri="{AF507438-7753-43E0-B8FC-AC1667EBCBE1}">
+              <a14:hiddenEffects xmlns:a14="http://schemas.microsoft.com/office/drawing/2010/main">
+                <a:effectLst>
+                  <a:outerShdw dist="35921" dir="2700000" algn="ctr" rotWithShape="0">
+                    <a:schemeClr val="bg2"/>
+                  </a:outerShdw>
+                </a:effectLst>
+              </a14:hiddenEffects>
+            </a:ext>
+          </a:extLst>
+        </p:spPr>
+        <p:txBody>
+          <a:bodyPr/>
+          <a:lstStyle/>
+          <a:p>
+            <a:endParaRPr lang="en-US"/>
+          </a:p>
+        </p:txBody>
+      </p:sp>
+      <p:sp>
+        <p:nvSpPr>
+          <p:cNvPr id="10" name="Text Box 2"/>
+          <p:cNvSpPr txBox="1">
+            <a:spLocks noChangeArrowheads="1"/>
+          </p:cNvSpPr>
+          <p:nvPr/>
+        </p:nvSpPr>
+        <p:spPr bwMode="auto">
+          <a:xfrm>
+            <a:off x="1025978" y="800605"/>
+            <a:ext cx="7919357" cy="707886"/>
+          </a:xfrm>
+          <a:prstGeom prst="rect">
+            <a:avLst/>
+          </a:prstGeom>
+          <a:noFill/>
+          <a:ln>
+            <a:noFill/>
+          </a:ln>
+          <a:effectLst/>
+          <a:extLst>
+            <a:ext uri="{909E8E84-426E-40DD-AFC4-6F175D3DCCD1}">
+              <a14:hiddenFill xmlns:a14="http://schemas.microsoft.com/office/drawing/2010/main">
+                <a:solidFill>
+                  <a:schemeClr val="accent1"/>
+                </a:solidFill>
+              </a14:hiddenFill>
+            </a:ext>
+            <a:ext uri="{91240B29-F687-4F45-9708-019B960494DF}">
+              <a14:hiddenLine xmlns:a14="http://schemas.microsoft.com/office/drawing/2010/main" w="9525">
+                <a:solidFill>
+                  <a:schemeClr val="tx1"/>
+                </a:solidFill>
+                <a:miter lim="800000"/>
+                <a:headEnd/>
+                <a:tailEnd/>
+              </a14:hiddenLine>
+            </a:ext>
+            <a:ext uri="{AF507438-7753-43E0-B8FC-AC1667EBCBE1}">
+              <a14:hiddenEffects xmlns:a14="http://schemas.microsoft.com/office/drawing/2010/main">
+                <a:effectLst>
+                  <a:outerShdw dist="35921" dir="2700000" algn="ctr" rotWithShape="0">
+                    <a:schemeClr val="bg2"/>
+                  </a:outerShdw>
+                </a:effectLst>
+              </a14:hiddenEffects>
+            </a:ext>
+          </a:extLst>
+        </p:spPr>
+        <p:txBody>
+          <a:bodyPr wrap="square">
+            <a:spAutoFit/>
+          </a:bodyPr>
+          <a:lstStyle>
+            <a:lvl1pPr eaLnBrk="0" hangingPunct="0">
+              <a:spcBef>
+                <a:spcPct val="20000"/>
+              </a:spcBef>
+              <a:buChar char="•"/>
+              <a:defRPr sz="3200">
+                <a:solidFill>
+                  <a:schemeClr val="tx1"/>
+                </a:solidFill>
+                <a:latin typeface="Arial" charset="0"/>
+              </a:defRPr>
+            </a:lvl1pPr>
+            <a:lvl2pPr marL="742950" indent="-285750" eaLnBrk="0" hangingPunct="0">
+              <a:spcBef>
+                <a:spcPct val="20000"/>
+              </a:spcBef>
+              <a:buChar char="–"/>
+              <a:defRPr sz="2800">
+                <a:solidFill>
+                  <a:schemeClr val="tx1"/>
+                </a:solidFill>
+                <a:latin typeface="Arial" charset="0"/>
+              </a:defRPr>
+            </a:lvl2pPr>
+            <a:lvl3pPr marL="1143000" indent="-228600" eaLnBrk="0" hangingPunct="0">
+              <a:spcBef>
+                <a:spcPct val="20000"/>
+              </a:spcBef>
+              <a:buChar char="•"/>
+              <a:defRPr sz="2400">
+                <a:solidFill>
+                  <a:schemeClr val="tx1"/>
+                </a:solidFill>
+                <a:latin typeface="Arial" charset="0"/>
+              </a:defRPr>
+            </a:lvl3pPr>
+            <a:lvl4pPr marL="1600200" indent="-228600" eaLnBrk="0" hangingPunct="0">
+              <a:spcBef>
+                <a:spcPct val="20000"/>
+              </a:spcBef>
+              <a:buChar char="–"/>
+              <a:defRPr sz="2000">
+                <a:solidFill>
+                  <a:schemeClr val="tx1"/>
+                </a:solidFill>
+                <a:latin typeface="Arial" charset="0"/>
+              </a:defRPr>
+            </a:lvl4pPr>
+            <a:lvl5pPr marL="2057400" indent="-228600" eaLnBrk="0" hangingPunct="0">
+              <a:spcBef>
+                <a:spcPct val="20000"/>
+              </a:spcBef>
+              <a:buChar char="»"/>
+              <a:defRPr sz="2000">
+                <a:solidFill>
+                  <a:schemeClr val="tx1"/>
+                </a:solidFill>
+                <a:latin typeface="Arial" charset="0"/>
+              </a:defRPr>
+            </a:lvl5pPr>
+            <a:lvl6pPr marL="2514600" indent="-228600" eaLnBrk="0" fontAlgn="base" hangingPunct="0">
+              <a:spcBef>
+                <a:spcPct val="20000"/>
+              </a:spcBef>
+              <a:spcAft>
+                <a:spcPct val="0"/>
+              </a:spcAft>
+              <a:buChar char="»"/>
+              <a:defRPr sz="2000">
+                <a:solidFill>
+                  <a:schemeClr val="tx1"/>
+                </a:solidFill>
+                <a:latin typeface="Arial" charset="0"/>
+              </a:defRPr>
+            </a:lvl6pPr>
+            <a:lvl7pPr marL="2971800" indent="-228600" eaLnBrk="0" fontAlgn="base" hangingPunct="0">
+              <a:spcBef>
+                <a:spcPct val="20000"/>
+              </a:spcBef>
+              <a:spcAft>
+                <a:spcPct val="0"/>
+              </a:spcAft>
+              <a:buChar char="»"/>
+              <a:defRPr sz="2000">
+                <a:solidFill>
+                  <a:schemeClr val="tx1"/>
+                </a:solidFill>
+                <a:latin typeface="Arial" charset="0"/>
+              </a:defRPr>
+            </a:lvl7pPr>
+            <a:lvl8pPr marL="3429000" indent="-228600" eaLnBrk="0" fontAlgn="base" hangingPunct="0">
+              <a:spcBef>
+                <a:spcPct val="20000"/>
+              </a:spcBef>
+              <a:spcAft>
+                <a:spcPct val="0"/>
+              </a:spcAft>
+              <a:buChar char="»"/>
+              <a:defRPr sz="2000">
+                <a:solidFill>
+                  <a:schemeClr val="tx1"/>
+                </a:solidFill>
+                <a:latin typeface="Arial" charset="0"/>
+              </a:defRPr>
+            </a:lvl8pPr>
+            <a:lvl9pPr marL="3886200" indent="-228600" eaLnBrk="0" fontAlgn="base" hangingPunct="0">
+              <a:spcBef>
+                <a:spcPct val="20000"/>
+              </a:spcBef>
+              <a:spcAft>
+                <a:spcPct val="0"/>
+              </a:spcAft>
+              <a:buChar char="»"/>
+              <a:defRPr sz="2000">
+                <a:solidFill>
+                  <a:schemeClr val="tx1"/>
+                </a:solidFill>
+                <a:latin typeface="Arial" charset="0"/>
+              </a:defRPr>
+            </a:lvl9pPr>
+          </a:lstStyle>
+          <a:p>
+            <a:pPr eaLnBrk="1" hangingPunct="1">
+              <a:spcBef>
+                <a:spcPct val="0"/>
+              </a:spcBef>
+              <a:buFontTx/>
+              <a:buNone/>
+            </a:pPr>
+            <a:r>
+              <a:rPr lang="en-US" altLang="en-US" sz="2000" dirty="0" smtClean="0"/>
+              <a:t>Any new data in the version space reduces its size</a:t>
+            </a:r>
+          </a:p>
+          <a:p>
+            <a:pPr eaLnBrk="1" hangingPunct="1">
+              <a:spcBef>
+                <a:spcPct val="0"/>
+              </a:spcBef>
+              <a:buFontTx/>
+              <a:buNone/>
+            </a:pPr>
+            <a:r>
+              <a:rPr lang="en-US" altLang="en-US" sz="2000" dirty="0" smtClean="0"/>
+              <a:t>Positive example increases S, negative example decreases G</a:t>
+            </a:r>
+            <a:endParaRPr lang="en-US" altLang="en-US" sz="2000" dirty="0"/>
+          </a:p>
+        </p:txBody>
+      </p:sp>
+    </p:spTree>
+    <p:extLst>
+      <p:ext uri="{BB962C8B-B14F-4D97-AF65-F5344CB8AC3E}">
+        <p14:creationId xmlns:p14="http://schemas.microsoft.com/office/powerpoint/2010/main" val="410349092"/>
       </p:ext>
     </p:extLst>
   </p:cSld>
@@ -17513,17 +19515,10 @@
                 <a:latin typeface="Arial" panose="020B0604020202020204" pitchFamily="34" charset="0"/>
                 <a:cs typeface="Arial" panose="020B0604020202020204" pitchFamily="34" charset="0"/>
               </a:rPr>
-              <a:t>In-sample error, </a:t>
-            </a:r>
-            <a:r>
-              <a:rPr lang="en-US" sz="2400" dirty="0" err="1" smtClean="0">
-                <a:latin typeface="Arial" panose="020B0604020202020204" pitchFamily="34" charset="0"/>
-                <a:cs typeface="Arial" panose="020B0604020202020204" pitchFamily="34" charset="0"/>
-              </a:rPr>
-              <a:t>E</a:t>
-            </a:r>
-            <a:r>
-              <a:rPr lang="en-US" sz="2400" baseline="-25000" dirty="0" err="1" smtClean="0">
+              <a:t>In-sample error, E</a:t>
+            </a:r>
+            <a:r>
+              <a:rPr lang="en-US" sz="2400" baseline="-25000" dirty="0" smtClean="0">
                 <a:latin typeface="Arial" panose="020B0604020202020204" pitchFamily="34" charset="0"/>
                 <a:cs typeface="Arial" panose="020B0604020202020204" pitchFamily="34" charset="0"/>
               </a:rPr>
